--- a/Praensentation.pptx
+++ b/Praensentation.pptx
@@ -5,15 +5,28 @@
     <p:sldMasterId id="2147483673" r:id="rId1"/>
   </p:sldMasterIdLst>
   <p:notesMasterIdLst>
-    <p:notesMasterId r:id="rId5"/>
+    <p:notesMasterId r:id="rId18"/>
   </p:notesMasterIdLst>
   <p:handoutMasterIdLst>
-    <p:handoutMasterId r:id="rId6"/>
+    <p:handoutMasterId r:id="rId19"/>
   </p:handoutMasterIdLst>
   <p:sldIdLst>
     <p:sldId id="257" r:id="rId2"/>
     <p:sldId id="258" r:id="rId3"/>
-    <p:sldId id="259" r:id="rId4"/>
+    <p:sldId id="260" r:id="rId4"/>
+    <p:sldId id="259" r:id="rId5"/>
+    <p:sldId id="263" r:id="rId6"/>
+    <p:sldId id="264" r:id="rId7"/>
+    <p:sldId id="265" r:id="rId8"/>
+    <p:sldId id="266" r:id="rId9"/>
+    <p:sldId id="267" r:id="rId10"/>
+    <p:sldId id="268" r:id="rId11"/>
+    <p:sldId id="269" r:id="rId12"/>
+    <p:sldId id="270" r:id="rId13"/>
+    <p:sldId id="271" r:id="rId14"/>
+    <p:sldId id="273" r:id="rId15"/>
+    <p:sldId id="272" r:id="rId16"/>
+    <p:sldId id="262" r:id="rId17"/>
   </p:sldIdLst>
   <p:sldSz cx="12192000" cy="6858000"/>
   <p:notesSz cx="6858000" cy="9144000"/>
@@ -207,7 +220,7 @@
             <a:pPr rtl="0"/>
             <a:fld id="{56DADB92-5A40-4548-A046-8AEB98C0DD04}" type="datetime1">
               <a:rPr lang="de-DE" smtClean="0"/>
-              <a:t>26.11.2021</a:t>
+              <a:t>29.11.2021</a:t>
             </a:fld>
             <a:endParaRPr lang="en-US" dirty="0"/>
           </a:p>
@@ -377,7 +390,7 @@
             <a:pPr rtl="0"/>
             <a:fld id="{EF940F88-494A-4E01-94D4-AE1E94A94A13}" type="datetime1">
               <a:rPr lang="de-DE" smtClean="0"/>
-              <a:t>26.11.2021</a:t>
+              <a:t>29.11.2021</a:t>
             </a:fld>
             <a:endParaRPr lang="en-US"/>
           </a:p>
@@ -1122,7 +1135,7 @@
             <a:pPr rtl="0"/>
             <a:fld id="{A300BC7A-40BD-4995-A1E1-D110562E1CAF}" type="datetime1">
               <a:rPr lang="de-DE" smtClean="0"/>
-              <a:t>26.11.2021</a:t>
+              <a:t>29.11.2021</a:t>
             </a:fld>
             <a:endParaRPr lang="en-US" dirty="0"/>
           </a:p>
@@ -1328,7 +1341,7 @@
             <a:pPr rtl="0"/>
             <a:fld id="{22E67CFE-7EBA-4741-B861-ECB9C16040ED}" type="datetime1">
               <a:rPr lang="de-DE" smtClean="0"/>
-              <a:t>26.11.2021</a:t>
+              <a:t>29.11.2021</a:t>
             </a:fld>
             <a:endParaRPr lang="en-US"/>
           </a:p>
@@ -1512,7 +1525,7 @@
             <a:pPr rtl="0"/>
             <a:fld id="{1F8D19ED-1661-49DB-ABA8-9D40E25065BC}" type="datetime1">
               <a:rPr lang="de-DE" smtClean="0"/>
-              <a:t>26.11.2021</a:t>
+              <a:t>29.11.2021</a:t>
             </a:fld>
             <a:endParaRPr lang="en-US"/>
           </a:p>
@@ -1686,7 +1699,7 @@
             <a:pPr rtl="0"/>
             <a:fld id="{FB7C0C16-5521-4517-AFDE-676F786A1296}" type="datetime1">
               <a:rPr lang="de-DE" smtClean="0"/>
-              <a:t>26.11.2021</a:t>
+              <a:t>29.11.2021</a:t>
             </a:fld>
             <a:endParaRPr lang="en-US"/>
           </a:p>
@@ -2289,7 +2302,7 @@
             <a:pPr rtl="0"/>
             <a:fld id="{D2E29C69-043E-4C13-9AB0-9F83C784042E}" type="datetime1">
               <a:rPr lang="de-DE" smtClean="0"/>
-              <a:t>26.11.2021</a:t>
+              <a:t>29.11.2021</a:t>
             </a:fld>
             <a:endParaRPr lang="en-US" dirty="0"/>
           </a:p>
@@ -2613,7 +2626,7 @@
             <a:pPr rtl="0"/>
             <a:fld id="{3749D4E4-B5C3-4E44-B86B-E426DECF8177}" type="datetime1">
               <a:rPr lang="de-DE" smtClean="0"/>
-              <a:t>26.11.2021</a:t>
+              <a:t>29.11.2021</a:t>
             </a:fld>
             <a:endParaRPr lang="en-US"/>
           </a:p>
@@ -3054,7 +3067,7 @@
             <a:pPr rtl="0"/>
             <a:fld id="{424063BC-01CA-4504-9E02-5CE33589BDD7}" type="datetime1">
               <a:rPr lang="de-DE" smtClean="0"/>
-              <a:t>26.11.2021</a:t>
+              <a:t>29.11.2021</a:t>
             </a:fld>
             <a:endParaRPr lang="en-US"/>
           </a:p>
@@ -3176,7 +3189,7 @@
             <a:pPr rtl="0"/>
             <a:fld id="{39FD4553-CB32-4C01-936B-782A1F0D4534}" type="datetime1">
               <a:rPr lang="de-DE" smtClean="0"/>
-              <a:t>26.11.2021</a:t>
+              <a:t>29.11.2021</a:t>
             </a:fld>
             <a:endParaRPr lang="en-US"/>
           </a:p>
@@ -3274,7 +3287,7 @@
             <a:pPr rtl="0"/>
             <a:fld id="{10BE4C6E-AE98-44D9-9539-7D07295E3F62}" type="datetime1">
               <a:rPr lang="de-DE" smtClean="0"/>
-              <a:t>26.11.2021</a:t>
+              <a:t>29.11.2021</a:t>
             </a:fld>
             <a:endParaRPr lang="en-US"/>
           </a:p>
@@ -3695,7 +3708,7 @@
             <a:pPr rtl="0"/>
             <a:fld id="{0BED7F17-BB87-4D21-B0B9-FC3CEC7BA3BA}" type="datetime1">
               <a:rPr lang="de-DE" smtClean="0"/>
-              <a:t>26.11.2021</a:t>
+              <a:t>29.11.2021</a:t>
             </a:fld>
             <a:endParaRPr lang="en-US"/>
           </a:p>
@@ -3960,7 +3973,7 @@
             <a:pPr rtl="0"/>
             <a:fld id="{5CE950D3-0446-4476-9960-01D89E840E5D}" type="datetime1">
               <a:rPr lang="de-DE" smtClean="0"/>
-              <a:t>26.11.2021</a:t>
+              <a:t>29.11.2021</a:t>
             </a:fld>
             <a:endParaRPr lang="en-US" dirty="0"/>
           </a:p>
@@ -4480,7 +4493,7 @@
             <a:pPr rtl="0"/>
             <a:fld id="{36B4A689-DE7A-460E-9036-381728EAF560}" type="datetime1">
               <a:rPr lang="de-DE" smtClean="0"/>
-              <a:t>26.11.2021</a:t>
+              <a:t>29.11.2021</a:t>
             </a:fld>
             <a:endParaRPr lang="en-US" dirty="0"/>
           </a:p>
@@ -5180,6 +5193,4311 @@
 </p:sld>
 </file>
 
+<file path=ppt/slides/slide10.xml><?xml version="1.0" encoding="utf-8"?>
+<p:sld xmlns:a="http://schemas.openxmlformats.org/drawingml/2006/main" xmlns:r="http://schemas.openxmlformats.org/officeDocument/2006/relationships" xmlns:p="http://schemas.openxmlformats.org/presentationml/2006/main">
+  <p:cSld>
+    <p:spTree>
+      <p:nvGrpSpPr>
+        <p:cNvPr id="1" name=""/>
+        <p:cNvGrpSpPr/>
+        <p:nvPr/>
+      </p:nvGrpSpPr>
+      <p:grpSpPr>
+        <a:xfrm>
+          <a:off x="0" y="0"/>
+          <a:ext cx="0" cy="0"/>
+          <a:chOff x="0" y="0"/>
+          <a:chExt cx="0" cy="0"/>
+        </a:xfrm>
+      </p:grpSpPr>
+      <p:sp>
+        <p:nvSpPr>
+          <p:cNvPr id="2" name="Titel 1">
+            <a:extLst>
+              <a:ext uri="{FF2B5EF4-FFF2-40B4-BE49-F238E27FC236}">
+                <a16:creationId xmlns:a16="http://schemas.microsoft.com/office/drawing/2014/main" id="{FD174655-ECDD-40AE-B5DE-FFEEC823E37C}"/>
+              </a:ext>
+            </a:extLst>
+          </p:cNvPr>
+          <p:cNvSpPr>
+            <a:spLocks noGrp="1"/>
+          </p:cNvSpPr>
+          <p:nvPr>
+            <p:ph type="title"/>
+          </p:nvPr>
+        </p:nvSpPr>
+        <p:spPr/>
+        <p:txBody>
+          <a:bodyPr/>
+          <a:lstStyle/>
+          <a:p>
+            <a:r>
+              <a:rPr lang="de-DE" dirty="0"/>
+              <a:t>Benötigte KPIs</a:t>
+            </a:r>
+          </a:p>
+        </p:txBody>
+      </p:sp>
+      <p:graphicFrame>
+        <p:nvGraphicFramePr>
+          <p:cNvPr id="9" name="Tabelle 9">
+            <a:extLst>
+              <a:ext uri="{FF2B5EF4-FFF2-40B4-BE49-F238E27FC236}">
+                <a16:creationId xmlns:a16="http://schemas.microsoft.com/office/drawing/2014/main" id="{66CD1557-6C0C-4629-B891-910C11B46237}"/>
+              </a:ext>
+            </a:extLst>
+          </p:cNvPr>
+          <p:cNvGraphicFramePr>
+            <a:graphicFrameLocks noGrp="1"/>
+          </p:cNvGraphicFramePr>
+          <p:nvPr>
+            <p:ph sz="half" idx="1"/>
+            <p:extLst>
+              <p:ext uri="{D42A27DB-BD31-4B8C-83A1-F6EECF244321}">
+                <p14:modId xmlns:p14="http://schemas.microsoft.com/office/powerpoint/2010/main" val="3818925848"/>
+              </p:ext>
+            </p:extLst>
+          </p:nvPr>
+        </p:nvGraphicFramePr>
+        <p:xfrm>
+          <a:off x="1066800" y="2103438"/>
+          <a:ext cx="4664073" cy="3606800"/>
+        </p:xfrm>
+        <a:graphic>
+          <a:graphicData uri="http://schemas.openxmlformats.org/drawingml/2006/table">
+            <a:tbl>
+              <a:tblPr firstRow="1" bandRow="1">
+                <a:tableStyleId>{5C22544A-7EE6-4342-B048-85BDC9FD1C3A}</a:tableStyleId>
+              </a:tblPr>
+              <a:tblGrid>
+                <a:gridCol w="1554691">
+                  <a:extLst>
+                    <a:ext uri="{9D8B030D-6E8A-4147-A177-3AD203B41FA5}">
+                      <a16:colId xmlns:a16="http://schemas.microsoft.com/office/drawing/2014/main" val="3952612340"/>
+                    </a:ext>
+                  </a:extLst>
+                </a:gridCol>
+                <a:gridCol w="1554691">
+                  <a:extLst>
+                    <a:ext uri="{9D8B030D-6E8A-4147-A177-3AD203B41FA5}">
+                      <a16:colId xmlns:a16="http://schemas.microsoft.com/office/drawing/2014/main" val="3364651312"/>
+                    </a:ext>
+                  </a:extLst>
+                </a:gridCol>
+                <a:gridCol w="1554691">
+                  <a:extLst>
+                    <a:ext uri="{9D8B030D-6E8A-4147-A177-3AD203B41FA5}">
+                      <a16:colId xmlns:a16="http://schemas.microsoft.com/office/drawing/2014/main" val="1133834179"/>
+                    </a:ext>
+                  </a:extLst>
+                </a:gridCol>
+              </a:tblGrid>
+              <a:tr h="370840">
+                <a:tc>
+                  <a:txBody>
+                    <a:bodyPr/>
+                    <a:lstStyle/>
+                    <a:p>
+                      <a:r>
+                        <a:rPr lang="de-DE" dirty="0"/>
+                        <a:t>Tripdaten</a:t>
+                      </a:r>
+                    </a:p>
+                  </a:txBody>
+                  <a:tcPr/>
+                </a:tc>
+                <a:tc>
+                  <a:txBody>
+                    <a:bodyPr/>
+                    <a:lstStyle/>
+                    <a:p>
+                      <a:r>
+                        <a:rPr lang="de-DE" dirty="0"/>
+                        <a:t>Stationsdaten</a:t>
+                      </a:r>
+                    </a:p>
+                  </a:txBody>
+                  <a:tcPr/>
+                </a:tc>
+                <a:tc>
+                  <a:txBody>
+                    <a:bodyPr/>
+                    <a:lstStyle/>
+                    <a:p>
+                      <a:r>
+                        <a:rPr lang="de-DE" dirty="0"/>
+                        <a:t>Userdaten</a:t>
+                      </a:r>
+                    </a:p>
+                  </a:txBody>
+                  <a:tcPr/>
+                </a:tc>
+                <a:extLst>
+                  <a:ext uri="{0D108BD9-81ED-4DB2-BD59-A6C34878D82A}">
+                    <a16:rowId xmlns:a16="http://schemas.microsoft.com/office/drawing/2014/main" val="3255181740"/>
+                  </a:ext>
+                </a:extLst>
+              </a:tr>
+              <a:tr h="370840">
+                <a:tc>
+                  <a:txBody>
+                    <a:bodyPr/>
+                    <a:lstStyle/>
+                    <a:p>
+                      <a:r>
+                        <a:rPr lang="de-DE" dirty="0" err="1">
+                          <a:solidFill>
+                            <a:schemeClr val="tx1"/>
+                          </a:solidFill>
+                        </a:rPr>
+                        <a:t>tripduration</a:t>
+                      </a:r>
+                      <a:endParaRPr lang="de-DE" dirty="0">
+                        <a:solidFill>
+                          <a:schemeClr val="tx1"/>
+                        </a:solidFill>
+                      </a:endParaRPr>
+                    </a:p>
+                  </a:txBody>
+                  <a:tcPr/>
+                </a:tc>
+                <a:tc>
+                  <a:txBody>
+                    <a:bodyPr/>
+                    <a:lstStyle/>
+                    <a:p>
+                      <a:r>
+                        <a:rPr lang="de-DE" dirty="0" err="1"/>
+                        <a:t>ss</a:t>
+                      </a:r>
+                      <a:r>
+                        <a:rPr lang="de-DE" dirty="0"/>
+                        <a:t> </a:t>
+                      </a:r>
+                      <a:r>
+                        <a:rPr lang="de-DE" dirty="0" err="1"/>
+                        <a:t>id</a:t>
+                      </a:r>
+                      <a:endParaRPr lang="de-DE" dirty="0"/>
+                    </a:p>
+                  </a:txBody>
+                  <a:tcPr/>
+                </a:tc>
+                <a:tc>
+                  <a:txBody>
+                    <a:bodyPr/>
+                    <a:lstStyle/>
+                    <a:p>
+                      <a:r>
+                        <a:rPr lang="de-DE" dirty="0" err="1"/>
+                        <a:t>usertype</a:t>
+                      </a:r>
+                      <a:endParaRPr lang="de-DE" dirty="0"/>
+                    </a:p>
+                  </a:txBody>
+                  <a:tcPr/>
+                </a:tc>
+                <a:extLst>
+                  <a:ext uri="{0D108BD9-81ED-4DB2-BD59-A6C34878D82A}">
+                    <a16:rowId xmlns:a16="http://schemas.microsoft.com/office/drawing/2014/main" val="198174280"/>
+                  </a:ext>
+                </a:extLst>
+              </a:tr>
+              <a:tr h="370840">
+                <a:tc>
+                  <a:txBody>
+                    <a:bodyPr/>
+                    <a:lstStyle/>
+                    <a:p>
+                      <a:r>
+                        <a:rPr lang="de-DE" dirty="0"/>
+                        <a:t>starttime</a:t>
+                      </a:r>
+                    </a:p>
+                  </a:txBody>
+                  <a:tcPr/>
+                </a:tc>
+                <a:tc>
+                  <a:txBody>
+                    <a:bodyPr/>
+                    <a:lstStyle/>
+                    <a:p>
+                      <a:r>
+                        <a:rPr lang="de-DE" dirty="0" err="1"/>
+                        <a:t>ss</a:t>
+                      </a:r>
+                      <a:r>
+                        <a:rPr lang="de-DE" dirty="0"/>
+                        <a:t> </a:t>
+                      </a:r>
+                      <a:r>
+                        <a:rPr lang="de-DE" dirty="0" err="1"/>
+                        <a:t>name</a:t>
+                      </a:r>
+                      <a:endParaRPr lang="de-DE" dirty="0"/>
+                    </a:p>
+                  </a:txBody>
+                  <a:tcPr/>
+                </a:tc>
+                <a:tc>
+                  <a:txBody>
+                    <a:bodyPr/>
+                    <a:lstStyle/>
+                    <a:p>
+                      <a:r>
+                        <a:rPr lang="de-DE" dirty="0" err="1">
+                          <a:solidFill>
+                            <a:schemeClr val="tx1"/>
+                          </a:solidFill>
+                        </a:rPr>
+                        <a:t>birth</a:t>
+                      </a:r>
+                      <a:r>
+                        <a:rPr lang="de-DE" dirty="0">
+                          <a:solidFill>
+                            <a:schemeClr val="tx1"/>
+                          </a:solidFill>
+                        </a:rPr>
+                        <a:t> </a:t>
+                      </a:r>
+                      <a:r>
+                        <a:rPr lang="de-DE" dirty="0" err="1">
+                          <a:solidFill>
+                            <a:schemeClr val="tx1"/>
+                          </a:solidFill>
+                        </a:rPr>
+                        <a:t>year</a:t>
+                      </a:r>
+                      <a:endParaRPr lang="de-DE" dirty="0">
+                        <a:solidFill>
+                          <a:schemeClr val="tx1"/>
+                        </a:solidFill>
+                      </a:endParaRPr>
+                    </a:p>
+                  </a:txBody>
+                  <a:tcPr/>
+                </a:tc>
+                <a:extLst>
+                  <a:ext uri="{0D108BD9-81ED-4DB2-BD59-A6C34878D82A}">
+                    <a16:rowId xmlns:a16="http://schemas.microsoft.com/office/drawing/2014/main" val="1089450365"/>
+                  </a:ext>
+                </a:extLst>
+              </a:tr>
+              <a:tr h="370840">
+                <a:tc>
+                  <a:txBody>
+                    <a:bodyPr/>
+                    <a:lstStyle/>
+                    <a:p>
+                      <a:r>
+                        <a:rPr lang="de-DE" dirty="0" err="1"/>
+                        <a:t>stoptime</a:t>
+                      </a:r>
+                      <a:endParaRPr lang="de-DE" dirty="0"/>
+                    </a:p>
+                  </a:txBody>
+                  <a:tcPr/>
+                </a:tc>
+                <a:tc>
+                  <a:txBody>
+                    <a:bodyPr/>
+                    <a:lstStyle/>
+                    <a:p>
+                      <a:r>
+                        <a:rPr lang="de-DE" dirty="0"/>
+                        <a:t>es </a:t>
+                      </a:r>
+                      <a:r>
+                        <a:rPr lang="de-DE" dirty="0" err="1"/>
+                        <a:t>id</a:t>
+                      </a:r>
+                      <a:endParaRPr lang="de-DE" dirty="0"/>
+                    </a:p>
+                  </a:txBody>
+                  <a:tcPr/>
+                </a:tc>
+                <a:tc>
+                  <a:txBody>
+                    <a:bodyPr/>
+                    <a:lstStyle/>
+                    <a:p>
+                      <a:r>
+                        <a:rPr lang="de-DE" dirty="0" err="1">
+                          <a:solidFill>
+                            <a:schemeClr val="tx1"/>
+                          </a:solidFill>
+                        </a:rPr>
+                        <a:t>gender</a:t>
+                      </a:r>
+                      <a:endParaRPr lang="de-DE" dirty="0">
+                        <a:solidFill>
+                          <a:schemeClr val="tx1"/>
+                        </a:solidFill>
+                      </a:endParaRPr>
+                    </a:p>
+                  </a:txBody>
+                  <a:tcPr/>
+                </a:tc>
+                <a:extLst>
+                  <a:ext uri="{0D108BD9-81ED-4DB2-BD59-A6C34878D82A}">
+                    <a16:rowId xmlns:a16="http://schemas.microsoft.com/office/drawing/2014/main" val="927326823"/>
+                  </a:ext>
+                </a:extLst>
+              </a:tr>
+              <a:tr h="370840">
+                <a:tc>
+                  <a:txBody>
+                    <a:bodyPr/>
+                    <a:lstStyle/>
+                    <a:p>
+                      <a:r>
+                        <a:rPr lang="de-DE" dirty="0" err="1">
+                          <a:solidFill>
+                            <a:srgbClr val="C00000"/>
+                          </a:solidFill>
+                        </a:rPr>
+                        <a:t>bikeid</a:t>
+                      </a:r>
+                      <a:endParaRPr lang="de-DE" dirty="0">
+                        <a:solidFill>
+                          <a:srgbClr val="C00000"/>
+                        </a:solidFill>
+                      </a:endParaRPr>
+                    </a:p>
+                  </a:txBody>
+                  <a:tcPr/>
+                </a:tc>
+                <a:tc>
+                  <a:txBody>
+                    <a:bodyPr/>
+                    <a:lstStyle/>
+                    <a:p>
+                      <a:r>
+                        <a:rPr lang="de-DE" dirty="0"/>
+                        <a:t>es </a:t>
+                      </a:r>
+                      <a:r>
+                        <a:rPr lang="de-DE" dirty="0" err="1"/>
+                        <a:t>name</a:t>
+                      </a:r>
+                      <a:endParaRPr lang="de-DE" dirty="0"/>
+                    </a:p>
+                  </a:txBody>
+                  <a:tcPr/>
+                </a:tc>
+                <a:tc>
+                  <a:txBody>
+                    <a:bodyPr/>
+                    <a:lstStyle/>
+                    <a:p>
+                      <a:endParaRPr lang="de-DE" dirty="0"/>
+                    </a:p>
+                  </a:txBody>
+                  <a:tcPr/>
+                </a:tc>
+                <a:extLst>
+                  <a:ext uri="{0D108BD9-81ED-4DB2-BD59-A6C34878D82A}">
+                    <a16:rowId xmlns:a16="http://schemas.microsoft.com/office/drawing/2014/main" val="3846195835"/>
+                  </a:ext>
+                </a:extLst>
+              </a:tr>
+              <a:tr h="370840">
+                <a:tc>
+                  <a:txBody>
+                    <a:bodyPr/>
+                    <a:lstStyle/>
+                    <a:p>
+                      <a:r>
+                        <a:rPr lang="de-DE" dirty="0" err="1">
+                          <a:solidFill>
+                            <a:schemeClr val="tx1"/>
+                          </a:solidFill>
+                        </a:rPr>
+                        <a:t>tripdistance</a:t>
+                      </a:r>
+                      <a:endParaRPr lang="de-DE" dirty="0">
+                        <a:solidFill>
+                          <a:schemeClr val="tx1"/>
+                        </a:solidFill>
+                      </a:endParaRPr>
+                    </a:p>
+                  </a:txBody>
+                  <a:tcPr/>
+                </a:tc>
+                <a:tc>
+                  <a:txBody>
+                    <a:bodyPr/>
+                    <a:lstStyle/>
+                    <a:p>
+                      <a:endParaRPr lang="de-DE" dirty="0"/>
+                    </a:p>
+                  </a:txBody>
+                  <a:tcPr/>
+                </a:tc>
+                <a:tc>
+                  <a:txBody>
+                    <a:bodyPr/>
+                    <a:lstStyle/>
+                    <a:p>
+                      <a:endParaRPr lang="de-DE" dirty="0"/>
+                    </a:p>
+                  </a:txBody>
+                  <a:tcPr/>
+                </a:tc>
+                <a:extLst>
+                  <a:ext uri="{0D108BD9-81ED-4DB2-BD59-A6C34878D82A}">
+                    <a16:rowId xmlns:a16="http://schemas.microsoft.com/office/drawing/2014/main" val="3831709357"/>
+                  </a:ext>
+                </a:extLst>
+              </a:tr>
+              <a:tr h="370840">
+                <a:tc>
+                  <a:txBody>
+                    <a:bodyPr/>
+                    <a:lstStyle/>
+                    <a:p>
+                      <a:endParaRPr lang="de-DE" dirty="0"/>
+                    </a:p>
+                  </a:txBody>
+                  <a:tcPr/>
+                </a:tc>
+                <a:tc>
+                  <a:txBody>
+                    <a:bodyPr/>
+                    <a:lstStyle/>
+                    <a:p>
+                      <a:endParaRPr lang="de-DE" dirty="0"/>
+                    </a:p>
+                  </a:txBody>
+                  <a:tcPr/>
+                </a:tc>
+                <a:tc>
+                  <a:txBody>
+                    <a:bodyPr/>
+                    <a:lstStyle/>
+                    <a:p>
+                      <a:endParaRPr lang="de-DE"/>
+                    </a:p>
+                  </a:txBody>
+                  <a:tcPr/>
+                </a:tc>
+                <a:extLst>
+                  <a:ext uri="{0D108BD9-81ED-4DB2-BD59-A6C34878D82A}">
+                    <a16:rowId xmlns:a16="http://schemas.microsoft.com/office/drawing/2014/main" val="4149089050"/>
+                  </a:ext>
+                </a:extLst>
+              </a:tr>
+              <a:tr h="370840">
+                <a:tc>
+                  <a:txBody>
+                    <a:bodyPr/>
+                    <a:lstStyle/>
+                    <a:p>
+                      <a:endParaRPr lang="de-DE"/>
+                    </a:p>
+                  </a:txBody>
+                  <a:tcPr/>
+                </a:tc>
+                <a:tc>
+                  <a:txBody>
+                    <a:bodyPr/>
+                    <a:lstStyle/>
+                    <a:p>
+                      <a:endParaRPr lang="de-DE" dirty="0"/>
+                    </a:p>
+                  </a:txBody>
+                  <a:tcPr/>
+                </a:tc>
+                <a:tc>
+                  <a:txBody>
+                    <a:bodyPr/>
+                    <a:lstStyle/>
+                    <a:p>
+                      <a:endParaRPr lang="de-DE" dirty="0"/>
+                    </a:p>
+                  </a:txBody>
+                  <a:tcPr/>
+                </a:tc>
+                <a:extLst>
+                  <a:ext uri="{0D108BD9-81ED-4DB2-BD59-A6C34878D82A}">
+                    <a16:rowId xmlns:a16="http://schemas.microsoft.com/office/drawing/2014/main" val="4016626904"/>
+                  </a:ext>
+                </a:extLst>
+              </a:tr>
+              <a:tr h="370840">
+                <a:tc>
+                  <a:txBody>
+                    <a:bodyPr/>
+                    <a:lstStyle/>
+                    <a:p>
+                      <a:endParaRPr lang="de-DE"/>
+                    </a:p>
+                  </a:txBody>
+                  <a:tcPr/>
+                </a:tc>
+                <a:tc>
+                  <a:txBody>
+                    <a:bodyPr/>
+                    <a:lstStyle/>
+                    <a:p>
+                      <a:endParaRPr lang="de-DE" dirty="0"/>
+                    </a:p>
+                  </a:txBody>
+                  <a:tcPr/>
+                </a:tc>
+                <a:tc>
+                  <a:txBody>
+                    <a:bodyPr/>
+                    <a:lstStyle/>
+                    <a:p>
+                      <a:endParaRPr lang="de-DE" dirty="0"/>
+                    </a:p>
+                  </a:txBody>
+                  <a:tcPr/>
+                </a:tc>
+                <a:extLst>
+                  <a:ext uri="{0D108BD9-81ED-4DB2-BD59-A6C34878D82A}">
+                    <a16:rowId xmlns:a16="http://schemas.microsoft.com/office/drawing/2014/main" val="900928343"/>
+                  </a:ext>
+                </a:extLst>
+              </a:tr>
+            </a:tbl>
+          </a:graphicData>
+        </a:graphic>
+      </p:graphicFrame>
+      <p:sp>
+        <p:nvSpPr>
+          <p:cNvPr id="3" name="Inhaltsplatzhalter 2">
+            <a:extLst>
+              <a:ext uri="{FF2B5EF4-FFF2-40B4-BE49-F238E27FC236}">
+                <a16:creationId xmlns:a16="http://schemas.microsoft.com/office/drawing/2014/main" id="{52BD2D4C-CF68-4625-A45A-0F234D4F1EEF}"/>
+              </a:ext>
+            </a:extLst>
+          </p:cNvPr>
+          <p:cNvSpPr>
+            <a:spLocks noGrp="1"/>
+          </p:cNvSpPr>
+          <p:nvPr>
+            <p:ph sz="half" idx="2"/>
+          </p:nvPr>
+        </p:nvSpPr>
+        <p:spPr/>
+        <p:txBody>
+          <a:bodyPr/>
+          <a:lstStyle/>
+          <a:p>
+            <a:r>
+              <a:rPr lang="de-DE" dirty="0"/>
+              <a:t>Top 10 </a:t>
+            </a:r>
+            <a:r>
+              <a:rPr lang="de-DE" dirty="0" err="1"/>
+              <a:t>most</a:t>
+            </a:r>
+            <a:r>
+              <a:rPr lang="de-DE" dirty="0"/>
+              <a:t> </a:t>
+            </a:r>
+            <a:r>
+              <a:rPr lang="de-DE" dirty="0" err="1"/>
+              <a:t>used</a:t>
+            </a:r>
+            <a:r>
+              <a:rPr lang="de-DE" dirty="0"/>
+              <a:t> </a:t>
+            </a:r>
+            <a:r>
+              <a:rPr lang="de-DE" dirty="0" err="1"/>
+              <a:t>bikes</a:t>
+            </a:r>
+            <a:endParaRPr lang="de-DE" dirty="0"/>
+          </a:p>
+        </p:txBody>
+      </p:sp>
+      <p:sp>
+        <p:nvSpPr>
+          <p:cNvPr id="4" name="Datumsplatzhalter 3">
+            <a:extLst>
+              <a:ext uri="{FF2B5EF4-FFF2-40B4-BE49-F238E27FC236}">
+                <a16:creationId xmlns:a16="http://schemas.microsoft.com/office/drawing/2014/main" id="{43945677-3631-481A-882E-76077C52A6F9}"/>
+              </a:ext>
+            </a:extLst>
+          </p:cNvPr>
+          <p:cNvSpPr>
+            <a:spLocks noGrp="1"/>
+          </p:cNvSpPr>
+          <p:nvPr>
+            <p:ph type="dt" sz="half" idx="10"/>
+          </p:nvPr>
+        </p:nvSpPr>
+        <p:spPr/>
+        <p:txBody>
+          <a:bodyPr/>
+          <a:lstStyle/>
+          <a:p>
+            <a:pPr rtl="0"/>
+            <a:fld id="{FB7C0C16-5521-4517-AFDE-676F786A1296}" type="datetime1">
+              <a:rPr lang="de-DE" smtClean="0"/>
+              <a:t>29.11.2021</a:t>
+            </a:fld>
+            <a:endParaRPr lang="en-US"/>
+          </a:p>
+        </p:txBody>
+      </p:sp>
+    </p:spTree>
+    <p:extLst>
+      <p:ext uri="{BB962C8B-B14F-4D97-AF65-F5344CB8AC3E}">
+        <p14:creationId xmlns:p14="http://schemas.microsoft.com/office/powerpoint/2010/main" val="2314971862"/>
+      </p:ext>
+    </p:extLst>
+  </p:cSld>
+  <p:clrMapOvr>
+    <a:masterClrMapping/>
+  </p:clrMapOvr>
+</p:sld>
+</file>
+
+<file path=ppt/slides/slide11.xml><?xml version="1.0" encoding="utf-8"?>
+<p:sld xmlns:a="http://schemas.openxmlformats.org/drawingml/2006/main" xmlns:r="http://schemas.openxmlformats.org/officeDocument/2006/relationships" xmlns:p="http://schemas.openxmlformats.org/presentationml/2006/main">
+  <p:cSld>
+    <p:spTree>
+      <p:nvGrpSpPr>
+        <p:cNvPr id="1" name=""/>
+        <p:cNvGrpSpPr/>
+        <p:nvPr/>
+      </p:nvGrpSpPr>
+      <p:grpSpPr>
+        <a:xfrm>
+          <a:off x="0" y="0"/>
+          <a:ext cx="0" cy="0"/>
+          <a:chOff x="0" y="0"/>
+          <a:chExt cx="0" cy="0"/>
+        </a:xfrm>
+      </p:grpSpPr>
+      <p:sp>
+        <p:nvSpPr>
+          <p:cNvPr id="2" name="Titel 1">
+            <a:extLst>
+              <a:ext uri="{FF2B5EF4-FFF2-40B4-BE49-F238E27FC236}">
+                <a16:creationId xmlns:a16="http://schemas.microsoft.com/office/drawing/2014/main" id="{FD174655-ECDD-40AE-B5DE-FFEEC823E37C}"/>
+              </a:ext>
+            </a:extLst>
+          </p:cNvPr>
+          <p:cNvSpPr>
+            <a:spLocks noGrp="1"/>
+          </p:cNvSpPr>
+          <p:nvPr>
+            <p:ph type="title"/>
+          </p:nvPr>
+        </p:nvSpPr>
+        <p:spPr/>
+        <p:txBody>
+          <a:bodyPr/>
+          <a:lstStyle/>
+          <a:p>
+            <a:r>
+              <a:rPr lang="de-DE" dirty="0"/>
+              <a:t>Benötigte KPIs</a:t>
+            </a:r>
+          </a:p>
+        </p:txBody>
+      </p:sp>
+      <p:graphicFrame>
+        <p:nvGraphicFramePr>
+          <p:cNvPr id="9" name="Tabelle 9">
+            <a:extLst>
+              <a:ext uri="{FF2B5EF4-FFF2-40B4-BE49-F238E27FC236}">
+                <a16:creationId xmlns:a16="http://schemas.microsoft.com/office/drawing/2014/main" id="{66CD1557-6C0C-4629-B891-910C11B46237}"/>
+              </a:ext>
+            </a:extLst>
+          </p:cNvPr>
+          <p:cNvGraphicFramePr>
+            <a:graphicFrameLocks noGrp="1"/>
+          </p:cNvGraphicFramePr>
+          <p:nvPr>
+            <p:ph sz="half" idx="1"/>
+            <p:extLst>
+              <p:ext uri="{D42A27DB-BD31-4B8C-83A1-F6EECF244321}">
+                <p14:modId xmlns:p14="http://schemas.microsoft.com/office/powerpoint/2010/main" val="3919177203"/>
+              </p:ext>
+            </p:extLst>
+          </p:nvPr>
+        </p:nvGraphicFramePr>
+        <p:xfrm>
+          <a:off x="1066800" y="2103438"/>
+          <a:ext cx="4664073" cy="3606800"/>
+        </p:xfrm>
+        <a:graphic>
+          <a:graphicData uri="http://schemas.openxmlformats.org/drawingml/2006/table">
+            <a:tbl>
+              <a:tblPr firstRow="1" bandRow="1">
+                <a:tableStyleId>{5C22544A-7EE6-4342-B048-85BDC9FD1C3A}</a:tableStyleId>
+              </a:tblPr>
+              <a:tblGrid>
+                <a:gridCol w="1554691">
+                  <a:extLst>
+                    <a:ext uri="{9D8B030D-6E8A-4147-A177-3AD203B41FA5}">
+                      <a16:colId xmlns:a16="http://schemas.microsoft.com/office/drawing/2014/main" val="3952612340"/>
+                    </a:ext>
+                  </a:extLst>
+                </a:gridCol>
+                <a:gridCol w="1554691">
+                  <a:extLst>
+                    <a:ext uri="{9D8B030D-6E8A-4147-A177-3AD203B41FA5}">
+                      <a16:colId xmlns:a16="http://schemas.microsoft.com/office/drawing/2014/main" val="3364651312"/>
+                    </a:ext>
+                  </a:extLst>
+                </a:gridCol>
+                <a:gridCol w="1554691">
+                  <a:extLst>
+                    <a:ext uri="{9D8B030D-6E8A-4147-A177-3AD203B41FA5}">
+                      <a16:colId xmlns:a16="http://schemas.microsoft.com/office/drawing/2014/main" val="1133834179"/>
+                    </a:ext>
+                  </a:extLst>
+                </a:gridCol>
+              </a:tblGrid>
+              <a:tr h="370840">
+                <a:tc>
+                  <a:txBody>
+                    <a:bodyPr/>
+                    <a:lstStyle/>
+                    <a:p>
+                      <a:r>
+                        <a:rPr lang="de-DE" dirty="0"/>
+                        <a:t>Tripdaten</a:t>
+                      </a:r>
+                    </a:p>
+                  </a:txBody>
+                  <a:tcPr/>
+                </a:tc>
+                <a:tc>
+                  <a:txBody>
+                    <a:bodyPr/>
+                    <a:lstStyle/>
+                    <a:p>
+                      <a:r>
+                        <a:rPr lang="de-DE" dirty="0"/>
+                        <a:t>Stationsdaten</a:t>
+                      </a:r>
+                    </a:p>
+                  </a:txBody>
+                  <a:tcPr/>
+                </a:tc>
+                <a:tc>
+                  <a:txBody>
+                    <a:bodyPr/>
+                    <a:lstStyle/>
+                    <a:p>
+                      <a:r>
+                        <a:rPr lang="de-DE" dirty="0"/>
+                        <a:t>Userdaten</a:t>
+                      </a:r>
+                    </a:p>
+                  </a:txBody>
+                  <a:tcPr/>
+                </a:tc>
+                <a:extLst>
+                  <a:ext uri="{0D108BD9-81ED-4DB2-BD59-A6C34878D82A}">
+                    <a16:rowId xmlns:a16="http://schemas.microsoft.com/office/drawing/2014/main" val="3255181740"/>
+                  </a:ext>
+                </a:extLst>
+              </a:tr>
+              <a:tr h="370840">
+                <a:tc>
+                  <a:txBody>
+                    <a:bodyPr/>
+                    <a:lstStyle/>
+                    <a:p>
+                      <a:r>
+                        <a:rPr lang="de-DE" dirty="0" err="1">
+                          <a:solidFill>
+                            <a:schemeClr val="tx1"/>
+                          </a:solidFill>
+                        </a:rPr>
+                        <a:t>tripduration</a:t>
+                      </a:r>
+                      <a:endParaRPr lang="de-DE" dirty="0">
+                        <a:solidFill>
+                          <a:schemeClr val="tx1"/>
+                        </a:solidFill>
+                      </a:endParaRPr>
+                    </a:p>
+                  </a:txBody>
+                  <a:tcPr/>
+                </a:tc>
+                <a:tc>
+                  <a:txBody>
+                    <a:bodyPr/>
+                    <a:lstStyle/>
+                    <a:p>
+                      <a:r>
+                        <a:rPr lang="de-DE" dirty="0" err="1">
+                          <a:solidFill>
+                            <a:srgbClr val="C00000"/>
+                          </a:solidFill>
+                        </a:rPr>
+                        <a:t>ss</a:t>
+                      </a:r>
+                      <a:r>
+                        <a:rPr lang="de-DE" dirty="0">
+                          <a:solidFill>
+                            <a:srgbClr val="C00000"/>
+                          </a:solidFill>
+                        </a:rPr>
+                        <a:t> </a:t>
+                      </a:r>
+                      <a:r>
+                        <a:rPr lang="de-DE" dirty="0" err="1">
+                          <a:solidFill>
+                            <a:srgbClr val="C00000"/>
+                          </a:solidFill>
+                        </a:rPr>
+                        <a:t>id</a:t>
+                      </a:r>
+                      <a:endParaRPr lang="de-DE" dirty="0">
+                        <a:solidFill>
+                          <a:srgbClr val="C00000"/>
+                        </a:solidFill>
+                      </a:endParaRPr>
+                    </a:p>
+                  </a:txBody>
+                  <a:tcPr/>
+                </a:tc>
+                <a:tc>
+                  <a:txBody>
+                    <a:bodyPr/>
+                    <a:lstStyle/>
+                    <a:p>
+                      <a:r>
+                        <a:rPr lang="de-DE" dirty="0" err="1"/>
+                        <a:t>usertype</a:t>
+                      </a:r>
+                      <a:endParaRPr lang="de-DE" dirty="0"/>
+                    </a:p>
+                  </a:txBody>
+                  <a:tcPr/>
+                </a:tc>
+                <a:extLst>
+                  <a:ext uri="{0D108BD9-81ED-4DB2-BD59-A6C34878D82A}">
+                    <a16:rowId xmlns:a16="http://schemas.microsoft.com/office/drawing/2014/main" val="198174280"/>
+                  </a:ext>
+                </a:extLst>
+              </a:tr>
+              <a:tr h="370840">
+                <a:tc>
+                  <a:txBody>
+                    <a:bodyPr/>
+                    <a:lstStyle/>
+                    <a:p>
+                      <a:r>
+                        <a:rPr lang="de-DE" dirty="0"/>
+                        <a:t>starttime</a:t>
+                      </a:r>
+                    </a:p>
+                  </a:txBody>
+                  <a:tcPr/>
+                </a:tc>
+                <a:tc>
+                  <a:txBody>
+                    <a:bodyPr/>
+                    <a:lstStyle/>
+                    <a:p>
+                      <a:r>
+                        <a:rPr lang="de-DE" dirty="0" err="1">
+                          <a:solidFill>
+                            <a:srgbClr val="C00000"/>
+                          </a:solidFill>
+                        </a:rPr>
+                        <a:t>ss</a:t>
+                      </a:r>
+                      <a:r>
+                        <a:rPr lang="de-DE" dirty="0">
+                          <a:solidFill>
+                            <a:srgbClr val="C00000"/>
+                          </a:solidFill>
+                        </a:rPr>
+                        <a:t> </a:t>
+                      </a:r>
+                      <a:r>
+                        <a:rPr lang="de-DE" dirty="0" err="1">
+                          <a:solidFill>
+                            <a:srgbClr val="C00000"/>
+                          </a:solidFill>
+                        </a:rPr>
+                        <a:t>name</a:t>
+                      </a:r>
+                      <a:endParaRPr lang="de-DE" dirty="0">
+                        <a:solidFill>
+                          <a:srgbClr val="C00000"/>
+                        </a:solidFill>
+                      </a:endParaRPr>
+                    </a:p>
+                  </a:txBody>
+                  <a:tcPr/>
+                </a:tc>
+                <a:tc>
+                  <a:txBody>
+                    <a:bodyPr/>
+                    <a:lstStyle/>
+                    <a:p>
+                      <a:r>
+                        <a:rPr lang="de-DE" dirty="0" err="1">
+                          <a:solidFill>
+                            <a:schemeClr val="tx1"/>
+                          </a:solidFill>
+                        </a:rPr>
+                        <a:t>birth</a:t>
+                      </a:r>
+                      <a:r>
+                        <a:rPr lang="de-DE" dirty="0">
+                          <a:solidFill>
+                            <a:schemeClr val="tx1"/>
+                          </a:solidFill>
+                        </a:rPr>
+                        <a:t> </a:t>
+                      </a:r>
+                      <a:r>
+                        <a:rPr lang="de-DE" dirty="0" err="1">
+                          <a:solidFill>
+                            <a:schemeClr val="tx1"/>
+                          </a:solidFill>
+                        </a:rPr>
+                        <a:t>year</a:t>
+                      </a:r>
+                      <a:endParaRPr lang="de-DE" dirty="0">
+                        <a:solidFill>
+                          <a:schemeClr val="tx1"/>
+                        </a:solidFill>
+                      </a:endParaRPr>
+                    </a:p>
+                  </a:txBody>
+                  <a:tcPr/>
+                </a:tc>
+                <a:extLst>
+                  <a:ext uri="{0D108BD9-81ED-4DB2-BD59-A6C34878D82A}">
+                    <a16:rowId xmlns:a16="http://schemas.microsoft.com/office/drawing/2014/main" val="1089450365"/>
+                  </a:ext>
+                </a:extLst>
+              </a:tr>
+              <a:tr h="370840">
+                <a:tc>
+                  <a:txBody>
+                    <a:bodyPr/>
+                    <a:lstStyle/>
+                    <a:p>
+                      <a:r>
+                        <a:rPr lang="de-DE" dirty="0" err="1"/>
+                        <a:t>stoptime</a:t>
+                      </a:r>
+                      <a:endParaRPr lang="de-DE" dirty="0"/>
+                    </a:p>
+                  </a:txBody>
+                  <a:tcPr/>
+                </a:tc>
+                <a:tc>
+                  <a:txBody>
+                    <a:bodyPr/>
+                    <a:lstStyle/>
+                    <a:p>
+                      <a:r>
+                        <a:rPr lang="de-DE" dirty="0"/>
+                        <a:t>es </a:t>
+                      </a:r>
+                      <a:r>
+                        <a:rPr lang="de-DE" dirty="0" err="1"/>
+                        <a:t>id</a:t>
+                      </a:r>
+                      <a:endParaRPr lang="de-DE" dirty="0"/>
+                    </a:p>
+                  </a:txBody>
+                  <a:tcPr/>
+                </a:tc>
+                <a:tc>
+                  <a:txBody>
+                    <a:bodyPr/>
+                    <a:lstStyle/>
+                    <a:p>
+                      <a:r>
+                        <a:rPr lang="de-DE" dirty="0" err="1">
+                          <a:solidFill>
+                            <a:schemeClr val="tx1"/>
+                          </a:solidFill>
+                        </a:rPr>
+                        <a:t>gender</a:t>
+                      </a:r>
+                      <a:endParaRPr lang="de-DE" dirty="0">
+                        <a:solidFill>
+                          <a:schemeClr val="tx1"/>
+                        </a:solidFill>
+                      </a:endParaRPr>
+                    </a:p>
+                  </a:txBody>
+                  <a:tcPr/>
+                </a:tc>
+                <a:extLst>
+                  <a:ext uri="{0D108BD9-81ED-4DB2-BD59-A6C34878D82A}">
+                    <a16:rowId xmlns:a16="http://schemas.microsoft.com/office/drawing/2014/main" val="927326823"/>
+                  </a:ext>
+                </a:extLst>
+              </a:tr>
+              <a:tr h="370840">
+                <a:tc>
+                  <a:txBody>
+                    <a:bodyPr/>
+                    <a:lstStyle/>
+                    <a:p>
+                      <a:r>
+                        <a:rPr lang="de-DE" dirty="0" err="1">
+                          <a:solidFill>
+                            <a:schemeClr val="tx1"/>
+                          </a:solidFill>
+                        </a:rPr>
+                        <a:t>bikeid</a:t>
+                      </a:r>
+                      <a:endParaRPr lang="de-DE" dirty="0">
+                        <a:solidFill>
+                          <a:schemeClr val="tx1"/>
+                        </a:solidFill>
+                      </a:endParaRPr>
+                    </a:p>
+                  </a:txBody>
+                  <a:tcPr/>
+                </a:tc>
+                <a:tc>
+                  <a:txBody>
+                    <a:bodyPr/>
+                    <a:lstStyle/>
+                    <a:p>
+                      <a:r>
+                        <a:rPr lang="de-DE" dirty="0"/>
+                        <a:t>es </a:t>
+                      </a:r>
+                      <a:r>
+                        <a:rPr lang="de-DE" dirty="0" err="1"/>
+                        <a:t>name</a:t>
+                      </a:r>
+                      <a:endParaRPr lang="de-DE" dirty="0"/>
+                    </a:p>
+                  </a:txBody>
+                  <a:tcPr/>
+                </a:tc>
+                <a:tc>
+                  <a:txBody>
+                    <a:bodyPr/>
+                    <a:lstStyle/>
+                    <a:p>
+                      <a:endParaRPr lang="de-DE" dirty="0"/>
+                    </a:p>
+                  </a:txBody>
+                  <a:tcPr/>
+                </a:tc>
+                <a:extLst>
+                  <a:ext uri="{0D108BD9-81ED-4DB2-BD59-A6C34878D82A}">
+                    <a16:rowId xmlns:a16="http://schemas.microsoft.com/office/drawing/2014/main" val="3846195835"/>
+                  </a:ext>
+                </a:extLst>
+              </a:tr>
+              <a:tr h="370840">
+                <a:tc>
+                  <a:txBody>
+                    <a:bodyPr/>
+                    <a:lstStyle/>
+                    <a:p>
+                      <a:r>
+                        <a:rPr lang="de-DE" dirty="0" err="1">
+                          <a:solidFill>
+                            <a:schemeClr val="tx1"/>
+                          </a:solidFill>
+                        </a:rPr>
+                        <a:t>tripdistance</a:t>
+                      </a:r>
+                      <a:endParaRPr lang="de-DE" dirty="0">
+                        <a:solidFill>
+                          <a:schemeClr val="tx1"/>
+                        </a:solidFill>
+                      </a:endParaRPr>
+                    </a:p>
+                  </a:txBody>
+                  <a:tcPr/>
+                </a:tc>
+                <a:tc>
+                  <a:txBody>
+                    <a:bodyPr/>
+                    <a:lstStyle/>
+                    <a:p>
+                      <a:endParaRPr lang="de-DE" dirty="0"/>
+                    </a:p>
+                  </a:txBody>
+                  <a:tcPr/>
+                </a:tc>
+                <a:tc>
+                  <a:txBody>
+                    <a:bodyPr/>
+                    <a:lstStyle/>
+                    <a:p>
+                      <a:endParaRPr lang="de-DE" dirty="0"/>
+                    </a:p>
+                  </a:txBody>
+                  <a:tcPr/>
+                </a:tc>
+                <a:extLst>
+                  <a:ext uri="{0D108BD9-81ED-4DB2-BD59-A6C34878D82A}">
+                    <a16:rowId xmlns:a16="http://schemas.microsoft.com/office/drawing/2014/main" val="3831709357"/>
+                  </a:ext>
+                </a:extLst>
+              </a:tr>
+              <a:tr h="370840">
+                <a:tc>
+                  <a:txBody>
+                    <a:bodyPr/>
+                    <a:lstStyle/>
+                    <a:p>
+                      <a:endParaRPr lang="de-DE" dirty="0"/>
+                    </a:p>
+                  </a:txBody>
+                  <a:tcPr/>
+                </a:tc>
+                <a:tc>
+                  <a:txBody>
+                    <a:bodyPr/>
+                    <a:lstStyle/>
+                    <a:p>
+                      <a:endParaRPr lang="de-DE" dirty="0"/>
+                    </a:p>
+                  </a:txBody>
+                  <a:tcPr/>
+                </a:tc>
+                <a:tc>
+                  <a:txBody>
+                    <a:bodyPr/>
+                    <a:lstStyle/>
+                    <a:p>
+                      <a:endParaRPr lang="de-DE"/>
+                    </a:p>
+                  </a:txBody>
+                  <a:tcPr/>
+                </a:tc>
+                <a:extLst>
+                  <a:ext uri="{0D108BD9-81ED-4DB2-BD59-A6C34878D82A}">
+                    <a16:rowId xmlns:a16="http://schemas.microsoft.com/office/drawing/2014/main" val="4149089050"/>
+                  </a:ext>
+                </a:extLst>
+              </a:tr>
+              <a:tr h="370840">
+                <a:tc>
+                  <a:txBody>
+                    <a:bodyPr/>
+                    <a:lstStyle/>
+                    <a:p>
+                      <a:endParaRPr lang="de-DE"/>
+                    </a:p>
+                  </a:txBody>
+                  <a:tcPr/>
+                </a:tc>
+                <a:tc>
+                  <a:txBody>
+                    <a:bodyPr/>
+                    <a:lstStyle/>
+                    <a:p>
+                      <a:endParaRPr lang="de-DE" dirty="0"/>
+                    </a:p>
+                  </a:txBody>
+                  <a:tcPr/>
+                </a:tc>
+                <a:tc>
+                  <a:txBody>
+                    <a:bodyPr/>
+                    <a:lstStyle/>
+                    <a:p>
+                      <a:endParaRPr lang="de-DE" dirty="0"/>
+                    </a:p>
+                  </a:txBody>
+                  <a:tcPr/>
+                </a:tc>
+                <a:extLst>
+                  <a:ext uri="{0D108BD9-81ED-4DB2-BD59-A6C34878D82A}">
+                    <a16:rowId xmlns:a16="http://schemas.microsoft.com/office/drawing/2014/main" val="4016626904"/>
+                  </a:ext>
+                </a:extLst>
+              </a:tr>
+              <a:tr h="370840">
+                <a:tc>
+                  <a:txBody>
+                    <a:bodyPr/>
+                    <a:lstStyle/>
+                    <a:p>
+                      <a:endParaRPr lang="de-DE"/>
+                    </a:p>
+                  </a:txBody>
+                  <a:tcPr/>
+                </a:tc>
+                <a:tc>
+                  <a:txBody>
+                    <a:bodyPr/>
+                    <a:lstStyle/>
+                    <a:p>
+                      <a:endParaRPr lang="de-DE" dirty="0"/>
+                    </a:p>
+                  </a:txBody>
+                  <a:tcPr/>
+                </a:tc>
+                <a:tc>
+                  <a:txBody>
+                    <a:bodyPr/>
+                    <a:lstStyle/>
+                    <a:p>
+                      <a:endParaRPr lang="de-DE" dirty="0"/>
+                    </a:p>
+                  </a:txBody>
+                  <a:tcPr/>
+                </a:tc>
+                <a:extLst>
+                  <a:ext uri="{0D108BD9-81ED-4DB2-BD59-A6C34878D82A}">
+                    <a16:rowId xmlns:a16="http://schemas.microsoft.com/office/drawing/2014/main" val="900928343"/>
+                  </a:ext>
+                </a:extLst>
+              </a:tr>
+            </a:tbl>
+          </a:graphicData>
+        </a:graphic>
+      </p:graphicFrame>
+      <p:sp>
+        <p:nvSpPr>
+          <p:cNvPr id="3" name="Inhaltsplatzhalter 2">
+            <a:extLst>
+              <a:ext uri="{FF2B5EF4-FFF2-40B4-BE49-F238E27FC236}">
+                <a16:creationId xmlns:a16="http://schemas.microsoft.com/office/drawing/2014/main" id="{52BD2D4C-CF68-4625-A45A-0F234D4F1EEF}"/>
+              </a:ext>
+            </a:extLst>
+          </p:cNvPr>
+          <p:cNvSpPr>
+            <a:spLocks noGrp="1"/>
+          </p:cNvSpPr>
+          <p:nvPr>
+            <p:ph sz="half" idx="2"/>
+          </p:nvPr>
+        </p:nvSpPr>
+        <p:spPr/>
+        <p:txBody>
+          <a:bodyPr/>
+          <a:lstStyle/>
+          <a:p>
+            <a:r>
+              <a:rPr lang="de-DE" dirty="0"/>
+              <a:t>Top 10 </a:t>
+            </a:r>
+            <a:r>
+              <a:rPr lang="de-DE" dirty="0" err="1"/>
+              <a:t>most</a:t>
+            </a:r>
+            <a:r>
+              <a:rPr lang="de-DE" dirty="0"/>
+              <a:t> </a:t>
+            </a:r>
+            <a:r>
+              <a:rPr lang="de-DE" dirty="0" err="1"/>
+              <a:t>used</a:t>
+            </a:r>
+            <a:r>
+              <a:rPr lang="de-DE" dirty="0"/>
+              <a:t> </a:t>
+            </a:r>
+            <a:r>
+              <a:rPr lang="de-DE" dirty="0" err="1"/>
+              <a:t>start</a:t>
+            </a:r>
+            <a:r>
+              <a:rPr lang="de-DE" dirty="0"/>
+              <a:t> </a:t>
+            </a:r>
+            <a:r>
+              <a:rPr lang="de-DE" dirty="0" err="1"/>
+              <a:t>stations</a:t>
+            </a:r>
+            <a:endParaRPr lang="de-DE" dirty="0"/>
+          </a:p>
+        </p:txBody>
+      </p:sp>
+      <p:sp>
+        <p:nvSpPr>
+          <p:cNvPr id="4" name="Datumsplatzhalter 3">
+            <a:extLst>
+              <a:ext uri="{FF2B5EF4-FFF2-40B4-BE49-F238E27FC236}">
+                <a16:creationId xmlns:a16="http://schemas.microsoft.com/office/drawing/2014/main" id="{43945677-3631-481A-882E-76077C52A6F9}"/>
+              </a:ext>
+            </a:extLst>
+          </p:cNvPr>
+          <p:cNvSpPr>
+            <a:spLocks noGrp="1"/>
+          </p:cNvSpPr>
+          <p:nvPr>
+            <p:ph type="dt" sz="half" idx="10"/>
+          </p:nvPr>
+        </p:nvSpPr>
+        <p:spPr/>
+        <p:txBody>
+          <a:bodyPr/>
+          <a:lstStyle/>
+          <a:p>
+            <a:pPr rtl="0"/>
+            <a:fld id="{FB7C0C16-5521-4517-AFDE-676F786A1296}" type="datetime1">
+              <a:rPr lang="de-DE" smtClean="0"/>
+              <a:t>29.11.2021</a:t>
+            </a:fld>
+            <a:endParaRPr lang="en-US"/>
+          </a:p>
+        </p:txBody>
+      </p:sp>
+    </p:spTree>
+    <p:extLst>
+      <p:ext uri="{BB962C8B-B14F-4D97-AF65-F5344CB8AC3E}">
+        <p14:creationId xmlns:p14="http://schemas.microsoft.com/office/powerpoint/2010/main" val="1730568294"/>
+      </p:ext>
+    </p:extLst>
+  </p:cSld>
+  <p:clrMapOvr>
+    <a:masterClrMapping/>
+  </p:clrMapOvr>
+</p:sld>
+</file>
+
+<file path=ppt/slides/slide12.xml><?xml version="1.0" encoding="utf-8"?>
+<p:sld xmlns:a="http://schemas.openxmlformats.org/drawingml/2006/main" xmlns:r="http://schemas.openxmlformats.org/officeDocument/2006/relationships" xmlns:p="http://schemas.openxmlformats.org/presentationml/2006/main">
+  <p:cSld>
+    <p:spTree>
+      <p:nvGrpSpPr>
+        <p:cNvPr id="1" name=""/>
+        <p:cNvGrpSpPr/>
+        <p:nvPr/>
+      </p:nvGrpSpPr>
+      <p:grpSpPr>
+        <a:xfrm>
+          <a:off x="0" y="0"/>
+          <a:ext cx="0" cy="0"/>
+          <a:chOff x="0" y="0"/>
+          <a:chExt cx="0" cy="0"/>
+        </a:xfrm>
+      </p:grpSpPr>
+      <p:sp>
+        <p:nvSpPr>
+          <p:cNvPr id="2" name="Titel 1">
+            <a:extLst>
+              <a:ext uri="{FF2B5EF4-FFF2-40B4-BE49-F238E27FC236}">
+                <a16:creationId xmlns:a16="http://schemas.microsoft.com/office/drawing/2014/main" id="{FD174655-ECDD-40AE-B5DE-FFEEC823E37C}"/>
+              </a:ext>
+            </a:extLst>
+          </p:cNvPr>
+          <p:cNvSpPr>
+            <a:spLocks noGrp="1"/>
+          </p:cNvSpPr>
+          <p:nvPr>
+            <p:ph type="title"/>
+          </p:nvPr>
+        </p:nvSpPr>
+        <p:spPr/>
+        <p:txBody>
+          <a:bodyPr/>
+          <a:lstStyle/>
+          <a:p>
+            <a:r>
+              <a:rPr lang="de-DE" dirty="0"/>
+              <a:t>Benötigte KPIs</a:t>
+            </a:r>
+          </a:p>
+        </p:txBody>
+      </p:sp>
+      <p:graphicFrame>
+        <p:nvGraphicFramePr>
+          <p:cNvPr id="9" name="Tabelle 9">
+            <a:extLst>
+              <a:ext uri="{FF2B5EF4-FFF2-40B4-BE49-F238E27FC236}">
+                <a16:creationId xmlns:a16="http://schemas.microsoft.com/office/drawing/2014/main" id="{66CD1557-6C0C-4629-B891-910C11B46237}"/>
+              </a:ext>
+            </a:extLst>
+          </p:cNvPr>
+          <p:cNvGraphicFramePr>
+            <a:graphicFrameLocks noGrp="1"/>
+          </p:cNvGraphicFramePr>
+          <p:nvPr>
+            <p:ph sz="half" idx="1"/>
+            <p:extLst>
+              <p:ext uri="{D42A27DB-BD31-4B8C-83A1-F6EECF244321}">
+                <p14:modId xmlns:p14="http://schemas.microsoft.com/office/powerpoint/2010/main" val="249531322"/>
+              </p:ext>
+            </p:extLst>
+          </p:nvPr>
+        </p:nvGraphicFramePr>
+        <p:xfrm>
+          <a:off x="1066800" y="2103438"/>
+          <a:ext cx="4664073" cy="3606800"/>
+        </p:xfrm>
+        <a:graphic>
+          <a:graphicData uri="http://schemas.openxmlformats.org/drawingml/2006/table">
+            <a:tbl>
+              <a:tblPr firstRow="1" bandRow="1">
+                <a:tableStyleId>{5C22544A-7EE6-4342-B048-85BDC9FD1C3A}</a:tableStyleId>
+              </a:tblPr>
+              <a:tblGrid>
+                <a:gridCol w="1554691">
+                  <a:extLst>
+                    <a:ext uri="{9D8B030D-6E8A-4147-A177-3AD203B41FA5}">
+                      <a16:colId xmlns:a16="http://schemas.microsoft.com/office/drawing/2014/main" val="3952612340"/>
+                    </a:ext>
+                  </a:extLst>
+                </a:gridCol>
+                <a:gridCol w="1554691">
+                  <a:extLst>
+                    <a:ext uri="{9D8B030D-6E8A-4147-A177-3AD203B41FA5}">
+                      <a16:colId xmlns:a16="http://schemas.microsoft.com/office/drawing/2014/main" val="3364651312"/>
+                    </a:ext>
+                  </a:extLst>
+                </a:gridCol>
+                <a:gridCol w="1554691">
+                  <a:extLst>
+                    <a:ext uri="{9D8B030D-6E8A-4147-A177-3AD203B41FA5}">
+                      <a16:colId xmlns:a16="http://schemas.microsoft.com/office/drawing/2014/main" val="1133834179"/>
+                    </a:ext>
+                  </a:extLst>
+                </a:gridCol>
+              </a:tblGrid>
+              <a:tr h="370840">
+                <a:tc>
+                  <a:txBody>
+                    <a:bodyPr/>
+                    <a:lstStyle/>
+                    <a:p>
+                      <a:r>
+                        <a:rPr lang="de-DE" dirty="0"/>
+                        <a:t>Tripdaten</a:t>
+                      </a:r>
+                    </a:p>
+                  </a:txBody>
+                  <a:tcPr/>
+                </a:tc>
+                <a:tc>
+                  <a:txBody>
+                    <a:bodyPr/>
+                    <a:lstStyle/>
+                    <a:p>
+                      <a:r>
+                        <a:rPr lang="de-DE" dirty="0"/>
+                        <a:t>Stationsdaten</a:t>
+                      </a:r>
+                    </a:p>
+                  </a:txBody>
+                  <a:tcPr/>
+                </a:tc>
+                <a:tc>
+                  <a:txBody>
+                    <a:bodyPr/>
+                    <a:lstStyle/>
+                    <a:p>
+                      <a:r>
+                        <a:rPr lang="de-DE" dirty="0"/>
+                        <a:t>Userdaten</a:t>
+                      </a:r>
+                    </a:p>
+                  </a:txBody>
+                  <a:tcPr/>
+                </a:tc>
+                <a:extLst>
+                  <a:ext uri="{0D108BD9-81ED-4DB2-BD59-A6C34878D82A}">
+                    <a16:rowId xmlns:a16="http://schemas.microsoft.com/office/drawing/2014/main" val="3255181740"/>
+                  </a:ext>
+                </a:extLst>
+              </a:tr>
+              <a:tr h="370840">
+                <a:tc>
+                  <a:txBody>
+                    <a:bodyPr/>
+                    <a:lstStyle/>
+                    <a:p>
+                      <a:r>
+                        <a:rPr lang="de-DE" dirty="0" err="1">
+                          <a:solidFill>
+                            <a:schemeClr val="tx1"/>
+                          </a:solidFill>
+                        </a:rPr>
+                        <a:t>tripduration</a:t>
+                      </a:r>
+                      <a:endParaRPr lang="de-DE" dirty="0">
+                        <a:solidFill>
+                          <a:schemeClr val="tx1"/>
+                        </a:solidFill>
+                      </a:endParaRPr>
+                    </a:p>
+                  </a:txBody>
+                  <a:tcPr/>
+                </a:tc>
+                <a:tc>
+                  <a:txBody>
+                    <a:bodyPr/>
+                    <a:lstStyle/>
+                    <a:p>
+                      <a:r>
+                        <a:rPr lang="de-DE" dirty="0" err="1"/>
+                        <a:t>ss</a:t>
+                      </a:r>
+                      <a:r>
+                        <a:rPr lang="de-DE" dirty="0"/>
+                        <a:t> </a:t>
+                      </a:r>
+                      <a:r>
+                        <a:rPr lang="de-DE" dirty="0" err="1"/>
+                        <a:t>id</a:t>
+                      </a:r>
+                      <a:endParaRPr lang="de-DE" dirty="0"/>
+                    </a:p>
+                  </a:txBody>
+                  <a:tcPr/>
+                </a:tc>
+                <a:tc>
+                  <a:txBody>
+                    <a:bodyPr/>
+                    <a:lstStyle/>
+                    <a:p>
+                      <a:r>
+                        <a:rPr lang="de-DE" dirty="0" err="1"/>
+                        <a:t>usertype</a:t>
+                      </a:r>
+                      <a:endParaRPr lang="de-DE" dirty="0"/>
+                    </a:p>
+                  </a:txBody>
+                  <a:tcPr/>
+                </a:tc>
+                <a:extLst>
+                  <a:ext uri="{0D108BD9-81ED-4DB2-BD59-A6C34878D82A}">
+                    <a16:rowId xmlns:a16="http://schemas.microsoft.com/office/drawing/2014/main" val="198174280"/>
+                  </a:ext>
+                </a:extLst>
+              </a:tr>
+              <a:tr h="370840">
+                <a:tc>
+                  <a:txBody>
+                    <a:bodyPr/>
+                    <a:lstStyle/>
+                    <a:p>
+                      <a:r>
+                        <a:rPr lang="de-DE" dirty="0"/>
+                        <a:t>starttime</a:t>
+                      </a:r>
+                    </a:p>
+                  </a:txBody>
+                  <a:tcPr/>
+                </a:tc>
+                <a:tc>
+                  <a:txBody>
+                    <a:bodyPr/>
+                    <a:lstStyle/>
+                    <a:p>
+                      <a:r>
+                        <a:rPr lang="de-DE" dirty="0" err="1"/>
+                        <a:t>ss</a:t>
+                      </a:r>
+                      <a:r>
+                        <a:rPr lang="de-DE" dirty="0"/>
+                        <a:t> </a:t>
+                      </a:r>
+                      <a:r>
+                        <a:rPr lang="de-DE" dirty="0" err="1"/>
+                        <a:t>name</a:t>
+                      </a:r>
+                      <a:endParaRPr lang="de-DE" dirty="0"/>
+                    </a:p>
+                  </a:txBody>
+                  <a:tcPr/>
+                </a:tc>
+                <a:tc>
+                  <a:txBody>
+                    <a:bodyPr/>
+                    <a:lstStyle/>
+                    <a:p>
+                      <a:r>
+                        <a:rPr lang="de-DE" dirty="0" err="1">
+                          <a:solidFill>
+                            <a:schemeClr val="tx1"/>
+                          </a:solidFill>
+                        </a:rPr>
+                        <a:t>birth</a:t>
+                      </a:r>
+                      <a:r>
+                        <a:rPr lang="de-DE" dirty="0">
+                          <a:solidFill>
+                            <a:schemeClr val="tx1"/>
+                          </a:solidFill>
+                        </a:rPr>
+                        <a:t> </a:t>
+                      </a:r>
+                      <a:r>
+                        <a:rPr lang="de-DE" dirty="0" err="1">
+                          <a:solidFill>
+                            <a:schemeClr val="tx1"/>
+                          </a:solidFill>
+                        </a:rPr>
+                        <a:t>year</a:t>
+                      </a:r>
+                      <a:endParaRPr lang="de-DE" dirty="0">
+                        <a:solidFill>
+                          <a:schemeClr val="tx1"/>
+                        </a:solidFill>
+                      </a:endParaRPr>
+                    </a:p>
+                  </a:txBody>
+                  <a:tcPr/>
+                </a:tc>
+                <a:extLst>
+                  <a:ext uri="{0D108BD9-81ED-4DB2-BD59-A6C34878D82A}">
+                    <a16:rowId xmlns:a16="http://schemas.microsoft.com/office/drawing/2014/main" val="1089450365"/>
+                  </a:ext>
+                </a:extLst>
+              </a:tr>
+              <a:tr h="370840">
+                <a:tc>
+                  <a:txBody>
+                    <a:bodyPr/>
+                    <a:lstStyle/>
+                    <a:p>
+                      <a:r>
+                        <a:rPr lang="de-DE" dirty="0" err="1"/>
+                        <a:t>stoptime</a:t>
+                      </a:r>
+                      <a:endParaRPr lang="de-DE" dirty="0"/>
+                    </a:p>
+                  </a:txBody>
+                  <a:tcPr/>
+                </a:tc>
+                <a:tc>
+                  <a:txBody>
+                    <a:bodyPr/>
+                    <a:lstStyle/>
+                    <a:p>
+                      <a:r>
+                        <a:rPr lang="de-DE" dirty="0">
+                          <a:solidFill>
+                            <a:srgbClr val="C00000"/>
+                          </a:solidFill>
+                        </a:rPr>
+                        <a:t>es </a:t>
+                      </a:r>
+                      <a:r>
+                        <a:rPr lang="de-DE" dirty="0" err="1">
+                          <a:solidFill>
+                            <a:srgbClr val="C00000"/>
+                          </a:solidFill>
+                        </a:rPr>
+                        <a:t>id</a:t>
+                      </a:r>
+                      <a:endParaRPr lang="de-DE" dirty="0">
+                        <a:solidFill>
+                          <a:srgbClr val="C00000"/>
+                        </a:solidFill>
+                      </a:endParaRPr>
+                    </a:p>
+                  </a:txBody>
+                  <a:tcPr/>
+                </a:tc>
+                <a:tc>
+                  <a:txBody>
+                    <a:bodyPr/>
+                    <a:lstStyle/>
+                    <a:p>
+                      <a:r>
+                        <a:rPr lang="de-DE" dirty="0" err="1">
+                          <a:solidFill>
+                            <a:schemeClr val="tx1"/>
+                          </a:solidFill>
+                        </a:rPr>
+                        <a:t>gender</a:t>
+                      </a:r>
+                      <a:endParaRPr lang="de-DE" dirty="0">
+                        <a:solidFill>
+                          <a:schemeClr val="tx1"/>
+                        </a:solidFill>
+                      </a:endParaRPr>
+                    </a:p>
+                  </a:txBody>
+                  <a:tcPr/>
+                </a:tc>
+                <a:extLst>
+                  <a:ext uri="{0D108BD9-81ED-4DB2-BD59-A6C34878D82A}">
+                    <a16:rowId xmlns:a16="http://schemas.microsoft.com/office/drawing/2014/main" val="927326823"/>
+                  </a:ext>
+                </a:extLst>
+              </a:tr>
+              <a:tr h="370840">
+                <a:tc>
+                  <a:txBody>
+                    <a:bodyPr/>
+                    <a:lstStyle/>
+                    <a:p>
+                      <a:r>
+                        <a:rPr lang="de-DE" dirty="0" err="1">
+                          <a:solidFill>
+                            <a:schemeClr val="tx1"/>
+                          </a:solidFill>
+                        </a:rPr>
+                        <a:t>bikeid</a:t>
+                      </a:r>
+                      <a:endParaRPr lang="de-DE" dirty="0">
+                        <a:solidFill>
+                          <a:schemeClr val="tx1"/>
+                        </a:solidFill>
+                      </a:endParaRPr>
+                    </a:p>
+                  </a:txBody>
+                  <a:tcPr/>
+                </a:tc>
+                <a:tc>
+                  <a:txBody>
+                    <a:bodyPr/>
+                    <a:lstStyle/>
+                    <a:p>
+                      <a:r>
+                        <a:rPr lang="de-DE" dirty="0">
+                          <a:solidFill>
+                            <a:srgbClr val="C00000"/>
+                          </a:solidFill>
+                        </a:rPr>
+                        <a:t>es </a:t>
+                      </a:r>
+                      <a:r>
+                        <a:rPr lang="de-DE" dirty="0" err="1">
+                          <a:solidFill>
+                            <a:srgbClr val="C00000"/>
+                          </a:solidFill>
+                        </a:rPr>
+                        <a:t>name</a:t>
+                      </a:r>
+                      <a:endParaRPr lang="de-DE" dirty="0">
+                        <a:solidFill>
+                          <a:srgbClr val="C00000"/>
+                        </a:solidFill>
+                      </a:endParaRPr>
+                    </a:p>
+                  </a:txBody>
+                  <a:tcPr/>
+                </a:tc>
+                <a:tc>
+                  <a:txBody>
+                    <a:bodyPr/>
+                    <a:lstStyle/>
+                    <a:p>
+                      <a:endParaRPr lang="de-DE" dirty="0"/>
+                    </a:p>
+                  </a:txBody>
+                  <a:tcPr/>
+                </a:tc>
+                <a:extLst>
+                  <a:ext uri="{0D108BD9-81ED-4DB2-BD59-A6C34878D82A}">
+                    <a16:rowId xmlns:a16="http://schemas.microsoft.com/office/drawing/2014/main" val="3846195835"/>
+                  </a:ext>
+                </a:extLst>
+              </a:tr>
+              <a:tr h="370840">
+                <a:tc>
+                  <a:txBody>
+                    <a:bodyPr/>
+                    <a:lstStyle/>
+                    <a:p>
+                      <a:r>
+                        <a:rPr lang="de-DE" dirty="0" err="1">
+                          <a:solidFill>
+                            <a:schemeClr val="tx1"/>
+                          </a:solidFill>
+                        </a:rPr>
+                        <a:t>tripdistance</a:t>
+                      </a:r>
+                      <a:endParaRPr lang="de-DE" dirty="0">
+                        <a:solidFill>
+                          <a:schemeClr val="tx1"/>
+                        </a:solidFill>
+                      </a:endParaRPr>
+                    </a:p>
+                  </a:txBody>
+                  <a:tcPr/>
+                </a:tc>
+                <a:tc>
+                  <a:txBody>
+                    <a:bodyPr/>
+                    <a:lstStyle/>
+                    <a:p>
+                      <a:endParaRPr lang="de-DE" dirty="0"/>
+                    </a:p>
+                  </a:txBody>
+                  <a:tcPr/>
+                </a:tc>
+                <a:tc>
+                  <a:txBody>
+                    <a:bodyPr/>
+                    <a:lstStyle/>
+                    <a:p>
+                      <a:endParaRPr lang="de-DE" dirty="0"/>
+                    </a:p>
+                  </a:txBody>
+                  <a:tcPr/>
+                </a:tc>
+                <a:extLst>
+                  <a:ext uri="{0D108BD9-81ED-4DB2-BD59-A6C34878D82A}">
+                    <a16:rowId xmlns:a16="http://schemas.microsoft.com/office/drawing/2014/main" val="3831709357"/>
+                  </a:ext>
+                </a:extLst>
+              </a:tr>
+              <a:tr h="370840">
+                <a:tc>
+                  <a:txBody>
+                    <a:bodyPr/>
+                    <a:lstStyle/>
+                    <a:p>
+                      <a:endParaRPr lang="de-DE" dirty="0"/>
+                    </a:p>
+                  </a:txBody>
+                  <a:tcPr/>
+                </a:tc>
+                <a:tc>
+                  <a:txBody>
+                    <a:bodyPr/>
+                    <a:lstStyle/>
+                    <a:p>
+                      <a:endParaRPr lang="de-DE" dirty="0"/>
+                    </a:p>
+                  </a:txBody>
+                  <a:tcPr/>
+                </a:tc>
+                <a:tc>
+                  <a:txBody>
+                    <a:bodyPr/>
+                    <a:lstStyle/>
+                    <a:p>
+                      <a:endParaRPr lang="de-DE"/>
+                    </a:p>
+                  </a:txBody>
+                  <a:tcPr/>
+                </a:tc>
+                <a:extLst>
+                  <a:ext uri="{0D108BD9-81ED-4DB2-BD59-A6C34878D82A}">
+                    <a16:rowId xmlns:a16="http://schemas.microsoft.com/office/drawing/2014/main" val="4149089050"/>
+                  </a:ext>
+                </a:extLst>
+              </a:tr>
+              <a:tr h="370840">
+                <a:tc>
+                  <a:txBody>
+                    <a:bodyPr/>
+                    <a:lstStyle/>
+                    <a:p>
+                      <a:endParaRPr lang="de-DE"/>
+                    </a:p>
+                  </a:txBody>
+                  <a:tcPr/>
+                </a:tc>
+                <a:tc>
+                  <a:txBody>
+                    <a:bodyPr/>
+                    <a:lstStyle/>
+                    <a:p>
+                      <a:endParaRPr lang="de-DE" dirty="0"/>
+                    </a:p>
+                  </a:txBody>
+                  <a:tcPr/>
+                </a:tc>
+                <a:tc>
+                  <a:txBody>
+                    <a:bodyPr/>
+                    <a:lstStyle/>
+                    <a:p>
+                      <a:endParaRPr lang="de-DE" dirty="0"/>
+                    </a:p>
+                  </a:txBody>
+                  <a:tcPr/>
+                </a:tc>
+                <a:extLst>
+                  <a:ext uri="{0D108BD9-81ED-4DB2-BD59-A6C34878D82A}">
+                    <a16:rowId xmlns:a16="http://schemas.microsoft.com/office/drawing/2014/main" val="4016626904"/>
+                  </a:ext>
+                </a:extLst>
+              </a:tr>
+              <a:tr h="370840">
+                <a:tc>
+                  <a:txBody>
+                    <a:bodyPr/>
+                    <a:lstStyle/>
+                    <a:p>
+                      <a:endParaRPr lang="de-DE"/>
+                    </a:p>
+                  </a:txBody>
+                  <a:tcPr/>
+                </a:tc>
+                <a:tc>
+                  <a:txBody>
+                    <a:bodyPr/>
+                    <a:lstStyle/>
+                    <a:p>
+                      <a:endParaRPr lang="de-DE" dirty="0"/>
+                    </a:p>
+                  </a:txBody>
+                  <a:tcPr/>
+                </a:tc>
+                <a:tc>
+                  <a:txBody>
+                    <a:bodyPr/>
+                    <a:lstStyle/>
+                    <a:p>
+                      <a:endParaRPr lang="de-DE" dirty="0"/>
+                    </a:p>
+                  </a:txBody>
+                  <a:tcPr/>
+                </a:tc>
+                <a:extLst>
+                  <a:ext uri="{0D108BD9-81ED-4DB2-BD59-A6C34878D82A}">
+                    <a16:rowId xmlns:a16="http://schemas.microsoft.com/office/drawing/2014/main" val="900928343"/>
+                  </a:ext>
+                </a:extLst>
+              </a:tr>
+            </a:tbl>
+          </a:graphicData>
+        </a:graphic>
+      </p:graphicFrame>
+      <p:sp>
+        <p:nvSpPr>
+          <p:cNvPr id="3" name="Inhaltsplatzhalter 2">
+            <a:extLst>
+              <a:ext uri="{FF2B5EF4-FFF2-40B4-BE49-F238E27FC236}">
+                <a16:creationId xmlns:a16="http://schemas.microsoft.com/office/drawing/2014/main" id="{52BD2D4C-CF68-4625-A45A-0F234D4F1EEF}"/>
+              </a:ext>
+            </a:extLst>
+          </p:cNvPr>
+          <p:cNvSpPr>
+            <a:spLocks noGrp="1"/>
+          </p:cNvSpPr>
+          <p:nvPr>
+            <p:ph sz="half" idx="2"/>
+          </p:nvPr>
+        </p:nvSpPr>
+        <p:spPr/>
+        <p:txBody>
+          <a:bodyPr/>
+          <a:lstStyle/>
+          <a:p>
+            <a:r>
+              <a:rPr lang="de-DE" dirty="0"/>
+              <a:t>Top 10 </a:t>
+            </a:r>
+            <a:r>
+              <a:rPr lang="de-DE" dirty="0" err="1"/>
+              <a:t>most</a:t>
+            </a:r>
+            <a:r>
+              <a:rPr lang="de-DE" dirty="0"/>
+              <a:t> </a:t>
+            </a:r>
+            <a:r>
+              <a:rPr lang="de-DE" dirty="0" err="1"/>
+              <a:t>used</a:t>
+            </a:r>
+            <a:r>
+              <a:rPr lang="de-DE" dirty="0"/>
+              <a:t> end </a:t>
+            </a:r>
+            <a:r>
+              <a:rPr lang="de-DE" dirty="0" err="1"/>
+              <a:t>stations</a:t>
+            </a:r>
+            <a:endParaRPr lang="de-DE" dirty="0"/>
+          </a:p>
+        </p:txBody>
+      </p:sp>
+      <p:sp>
+        <p:nvSpPr>
+          <p:cNvPr id="4" name="Datumsplatzhalter 3">
+            <a:extLst>
+              <a:ext uri="{FF2B5EF4-FFF2-40B4-BE49-F238E27FC236}">
+                <a16:creationId xmlns:a16="http://schemas.microsoft.com/office/drawing/2014/main" id="{43945677-3631-481A-882E-76077C52A6F9}"/>
+              </a:ext>
+            </a:extLst>
+          </p:cNvPr>
+          <p:cNvSpPr>
+            <a:spLocks noGrp="1"/>
+          </p:cNvSpPr>
+          <p:nvPr>
+            <p:ph type="dt" sz="half" idx="10"/>
+          </p:nvPr>
+        </p:nvSpPr>
+        <p:spPr/>
+        <p:txBody>
+          <a:bodyPr/>
+          <a:lstStyle/>
+          <a:p>
+            <a:pPr rtl="0"/>
+            <a:fld id="{FB7C0C16-5521-4517-AFDE-676F786A1296}" type="datetime1">
+              <a:rPr lang="de-DE" smtClean="0"/>
+              <a:t>29.11.2021</a:t>
+            </a:fld>
+            <a:endParaRPr lang="en-US"/>
+          </a:p>
+        </p:txBody>
+      </p:sp>
+    </p:spTree>
+    <p:extLst>
+      <p:ext uri="{BB962C8B-B14F-4D97-AF65-F5344CB8AC3E}">
+        <p14:creationId xmlns:p14="http://schemas.microsoft.com/office/powerpoint/2010/main" val="1209696964"/>
+      </p:ext>
+    </p:extLst>
+  </p:cSld>
+  <p:clrMapOvr>
+    <a:masterClrMapping/>
+  </p:clrMapOvr>
+</p:sld>
+</file>
+
+<file path=ppt/slides/slide13.xml><?xml version="1.0" encoding="utf-8"?>
+<p:sld xmlns:a="http://schemas.openxmlformats.org/drawingml/2006/main" xmlns:r="http://schemas.openxmlformats.org/officeDocument/2006/relationships" xmlns:p="http://schemas.openxmlformats.org/presentationml/2006/main">
+  <p:cSld>
+    <p:spTree>
+      <p:nvGrpSpPr>
+        <p:cNvPr id="1" name=""/>
+        <p:cNvGrpSpPr/>
+        <p:nvPr/>
+      </p:nvGrpSpPr>
+      <p:grpSpPr>
+        <a:xfrm>
+          <a:off x="0" y="0"/>
+          <a:ext cx="0" cy="0"/>
+          <a:chOff x="0" y="0"/>
+          <a:chExt cx="0" cy="0"/>
+        </a:xfrm>
+      </p:grpSpPr>
+      <p:sp>
+        <p:nvSpPr>
+          <p:cNvPr id="2" name="Titel 1">
+            <a:extLst>
+              <a:ext uri="{FF2B5EF4-FFF2-40B4-BE49-F238E27FC236}">
+                <a16:creationId xmlns:a16="http://schemas.microsoft.com/office/drawing/2014/main" id="{FD174655-ECDD-40AE-B5DE-FFEEC823E37C}"/>
+              </a:ext>
+            </a:extLst>
+          </p:cNvPr>
+          <p:cNvSpPr>
+            <a:spLocks noGrp="1"/>
+          </p:cNvSpPr>
+          <p:nvPr>
+            <p:ph type="title"/>
+          </p:nvPr>
+        </p:nvSpPr>
+        <p:spPr/>
+        <p:txBody>
+          <a:bodyPr/>
+          <a:lstStyle/>
+          <a:p>
+            <a:r>
+              <a:rPr lang="de-DE" dirty="0"/>
+              <a:t>Benötigte KPIs</a:t>
+            </a:r>
+          </a:p>
+        </p:txBody>
+      </p:sp>
+      <p:graphicFrame>
+        <p:nvGraphicFramePr>
+          <p:cNvPr id="9" name="Tabelle 9">
+            <a:extLst>
+              <a:ext uri="{FF2B5EF4-FFF2-40B4-BE49-F238E27FC236}">
+                <a16:creationId xmlns:a16="http://schemas.microsoft.com/office/drawing/2014/main" id="{66CD1557-6C0C-4629-B891-910C11B46237}"/>
+              </a:ext>
+            </a:extLst>
+          </p:cNvPr>
+          <p:cNvGraphicFramePr>
+            <a:graphicFrameLocks noGrp="1"/>
+          </p:cNvGraphicFramePr>
+          <p:nvPr>
+            <p:ph sz="half" idx="1"/>
+            <p:extLst>
+              <p:ext uri="{D42A27DB-BD31-4B8C-83A1-F6EECF244321}">
+                <p14:modId xmlns:p14="http://schemas.microsoft.com/office/powerpoint/2010/main" val="1687189876"/>
+              </p:ext>
+            </p:extLst>
+          </p:nvPr>
+        </p:nvGraphicFramePr>
+        <p:xfrm>
+          <a:off x="1066800" y="2103438"/>
+          <a:ext cx="4664073" cy="3606800"/>
+        </p:xfrm>
+        <a:graphic>
+          <a:graphicData uri="http://schemas.openxmlformats.org/drawingml/2006/table">
+            <a:tbl>
+              <a:tblPr firstRow="1" bandRow="1">
+                <a:tableStyleId>{5C22544A-7EE6-4342-B048-85BDC9FD1C3A}</a:tableStyleId>
+              </a:tblPr>
+              <a:tblGrid>
+                <a:gridCol w="1554691">
+                  <a:extLst>
+                    <a:ext uri="{9D8B030D-6E8A-4147-A177-3AD203B41FA5}">
+                      <a16:colId xmlns:a16="http://schemas.microsoft.com/office/drawing/2014/main" val="3952612340"/>
+                    </a:ext>
+                  </a:extLst>
+                </a:gridCol>
+                <a:gridCol w="1554691">
+                  <a:extLst>
+                    <a:ext uri="{9D8B030D-6E8A-4147-A177-3AD203B41FA5}">
+                      <a16:colId xmlns:a16="http://schemas.microsoft.com/office/drawing/2014/main" val="3364651312"/>
+                    </a:ext>
+                  </a:extLst>
+                </a:gridCol>
+                <a:gridCol w="1554691">
+                  <a:extLst>
+                    <a:ext uri="{9D8B030D-6E8A-4147-A177-3AD203B41FA5}">
+                      <a16:colId xmlns:a16="http://schemas.microsoft.com/office/drawing/2014/main" val="1133834179"/>
+                    </a:ext>
+                  </a:extLst>
+                </a:gridCol>
+              </a:tblGrid>
+              <a:tr h="370840">
+                <a:tc>
+                  <a:txBody>
+                    <a:bodyPr/>
+                    <a:lstStyle/>
+                    <a:p>
+                      <a:r>
+                        <a:rPr lang="de-DE" dirty="0"/>
+                        <a:t>Tripdaten</a:t>
+                      </a:r>
+                    </a:p>
+                  </a:txBody>
+                  <a:tcPr/>
+                </a:tc>
+                <a:tc>
+                  <a:txBody>
+                    <a:bodyPr/>
+                    <a:lstStyle/>
+                    <a:p>
+                      <a:r>
+                        <a:rPr lang="de-DE" dirty="0"/>
+                        <a:t>Stationsdaten</a:t>
+                      </a:r>
+                    </a:p>
+                  </a:txBody>
+                  <a:tcPr/>
+                </a:tc>
+                <a:tc>
+                  <a:txBody>
+                    <a:bodyPr/>
+                    <a:lstStyle/>
+                    <a:p>
+                      <a:r>
+                        <a:rPr lang="de-DE" dirty="0"/>
+                        <a:t>Userdaten</a:t>
+                      </a:r>
+                    </a:p>
+                  </a:txBody>
+                  <a:tcPr/>
+                </a:tc>
+                <a:extLst>
+                  <a:ext uri="{0D108BD9-81ED-4DB2-BD59-A6C34878D82A}">
+                    <a16:rowId xmlns:a16="http://schemas.microsoft.com/office/drawing/2014/main" val="3255181740"/>
+                  </a:ext>
+                </a:extLst>
+              </a:tr>
+              <a:tr h="370840">
+                <a:tc>
+                  <a:txBody>
+                    <a:bodyPr/>
+                    <a:lstStyle/>
+                    <a:p>
+                      <a:r>
+                        <a:rPr lang="de-DE" dirty="0" err="1">
+                          <a:solidFill>
+                            <a:schemeClr val="tx1"/>
+                          </a:solidFill>
+                        </a:rPr>
+                        <a:t>tripduration</a:t>
+                      </a:r>
+                      <a:endParaRPr lang="de-DE" dirty="0">
+                        <a:solidFill>
+                          <a:schemeClr val="tx1"/>
+                        </a:solidFill>
+                      </a:endParaRPr>
+                    </a:p>
+                  </a:txBody>
+                  <a:tcPr/>
+                </a:tc>
+                <a:tc>
+                  <a:txBody>
+                    <a:bodyPr/>
+                    <a:lstStyle/>
+                    <a:p>
+                      <a:r>
+                        <a:rPr lang="de-DE" dirty="0" err="1"/>
+                        <a:t>ss</a:t>
+                      </a:r>
+                      <a:r>
+                        <a:rPr lang="de-DE" dirty="0"/>
+                        <a:t> </a:t>
+                      </a:r>
+                      <a:r>
+                        <a:rPr lang="de-DE" dirty="0" err="1"/>
+                        <a:t>id</a:t>
+                      </a:r>
+                      <a:endParaRPr lang="de-DE" dirty="0"/>
+                    </a:p>
+                  </a:txBody>
+                  <a:tcPr/>
+                </a:tc>
+                <a:tc>
+                  <a:txBody>
+                    <a:bodyPr/>
+                    <a:lstStyle/>
+                    <a:p>
+                      <a:r>
+                        <a:rPr lang="de-DE" dirty="0" err="1"/>
+                        <a:t>usertype</a:t>
+                      </a:r>
+                      <a:endParaRPr lang="de-DE" dirty="0"/>
+                    </a:p>
+                  </a:txBody>
+                  <a:tcPr/>
+                </a:tc>
+                <a:extLst>
+                  <a:ext uri="{0D108BD9-81ED-4DB2-BD59-A6C34878D82A}">
+                    <a16:rowId xmlns:a16="http://schemas.microsoft.com/office/drawing/2014/main" val="198174280"/>
+                  </a:ext>
+                </a:extLst>
+              </a:tr>
+              <a:tr h="370840">
+                <a:tc>
+                  <a:txBody>
+                    <a:bodyPr/>
+                    <a:lstStyle/>
+                    <a:p>
+                      <a:r>
+                        <a:rPr lang="de-DE" dirty="0">
+                          <a:solidFill>
+                            <a:srgbClr val="C00000"/>
+                          </a:solidFill>
+                        </a:rPr>
+                        <a:t>starttime</a:t>
+                      </a:r>
+                    </a:p>
+                  </a:txBody>
+                  <a:tcPr/>
+                </a:tc>
+                <a:tc>
+                  <a:txBody>
+                    <a:bodyPr/>
+                    <a:lstStyle/>
+                    <a:p>
+                      <a:r>
+                        <a:rPr lang="de-DE" dirty="0" err="1"/>
+                        <a:t>ss</a:t>
+                      </a:r>
+                      <a:r>
+                        <a:rPr lang="de-DE" dirty="0"/>
+                        <a:t> </a:t>
+                      </a:r>
+                      <a:r>
+                        <a:rPr lang="de-DE" dirty="0" err="1"/>
+                        <a:t>name</a:t>
+                      </a:r>
+                      <a:endParaRPr lang="de-DE" dirty="0"/>
+                    </a:p>
+                  </a:txBody>
+                  <a:tcPr/>
+                </a:tc>
+                <a:tc>
+                  <a:txBody>
+                    <a:bodyPr/>
+                    <a:lstStyle/>
+                    <a:p>
+                      <a:r>
+                        <a:rPr lang="de-DE" dirty="0" err="1">
+                          <a:solidFill>
+                            <a:schemeClr val="tx1"/>
+                          </a:solidFill>
+                        </a:rPr>
+                        <a:t>birth</a:t>
+                      </a:r>
+                      <a:r>
+                        <a:rPr lang="de-DE" dirty="0">
+                          <a:solidFill>
+                            <a:schemeClr val="tx1"/>
+                          </a:solidFill>
+                        </a:rPr>
+                        <a:t> </a:t>
+                      </a:r>
+                      <a:r>
+                        <a:rPr lang="de-DE" dirty="0" err="1">
+                          <a:solidFill>
+                            <a:schemeClr val="tx1"/>
+                          </a:solidFill>
+                        </a:rPr>
+                        <a:t>year</a:t>
+                      </a:r>
+                      <a:endParaRPr lang="de-DE" dirty="0">
+                        <a:solidFill>
+                          <a:schemeClr val="tx1"/>
+                        </a:solidFill>
+                      </a:endParaRPr>
+                    </a:p>
+                  </a:txBody>
+                  <a:tcPr/>
+                </a:tc>
+                <a:extLst>
+                  <a:ext uri="{0D108BD9-81ED-4DB2-BD59-A6C34878D82A}">
+                    <a16:rowId xmlns:a16="http://schemas.microsoft.com/office/drawing/2014/main" val="1089450365"/>
+                  </a:ext>
+                </a:extLst>
+              </a:tr>
+              <a:tr h="370840">
+                <a:tc>
+                  <a:txBody>
+                    <a:bodyPr/>
+                    <a:lstStyle/>
+                    <a:p>
+                      <a:r>
+                        <a:rPr lang="de-DE" dirty="0" err="1">
+                          <a:solidFill>
+                            <a:srgbClr val="C00000"/>
+                          </a:solidFill>
+                        </a:rPr>
+                        <a:t>stoptime</a:t>
+                      </a:r>
+                      <a:endParaRPr lang="de-DE" dirty="0">
+                        <a:solidFill>
+                          <a:srgbClr val="C00000"/>
+                        </a:solidFill>
+                      </a:endParaRPr>
+                    </a:p>
+                  </a:txBody>
+                  <a:tcPr/>
+                </a:tc>
+                <a:tc>
+                  <a:txBody>
+                    <a:bodyPr/>
+                    <a:lstStyle/>
+                    <a:p>
+                      <a:r>
+                        <a:rPr lang="de-DE" dirty="0">
+                          <a:solidFill>
+                            <a:schemeClr val="tx1"/>
+                          </a:solidFill>
+                        </a:rPr>
+                        <a:t>es </a:t>
+                      </a:r>
+                      <a:r>
+                        <a:rPr lang="de-DE" dirty="0" err="1">
+                          <a:solidFill>
+                            <a:schemeClr val="tx1"/>
+                          </a:solidFill>
+                        </a:rPr>
+                        <a:t>id</a:t>
+                      </a:r>
+                      <a:endParaRPr lang="de-DE" dirty="0">
+                        <a:solidFill>
+                          <a:schemeClr val="tx1"/>
+                        </a:solidFill>
+                      </a:endParaRPr>
+                    </a:p>
+                  </a:txBody>
+                  <a:tcPr/>
+                </a:tc>
+                <a:tc>
+                  <a:txBody>
+                    <a:bodyPr/>
+                    <a:lstStyle/>
+                    <a:p>
+                      <a:r>
+                        <a:rPr lang="de-DE" dirty="0" err="1">
+                          <a:solidFill>
+                            <a:schemeClr val="tx1"/>
+                          </a:solidFill>
+                        </a:rPr>
+                        <a:t>gender</a:t>
+                      </a:r>
+                      <a:endParaRPr lang="de-DE" dirty="0">
+                        <a:solidFill>
+                          <a:schemeClr val="tx1"/>
+                        </a:solidFill>
+                      </a:endParaRPr>
+                    </a:p>
+                  </a:txBody>
+                  <a:tcPr/>
+                </a:tc>
+                <a:extLst>
+                  <a:ext uri="{0D108BD9-81ED-4DB2-BD59-A6C34878D82A}">
+                    <a16:rowId xmlns:a16="http://schemas.microsoft.com/office/drawing/2014/main" val="927326823"/>
+                  </a:ext>
+                </a:extLst>
+              </a:tr>
+              <a:tr h="370840">
+                <a:tc>
+                  <a:txBody>
+                    <a:bodyPr/>
+                    <a:lstStyle/>
+                    <a:p>
+                      <a:r>
+                        <a:rPr lang="de-DE" dirty="0" err="1">
+                          <a:solidFill>
+                            <a:schemeClr val="tx1"/>
+                          </a:solidFill>
+                        </a:rPr>
+                        <a:t>bikeid</a:t>
+                      </a:r>
+                      <a:endParaRPr lang="de-DE" dirty="0">
+                        <a:solidFill>
+                          <a:schemeClr val="tx1"/>
+                        </a:solidFill>
+                      </a:endParaRPr>
+                    </a:p>
+                  </a:txBody>
+                  <a:tcPr/>
+                </a:tc>
+                <a:tc>
+                  <a:txBody>
+                    <a:bodyPr/>
+                    <a:lstStyle/>
+                    <a:p>
+                      <a:r>
+                        <a:rPr lang="de-DE" dirty="0">
+                          <a:solidFill>
+                            <a:schemeClr val="tx1"/>
+                          </a:solidFill>
+                        </a:rPr>
+                        <a:t>es </a:t>
+                      </a:r>
+                      <a:r>
+                        <a:rPr lang="de-DE" dirty="0" err="1">
+                          <a:solidFill>
+                            <a:schemeClr val="tx1"/>
+                          </a:solidFill>
+                        </a:rPr>
+                        <a:t>name</a:t>
+                      </a:r>
+                      <a:endParaRPr lang="de-DE" dirty="0">
+                        <a:solidFill>
+                          <a:schemeClr val="tx1"/>
+                        </a:solidFill>
+                      </a:endParaRPr>
+                    </a:p>
+                  </a:txBody>
+                  <a:tcPr/>
+                </a:tc>
+                <a:tc>
+                  <a:txBody>
+                    <a:bodyPr/>
+                    <a:lstStyle/>
+                    <a:p>
+                      <a:endParaRPr lang="de-DE" dirty="0"/>
+                    </a:p>
+                  </a:txBody>
+                  <a:tcPr/>
+                </a:tc>
+                <a:extLst>
+                  <a:ext uri="{0D108BD9-81ED-4DB2-BD59-A6C34878D82A}">
+                    <a16:rowId xmlns:a16="http://schemas.microsoft.com/office/drawing/2014/main" val="3846195835"/>
+                  </a:ext>
+                </a:extLst>
+              </a:tr>
+              <a:tr h="370840">
+                <a:tc>
+                  <a:txBody>
+                    <a:bodyPr/>
+                    <a:lstStyle/>
+                    <a:p>
+                      <a:r>
+                        <a:rPr lang="de-DE" dirty="0" err="1">
+                          <a:solidFill>
+                            <a:schemeClr val="tx1"/>
+                          </a:solidFill>
+                        </a:rPr>
+                        <a:t>tripdistance</a:t>
+                      </a:r>
+                      <a:endParaRPr lang="de-DE" dirty="0">
+                        <a:solidFill>
+                          <a:schemeClr val="tx1"/>
+                        </a:solidFill>
+                      </a:endParaRPr>
+                    </a:p>
+                  </a:txBody>
+                  <a:tcPr/>
+                </a:tc>
+                <a:tc>
+                  <a:txBody>
+                    <a:bodyPr/>
+                    <a:lstStyle/>
+                    <a:p>
+                      <a:endParaRPr lang="de-DE" dirty="0"/>
+                    </a:p>
+                  </a:txBody>
+                  <a:tcPr/>
+                </a:tc>
+                <a:tc>
+                  <a:txBody>
+                    <a:bodyPr/>
+                    <a:lstStyle/>
+                    <a:p>
+                      <a:endParaRPr lang="de-DE" dirty="0"/>
+                    </a:p>
+                  </a:txBody>
+                  <a:tcPr/>
+                </a:tc>
+                <a:extLst>
+                  <a:ext uri="{0D108BD9-81ED-4DB2-BD59-A6C34878D82A}">
+                    <a16:rowId xmlns:a16="http://schemas.microsoft.com/office/drawing/2014/main" val="3831709357"/>
+                  </a:ext>
+                </a:extLst>
+              </a:tr>
+              <a:tr h="370840">
+                <a:tc>
+                  <a:txBody>
+                    <a:bodyPr/>
+                    <a:lstStyle/>
+                    <a:p>
+                      <a:endParaRPr lang="de-DE" dirty="0"/>
+                    </a:p>
+                  </a:txBody>
+                  <a:tcPr/>
+                </a:tc>
+                <a:tc>
+                  <a:txBody>
+                    <a:bodyPr/>
+                    <a:lstStyle/>
+                    <a:p>
+                      <a:endParaRPr lang="de-DE" dirty="0"/>
+                    </a:p>
+                  </a:txBody>
+                  <a:tcPr/>
+                </a:tc>
+                <a:tc>
+                  <a:txBody>
+                    <a:bodyPr/>
+                    <a:lstStyle/>
+                    <a:p>
+                      <a:endParaRPr lang="de-DE"/>
+                    </a:p>
+                  </a:txBody>
+                  <a:tcPr/>
+                </a:tc>
+                <a:extLst>
+                  <a:ext uri="{0D108BD9-81ED-4DB2-BD59-A6C34878D82A}">
+                    <a16:rowId xmlns:a16="http://schemas.microsoft.com/office/drawing/2014/main" val="4149089050"/>
+                  </a:ext>
+                </a:extLst>
+              </a:tr>
+              <a:tr h="370840">
+                <a:tc>
+                  <a:txBody>
+                    <a:bodyPr/>
+                    <a:lstStyle/>
+                    <a:p>
+                      <a:endParaRPr lang="de-DE"/>
+                    </a:p>
+                  </a:txBody>
+                  <a:tcPr/>
+                </a:tc>
+                <a:tc>
+                  <a:txBody>
+                    <a:bodyPr/>
+                    <a:lstStyle/>
+                    <a:p>
+                      <a:endParaRPr lang="de-DE" dirty="0"/>
+                    </a:p>
+                  </a:txBody>
+                  <a:tcPr/>
+                </a:tc>
+                <a:tc>
+                  <a:txBody>
+                    <a:bodyPr/>
+                    <a:lstStyle/>
+                    <a:p>
+                      <a:endParaRPr lang="de-DE" dirty="0"/>
+                    </a:p>
+                  </a:txBody>
+                  <a:tcPr/>
+                </a:tc>
+                <a:extLst>
+                  <a:ext uri="{0D108BD9-81ED-4DB2-BD59-A6C34878D82A}">
+                    <a16:rowId xmlns:a16="http://schemas.microsoft.com/office/drawing/2014/main" val="4016626904"/>
+                  </a:ext>
+                </a:extLst>
+              </a:tr>
+              <a:tr h="370840">
+                <a:tc>
+                  <a:txBody>
+                    <a:bodyPr/>
+                    <a:lstStyle/>
+                    <a:p>
+                      <a:endParaRPr lang="de-DE"/>
+                    </a:p>
+                  </a:txBody>
+                  <a:tcPr/>
+                </a:tc>
+                <a:tc>
+                  <a:txBody>
+                    <a:bodyPr/>
+                    <a:lstStyle/>
+                    <a:p>
+                      <a:endParaRPr lang="de-DE" dirty="0"/>
+                    </a:p>
+                  </a:txBody>
+                  <a:tcPr/>
+                </a:tc>
+                <a:tc>
+                  <a:txBody>
+                    <a:bodyPr/>
+                    <a:lstStyle/>
+                    <a:p>
+                      <a:endParaRPr lang="de-DE" dirty="0"/>
+                    </a:p>
+                  </a:txBody>
+                  <a:tcPr/>
+                </a:tc>
+                <a:extLst>
+                  <a:ext uri="{0D108BD9-81ED-4DB2-BD59-A6C34878D82A}">
+                    <a16:rowId xmlns:a16="http://schemas.microsoft.com/office/drawing/2014/main" val="900928343"/>
+                  </a:ext>
+                </a:extLst>
+              </a:tr>
+            </a:tbl>
+          </a:graphicData>
+        </a:graphic>
+      </p:graphicFrame>
+      <p:sp>
+        <p:nvSpPr>
+          <p:cNvPr id="3" name="Inhaltsplatzhalter 2">
+            <a:extLst>
+              <a:ext uri="{FF2B5EF4-FFF2-40B4-BE49-F238E27FC236}">
+                <a16:creationId xmlns:a16="http://schemas.microsoft.com/office/drawing/2014/main" id="{52BD2D4C-CF68-4625-A45A-0F234D4F1EEF}"/>
+              </a:ext>
+            </a:extLst>
+          </p:cNvPr>
+          <p:cNvSpPr>
+            <a:spLocks noGrp="1"/>
+          </p:cNvSpPr>
+          <p:nvPr>
+            <p:ph sz="half" idx="2"/>
+          </p:nvPr>
+        </p:nvSpPr>
+        <p:spPr/>
+        <p:txBody>
+          <a:bodyPr/>
+          <a:lstStyle/>
+          <a:p>
+            <a:r>
+              <a:rPr lang="de-DE" dirty="0" err="1"/>
+              <a:t>Usage</a:t>
+            </a:r>
+            <a:r>
+              <a:rPr lang="de-DE" dirty="0"/>
+              <a:t> </a:t>
+            </a:r>
+            <a:r>
+              <a:rPr lang="de-DE" dirty="0" err="1"/>
+              <a:t>share</a:t>
+            </a:r>
+            <a:r>
+              <a:rPr lang="de-DE" dirty="0"/>
+              <a:t> </a:t>
+            </a:r>
+            <a:r>
+              <a:rPr lang="de-DE" dirty="0" err="1"/>
+              <a:t>by</a:t>
+            </a:r>
+            <a:r>
+              <a:rPr lang="de-DE" dirty="0"/>
+              <a:t> </a:t>
+            </a:r>
+            <a:r>
+              <a:rPr lang="de-DE" dirty="0" err="1"/>
+              <a:t>timeslot</a:t>
+            </a:r>
+            <a:endParaRPr lang="de-DE" dirty="0"/>
+          </a:p>
+        </p:txBody>
+      </p:sp>
+      <p:sp>
+        <p:nvSpPr>
+          <p:cNvPr id="4" name="Datumsplatzhalter 3">
+            <a:extLst>
+              <a:ext uri="{FF2B5EF4-FFF2-40B4-BE49-F238E27FC236}">
+                <a16:creationId xmlns:a16="http://schemas.microsoft.com/office/drawing/2014/main" id="{43945677-3631-481A-882E-76077C52A6F9}"/>
+              </a:ext>
+            </a:extLst>
+          </p:cNvPr>
+          <p:cNvSpPr>
+            <a:spLocks noGrp="1"/>
+          </p:cNvSpPr>
+          <p:nvPr>
+            <p:ph type="dt" sz="half" idx="10"/>
+          </p:nvPr>
+        </p:nvSpPr>
+        <p:spPr/>
+        <p:txBody>
+          <a:bodyPr/>
+          <a:lstStyle/>
+          <a:p>
+            <a:pPr rtl="0"/>
+            <a:fld id="{FB7C0C16-5521-4517-AFDE-676F786A1296}" type="datetime1">
+              <a:rPr lang="de-DE" smtClean="0"/>
+              <a:t>29.11.2021</a:t>
+            </a:fld>
+            <a:endParaRPr lang="en-US"/>
+          </a:p>
+        </p:txBody>
+      </p:sp>
+    </p:spTree>
+    <p:extLst>
+      <p:ext uri="{BB962C8B-B14F-4D97-AF65-F5344CB8AC3E}">
+        <p14:creationId xmlns:p14="http://schemas.microsoft.com/office/powerpoint/2010/main" val="102421968"/>
+      </p:ext>
+    </p:extLst>
+  </p:cSld>
+  <p:clrMapOvr>
+    <a:masterClrMapping/>
+  </p:clrMapOvr>
+</p:sld>
+</file>
+
+<file path=ppt/slides/slide14.xml><?xml version="1.0" encoding="utf-8"?>
+<p:sld xmlns:a="http://schemas.openxmlformats.org/drawingml/2006/main" xmlns:r="http://schemas.openxmlformats.org/officeDocument/2006/relationships" xmlns:p="http://schemas.openxmlformats.org/presentationml/2006/main">
+  <p:cSld>
+    <p:spTree>
+      <p:nvGrpSpPr>
+        <p:cNvPr id="1" name=""/>
+        <p:cNvGrpSpPr/>
+        <p:nvPr/>
+      </p:nvGrpSpPr>
+      <p:grpSpPr>
+        <a:xfrm>
+          <a:off x="0" y="0"/>
+          <a:ext cx="0" cy="0"/>
+          <a:chOff x="0" y="0"/>
+          <a:chExt cx="0" cy="0"/>
+        </a:xfrm>
+      </p:grpSpPr>
+      <p:sp>
+        <p:nvSpPr>
+          <p:cNvPr id="2" name="Titel 1">
+            <a:extLst>
+              <a:ext uri="{FF2B5EF4-FFF2-40B4-BE49-F238E27FC236}">
+                <a16:creationId xmlns:a16="http://schemas.microsoft.com/office/drawing/2014/main" id="{FD174655-ECDD-40AE-B5DE-FFEEC823E37C}"/>
+              </a:ext>
+            </a:extLst>
+          </p:cNvPr>
+          <p:cNvSpPr>
+            <a:spLocks noGrp="1"/>
+          </p:cNvSpPr>
+          <p:nvPr>
+            <p:ph type="title"/>
+          </p:nvPr>
+        </p:nvSpPr>
+        <p:spPr/>
+        <p:txBody>
+          <a:bodyPr/>
+          <a:lstStyle/>
+          <a:p>
+            <a:r>
+              <a:rPr lang="de-DE" dirty="0"/>
+              <a:t>Benötigte KPIs</a:t>
+            </a:r>
+          </a:p>
+        </p:txBody>
+      </p:sp>
+      <p:graphicFrame>
+        <p:nvGraphicFramePr>
+          <p:cNvPr id="9" name="Tabelle 9">
+            <a:extLst>
+              <a:ext uri="{FF2B5EF4-FFF2-40B4-BE49-F238E27FC236}">
+                <a16:creationId xmlns:a16="http://schemas.microsoft.com/office/drawing/2014/main" id="{66CD1557-6C0C-4629-B891-910C11B46237}"/>
+              </a:ext>
+            </a:extLst>
+          </p:cNvPr>
+          <p:cNvGraphicFramePr>
+            <a:graphicFrameLocks noGrp="1"/>
+          </p:cNvGraphicFramePr>
+          <p:nvPr>
+            <p:ph sz="half" idx="1"/>
+            <p:extLst>
+              <p:ext uri="{D42A27DB-BD31-4B8C-83A1-F6EECF244321}">
+                <p14:modId xmlns:p14="http://schemas.microsoft.com/office/powerpoint/2010/main" val="3658626794"/>
+              </p:ext>
+            </p:extLst>
+          </p:nvPr>
+        </p:nvGraphicFramePr>
+        <p:xfrm>
+          <a:off x="1066800" y="2103438"/>
+          <a:ext cx="4664073" cy="3606800"/>
+        </p:xfrm>
+        <a:graphic>
+          <a:graphicData uri="http://schemas.openxmlformats.org/drawingml/2006/table">
+            <a:tbl>
+              <a:tblPr firstRow="1" bandRow="1">
+                <a:tableStyleId>{5C22544A-7EE6-4342-B048-85BDC9FD1C3A}</a:tableStyleId>
+              </a:tblPr>
+              <a:tblGrid>
+                <a:gridCol w="1554691">
+                  <a:extLst>
+                    <a:ext uri="{9D8B030D-6E8A-4147-A177-3AD203B41FA5}">
+                      <a16:colId xmlns:a16="http://schemas.microsoft.com/office/drawing/2014/main" val="3952612340"/>
+                    </a:ext>
+                  </a:extLst>
+                </a:gridCol>
+                <a:gridCol w="1554691">
+                  <a:extLst>
+                    <a:ext uri="{9D8B030D-6E8A-4147-A177-3AD203B41FA5}">
+                      <a16:colId xmlns:a16="http://schemas.microsoft.com/office/drawing/2014/main" val="3364651312"/>
+                    </a:ext>
+                  </a:extLst>
+                </a:gridCol>
+                <a:gridCol w="1554691">
+                  <a:extLst>
+                    <a:ext uri="{9D8B030D-6E8A-4147-A177-3AD203B41FA5}">
+                      <a16:colId xmlns:a16="http://schemas.microsoft.com/office/drawing/2014/main" val="1133834179"/>
+                    </a:ext>
+                  </a:extLst>
+                </a:gridCol>
+              </a:tblGrid>
+              <a:tr h="370840">
+                <a:tc>
+                  <a:txBody>
+                    <a:bodyPr/>
+                    <a:lstStyle/>
+                    <a:p>
+                      <a:r>
+                        <a:rPr lang="de-DE" dirty="0"/>
+                        <a:t>Tripdaten</a:t>
+                      </a:r>
+                    </a:p>
+                  </a:txBody>
+                  <a:tcPr/>
+                </a:tc>
+                <a:tc>
+                  <a:txBody>
+                    <a:bodyPr/>
+                    <a:lstStyle/>
+                    <a:p>
+                      <a:r>
+                        <a:rPr lang="de-DE" dirty="0"/>
+                        <a:t>Stationsdaten</a:t>
+                      </a:r>
+                    </a:p>
+                  </a:txBody>
+                  <a:tcPr/>
+                </a:tc>
+                <a:tc>
+                  <a:txBody>
+                    <a:bodyPr/>
+                    <a:lstStyle/>
+                    <a:p>
+                      <a:r>
+                        <a:rPr lang="de-DE" dirty="0"/>
+                        <a:t>Userdaten</a:t>
+                      </a:r>
+                    </a:p>
+                  </a:txBody>
+                  <a:tcPr/>
+                </a:tc>
+                <a:extLst>
+                  <a:ext uri="{0D108BD9-81ED-4DB2-BD59-A6C34878D82A}">
+                    <a16:rowId xmlns:a16="http://schemas.microsoft.com/office/drawing/2014/main" val="3255181740"/>
+                  </a:ext>
+                </a:extLst>
+              </a:tr>
+              <a:tr h="370840">
+                <a:tc>
+                  <a:txBody>
+                    <a:bodyPr/>
+                    <a:lstStyle/>
+                    <a:p>
+                      <a:r>
+                        <a:rPr lang="de-DE" dirty="0" err="1">
+                          <a:solidFill>
+                            <a:schemeClr val="tx1"/>
+                          </a:solidFill>
+                        </a:rPr>
+                        <a:t>tripduration</a:t>
+                      </a:r>
+                      <a:endParaRPr lang="de-DE" dirty="0">
+                        <a:solidFill>
+                          <a:schemeClr val="tx1"/>
+                        </a:solidFill>
+                      </a:endParaRPr>
+                    </a:p>
+                  </a:txBody>
+                  <a:tcPr/>
+                </a:tc>
+                <a:tc>
+                  <a:txBody>
+                    <a:bodyPr/>
+                    <a:lstStyle/>
+                    <a:p>
+                      <a:r>
+                        <a:rPr lang="de-DE" dirty="0" err="1"/>
+                        <a:t>ss</a:t>
+                      </a:r>
+                      <a:r>
+                        <a:rPr lang="de-DE" dirty="0"/>
+                        <a:t> </a:t>
+                      </a:r>
+                      <a:r>
+                        <a:rPr lang="de-DE" dirty="0" err="1"/>
+                        <a:t>id</a:t>
+                      </a:r>
+                      <a:endParaRPr lang="de-DE" dirty="0"/>
+                    </a:p>
+                  </a:txBody>
+                  <a:tcPr/>
+                </a:tc>
+                <a:tc>
+                  <a:txBody>
+                    <a:bodyPr/>
+                    <a:lstStyle/>
+                    <a:p>
+                      <a:r>
+                        <a:rPr lang="de-DE" dirty="0" err="1">
+                          <a:solidFill>
+                            <a:srgbClr val="C00000"/>
+                          </a:solidFill>
+                        </a:rPr>
+                        <a:t>usertype</a:t>
+                      </a:r>
+                      <a:endParaRPr lang="de-DE" dirty="0">
+                        <a:solidFill>
+                          <a:srgbClr val="C00000"/>
+                        </a:solidFill>
+                      </a:endParaRPr>
+                    </a:p>
+                  </a:txBody>
+                  <a:tcPr/>
+                </a:tc>
+                <a:extLst>
+                  <a:ext uri="{0D108BD9-81ED-4DB2-BD59-A6C34878D82A}">
+                    <a16:rowId xmlns:a16="http://schemas.microsoft.com/office/drawing/2014/main" val="198174280"/>
+                  </a:ext>
+                </a:extLst>
+              </a:tr>
+              <a:tr h="370840">
+                <a:tc>
+                  <a:txBody>
+                    <a:bodyPr/>
+                    <a:lstStyle/>
+                    <a:p>
+                      <a:r>
+                        <a:rPr lang="de-DE" dirty="0" err="1">
+                          <a:solidFill>
+                            <a:srgbClr val="C00000"/>
+                          </a:solidFill>
+                        </a:rPr>
+                        <a:t>timeslot</a:t>
+                      </a:r>
+                      <a:endParaRPr lang="de-DE" dirty="0">
+                        <a:solidFill>
+                          <a:srgbClr val="C00000"/>
+                        </a:solidFill>
+                      </a:endParaRPr>
+                    </a:p>
+                  </a:txBody>
+                  <a:tcPr/>
+                </a:tc>
+                <a:tc>
+                  <a:txBody>
+                    <a:bodyPr/>
+                    <a:lstStyle/>
+                    <a:p>
+                      <a:r>
+                        <a:rPr lang="de-DE" dirty="0" err="1"/>
+                        <a:t>ss</a:t>
+                      </a:r>
+                      <a:r>
+                        <a:rPr lang="de-DE" dirty="0"/>
+                        <a:t> </a:t>
+                      </a:r>
+                      <a:r>
+                        <a:rPr lang="de-DE" dirty="0" err="1"/>
+                        <a:t>name</a:t>
+                      </a:r>
+                      <a:endParaRPr lang="de-DE" dirty="0"/>
+                    </a:p>
+                  </a:txBody>
+                  <a:tcPr/>
+                </a:tc>
+                <a:tc>
+                  <a:txBody>
+                    <a:bodyPr/>
+                    <a:lstStyle/>
+                    <a:p>
+                      <a:r>
+                        <a:rPr lang="de-DE" dirty="0" err="1">
+                          <a:solidFill>
+                            <a:schemeClr val="tx1"/>
+                          </a:solidFill>
+                        </a:rPr>
+                        <a:t>birth</a:t>
+                      </a:r>
+                      <a:r>
+                        <a:rPr lang="de-DE" dirty="0">
+                          <a:solidFill>
+                            <a:schemeClr val="tx1"/>
+                          </a:solidFill>
+                        </a:rPr>
+                        <a:t> </a:t>
+                      </a:r>
+                      <a:r>
+                        <a:rPr lang="de-DE" dirty="0" err="1">
+                          <a:solidFill>
+                            <a:schemeClr val="tx1"/>
+                          </a:solidFill>
+                        </a:rPr>
+                        <a:t>year</a:t>
+                      </a:r>
+                      <a:endParaRPr lang="de-DE" dirty="0">
+                        <a:solidFill>
+                          <a:schemeClr val="tx1"/>
+                        </a:solidFill>
+                      </a:endParaRPr>
+                    </a:p>
+                  </a:txBody>
+                  <a:tcPr/>
+                </a:tc>
+                <a:extLst>
+                  <a:ext uri="{0D108BD9-81ED-4DB2-BD59-A6C34878D82A}">
+                    <a16:rowId xmlns:a16="http://schemas.microsoft.com/office/drawing/2014/main" val="1089450365"/>
+                  </a:ext>
+                </a:extLst>
+              </a:tr>
+              <a:tr h="370840">
+                <a:tc>
+                  <a:txBody>
+                    <a:bodyPr/>
+                    <a:lstStyle/>
+                    <a:p>
+                      <a:r>
+                        <a:rPr lang="de-DE" dirty="0" err="1">
+                          <a:solidFill>
+                            <a:schemeClr val="tx1"/>
+                          </a:solidFill>
+                        </a:rPr>
+                        <a:t>bikeid</a:t>
+                      </a:r>
+                      <a:endParaRPr lang="de-DE" dirty="0">
+                        <a:solidFill>
+                          <a:schemeClr val="tx1"/>
+                        </a:solidFill>
+                      </a:endParaRPr>
+                    </a:p>
+                  </a:txBody>
+                  <a:tcPr/>
+                </a:tc>
+                <a:tc>
+                  <a:txBody>
+                    <a:bodyPr/>
+                    <a:lstStyle/>
+                    <a:p>
+                      <a:r>
+                        <a:rPr lang="de-DE" dirty="0">
+                          <a:solidFill>
+                            <a:schemeClr val="tx1"/>
+                          </a:solidFill>
+                        </a:rPr>
+                        <a:t>es </a:t>
+                      </a:r>
+                      <a:r>
+                        <a:rPr lang="de-DE" dirty="0" err="1">
+                          <a:solidFill>
+                            <a:schemeClr val="tx1"/>
+                          </a:solidFill>
+                        </a:rPr>
+                        <a:t>id</a:t>
+                      </a:r>
+                      <a:endParaRPr lang="de-DE" dirty="0">
+                        <a:solidFill>
+                          <a:schemeClr val="tx1"/>
+                        </a:solidFill>
+                      </a:endParaRPr>
+                    </a:p>
+                  </a:txBody>
+                  <a:tcPr/>
+                </a:tc>
+                <a:tc>
+                  <a:txBody>
+                    <a:bodyPr/>
+                    <a:lstStyle/>
+                    <a:p>
+                      <a:r>
+                        <a:rPr lang="de-DE" dirty="0" err="1">
+                          <a:solidFill>
+                            <a:schemeClr val="tx1"/>
+                          </a:solidFill>
+                        </a:rPr>
+                        <a:t>gender</a:t>
+                      </a:r>
+                      <a:endParaRPr lang="de-DE" dirty="0">
+                        <a:solidFill>
+                          <a:schemeClr val="tx1"/>
+                        </a:solidFill>
+                      </a:endParaRPr>
+                    </a:p>
+                  </a:txBody>
+                  <a:tcPr/>
+                </a:tc>
+                <a:extLst>
+                  <a:ext uri="{0D108BD9-81ED-4DB2-BD59-A6C34878D82A}">
+                    <a16:rowId xmlns:a16="http://schemas.microsoft.com/office/drawing/2014/main" val="927326823"/>
+                  </a:ext>
+                </a:extLst>
+              </a:tr>
+              <a:tr h="370840">
+                <a:tc>
+                  <a:txBody>
+                    <a:bodyPr/>
+                    <a:lstStyle/>
+                    <a:p>
+                      <a:r>
+                        <a:rPr lang="de-DE" dirty="0" err="1">
+                          <a:solidFill>
+                            <a:schemeClr val="tx1"/>
+                          </a:solidFill>
+                        </a:rPr>
+                        <a:t>tripdistance</a:t>
+                      </a:r>
+                      <a:endParaRPr lang="de-DE" dirty="0">
+                        <a:solidFill>
+                          <a:schemeClr val="tx1"/>
+                        </a:solidFill>
+                      </a:endParaRPr>
+                    </a:p>
+                  </a:txBody>
+                  <a:tcPr/>
+                </a:tc>
+                <a:tc>
+                  <a:txBody>
+                    <a:bodyPr/>
+                    <a:lstStyle/>
+                    <a:p>
+                      <a:r>
+                        <a:rPr lang="de-DE" dirty="0">
+                          <a:solidFill>
+                            <a:schemeClr val="tx1"/>
+                          </a:solidFill>
+                        </a:rPr>
+                        <a:t>es </a:t>
+                      </a:r>
+                      <a:r>
+                        <a:rPr lang="de-DE" dirty="0" err="1">
+                          <a:solidFill>
+                            <a:schemeClr val="tx1"/>
+                          </a:solidFill>
+                        </a:rPr>
+                        <a:t>name</a:t>
+                      </a:r>
+                      <a:endParaRPr lang="de-DE" dirty="0">
+                        <a:solidFill>
+                          <a:schemeClr val="tx1"/>
+                        </a:solidFill>
+                      </a:endParaRPr>
+                    </a:p>
+                  </a:txBody>
+                  <a:tcPr/>
+                </a:tc>
+                <a:tc>
+                  <a:txBody>
+                    <a:bodyPr/>
+                    <a:lstStyle/>
+                    <a:p>
+                      <a:endParaRPr lang="de-DE" dirty="0"/>
+                    </a:p>
+                  </a:txBody>
+                  <a:tcPr/>
+                </a:tc>
+                <a:extLst>
+                  <a:ext uri="{0D108BD9-81ED-4DB2-BD59-A6C34878D82A}">
+                    <a16:rowId xmlns:a16="http://schemas.microsoft.com/office/drawing/2014/main" val="3846195835"/>
+                  </a:ext>
+                </a:extLst>
+              </a:tr>
+              <a:tr h="370840">
+                <a:tc>
+                  <a:txBody>
+                    <a:bodyPr/>
+                    <a:lstStyle/>
+                    <a:p>
+                      <a:endParaRPr lang="de-DE" dirty="0">
+                        <a:solidFill>
+                          <a:schemeClr val="tx1"/>
+                        </a:solidFill>
+                      </a:endParaRPr>
+                    </a:p>
+                  </a:txBody>
+                  <a:tcPr/>
+                </a:tc>
+                <a:tc>
+                  <a:txBody>
+                    <a:bodyPr/>
+                    <a:lstStyle/>
+                    <a:p>
+                      <a:endParaRPr lang="de-DE" dirty="0"/>
+                    </a:p>
+                  </a:txBody>
+                  <a:tcPr/>
+                </a:tc>
+                <a:tc>
+                  <a:txBody>
+                    <a:bodyPr/>
+                    <a:lstStyle/>
+                    <a:p>
+                      <a:endParaRPr lang="de-DE" dirty="0"/>
+                    </a:p>
+                  </a:txBody>
+                  <a:tcPr/>
+                </a:tc>
+                <a:extLst>
+                  <a:ext uri="{0D108BD9-81ED-4DB2-BD59-A6C34878D82A}">
+                    <a16:rowId xmlns:a16="http://schemas.microsoft.com/office/drawing/2014/main" val="3831709357"/>
+                  </a:ext>
+                </a:extLst>
+              </a:tr>
+              <a:tr h="370840">
+                <a:tc>
+                  <a:txBody>
+                    <a:bodyPr/>
+                    <a:lstStyle/>
+                    <a:p>
+                      <a:endParaRPr lang="de-DE" dirty="0"/>
+                    </a:p>
+                  </a:txBody>
+                  <a:tcPr/>
+                </a:tc>
+                <a:tc>
+                  <a:txBody>
+                    <a:bodyPr/>
+                    <a:lstStyle/>
+                    <a:p>
+                      <a:endParaRPr lang="de-DE" dirty="0"/>
+                    </a:p>
+                  </a:txBody>
+                  <a:tcPr/>
+                </a:tc>
+                <a:tc>
+                  <a:txBody>
+                    <a:bodyPr/>
+                    <a:lstStyle/>
+                    <a:p>
+                      <a:endParaRPr lang="de-DE"/>
+                    </a:p>
+                  </a:txBody>
+                  <a:tcPr/>
+                </a:tc>
+                <a:extLst>
+                  <a:ext uri="{0D108BD9-81ED-4DB2-BD59-A6C34878D82A}">
+                    <a16:rowId xmlns:a16="http://schemas.microsoft.com/office/drawing/2014/main" val="4149089050"/>
+                  </a:ext>
+                </a:extLst>
+              </a:tr>
+              <a:tr h="370840">
+                <a:tc>
+                  <a:txBody>
+                    <a:bodyPr/>
+                    <a:lstStyle/>
+                    <a:p>
+                      <a:endParaRPr lang="de-DE"/>
+                    </a:p>
+                  </a:txBody>
+                  <a:tcPr/>
+                </a:tc>
+                <a:tc>
+                  <a:txBody>
+                    <a:bodyPr/>
+                    <a:lstStyle/>
+                    <a:p>
+                      <a:endParaRPr lang="de-DE" dirty="0"/>
+                    </a:p>
+                  </a:txBody>
+                  <a:tcPr/>
+                </a:tc>
+                <a:tc>
+                  <a:txBody>
+                    <a:bodyPr/>
+                    <a:lstStyle/>
+                    <a:p>
+                      <a:endParaRPr lang="de-DE" dirty="0"/>
+                    </a:p>
+                  </a:txBody>
+                  <a:tcPr/>
+                </a:tc>
+                <a:extLst>
+                  <a:ext uri="{0D108BD9-81ED-4DB2-BD59-A6C34878D82A}">
+                    <a16:rowId xmlns:a16="http://schemas.microsoft.com/office/drawing/2014/main" val="4016626904"/>
+                  </a:ext>
+                </a:extLst>
+              </a:tr>
+              <a:tr h="370840">
+                <a:tc>
+                  <a:txBody>
+                    <a:bodyPr/>
+                    <a:lstStyle/>
+                    <a:p>
+                      <a:endParaRPr lang="de-DE"/>
+                    </a:p>
+                  </a:txBody>
+                  <a:tcPr/>
+                </a:tc>
+                <a:tc>
+                  <a:txBody>
+                    <a:bodyPr/>
+                    <a:lstStyle/>
+                    <a:p>
+                      <a:endParaRPr lang="de-DE" dirty="0"/>
+                    </a:p>
+                  </a:txBody>
+                  <a:tcPr/>
+                </a:tc>
+                <a:tc>
+                  <a:txBody>
+                    <a:bodyPr/>
+                    <a:lstStyle/>
+                    <a:p>
+                      <a:endParaRPr lang="de-DE" dirty="0"/>
+                    </a:p>
+                  </a:txBody>
+                  <a:tcPr/>
+                </a:tc>
+                <a:extLst>
+                  <a:ext uri="{0D108BD9-81ED-4DB2-BD59-A6C34878D82A}">
+                    <a16:rowId xmlns:a16="http://schemas.microsoft.com/office/drawing/2014/main" val="900928343"/>
+                  </a:ext>
+                </a:extLst>
+              </a:tr>
+            </a:tbl>
+          </a:graphicData>
+        </a:graphic>
+      </p:graphicFrame>
+      <p:sp>
+        <p:nvSpPr>
+          <p:cNvPr id="3" name="Inhaltsplatzhalter 2">
+            <a:extLst>
+              <a:ext uri="{FF2B5EF4-FFF2-40B4-BE49-F238E27FC236}">
+                <a16:creationId xmlns:a16="http://schemas.microsoft.com/office/drawing/2014/main" id="{52BD2D4C-CF68-4625-A45A-0F234D4F1EEF}"/>
+              </a:ext>
+            </a:extLst>
+          </p:cNvPr>
+          <p:cNvSpPr>
+            <a:spLocks noGrp="1"/>
+          </p:cNvSpPr>
+          <p:nvPr>
+            <p:ph sz="half" idx="2"/>
+          </p:nvPr>
+        </p:nvSpPr>
+        <p:spPr/>
+        <p:txBody>
+          <a:bodyPr/>
+          <a:lstStyle/>
+          <a:p>
+            <a:r>
+              <a:rPr lang="de-DE" dirty="0" err="1"/>
+              <a:t>Usage</a:t>
+            </a:r>
+            <a:r>
+              <a:rPr lang="de-DE" dirty="0"/>
+              <a:t> </a:t>
+            </a:r>
+            <a:r>
+              <a:rPr lang="de-DE" dirty="0" err="1"/>
+              <a:t>share</a:t>
+            </a:r>
+            <a:r>
+              <a:rPr lang="de-DE" dirty="0"/>
+              <a:t> </a:t>
+            </a:r>
+            <a:r>
+              <a:rPr lang="de-DE" dirty="0" err="1"/>
+              <a:t>by</a:t>
+            </a:r>
+            <a:r>
+              <a:rPr lang="de-DE" dirty="0"/>
+              <a:t> </a:t>
+            </a:r>
+            <a:r>
+              <a:rPr lang="de-DE" dirty="0" err="1"/>
+              <a:t>timeslot</a:t>
+            </a:r>
+            <a:endParaRPr lang="de-DE" dirty="0"/>
+          </a:p>
+        </p:txBody>
+      </p:sp>
+      <p:sp>
+        <p:nvSpPr>
+          <p:cNvPr id="4" name="Datumsplatzhalter 3">
+            <a:extLst>
+              <a:ext uri="{FF2B5EF4-FFF2-40B4-BE49-F238E27FC236}">
+                <a16:creationId xmlns:a16="http://schemas.microsoft.com/office/drawing/2014/main" id="{43945677-3631-481A-882E-76077C52A6F9}"/>
+              </a:ext>
+            </a:extLst>
+          </p:cNvPr>
+          <p:cNvSpPr>
+            <a:spLocks noGrp="1"/>
+          </p:cNvSpPr>
+          <p:nvPr>
+            <p:ph type="dt" sz="half" idx="10"/>
+          </p:nvPr>
+        </p:nvSpPr>
+        <p:spPr/>
+        <p:txBody>
+          <a:bodyPr/>
+          <a:lstStyle/>
+          <a:p>
+            <a:pPr rtl="0"/>
+            <a:fld id="{FB7C0C16-5521-4517-AFDE-676F786A1296}" type="datetime1">
+              <a:rPr lang="de-DE" smtClean="0"/>
+              <a:t>29.11.2021</a:t>
+            </a:fld>
+            <a:endParaRPr lang="en-US"/>
+          </a:p>
+        </p:txBody>
+      </p:sp>
+    </p:spTree>
+    <p:extLst>
+      <p:ext uri="{BB962C8B-B14F-4D97-AF65-F5344CB8AC3E}">
+        <p14:creationId xmlns:p14="http://schemas.microsoft.com/office/powerpoint/2010/main" val="1896828135"/>
+      </p:ext>
+    </p:extLst>
+  </p:cSld>
+  <p:clrMapOvr>
+    <a:masterClrMapping/>
+  </p:clrMapOvr>
+</p:sld>
+</file>
+
+<file path=ppt/slides/slide15.xml><?xml version="1.0" encoding="utf-8"?>
+<p:sld xmlns:a="http://schemas.openxmlformats.org/drawingml/2006/main" xmlns:r="http://schemas.openxmlformats.org/officeDocument/2006/relationships" xmlns:p="http://schemas.openxmlformats.org/presentationml/2006/main">
+  <p:cSld>
+    <p:spTree>
+      <p:nvGrpSpPr>
+        <p:cNvPr id="1" name=""/>
+        <p:cNvGrpSpPr/>
+        <p:nvPr/>
+      </p:nvGrpSpPr>
+      <p:grpSpPr>
+        <a:xfrm>
+          <a:off x="0" y="0"/>
+          <a:ext cx="0" cy="0"/>
+          <a:chOff x="0" y="0"/>
+          <a:chExt cx="0" cy="0"/>
+        </a:xfrm>
+      </p:grpSpPr>
+      <p:sp>
+        <p:nvSpPr>
+          <p:cNvPr id="2" name="Titel 1">
+            <a:extLst>
+              <a:ext uri="{FF2B5EF4-FFF2-40B4-BE49-F238E27FC236}">
+                <a16:creationId xmlns:a16="http://schemas.microsoft.com/office/drawing/2014/main" id="{FD174655-ECDD-40AE-B5DE-FFEEC823E37C}"/>
+              </a:ext>
+            </a:extLst>
+          </p:cNvPr>
+          <p:cNvSpPr>
+            <a:spLocks noGrp="1"/>
+          </p:cNvSpPr>
+          <p:nvPr>
+            <p:ph type="title"/>
+          </p:nvPr>
+        </p:nvSpPr>
+        <p:spPr/>
+        <p:txBody>
+          <a:bodyPr/>
+          <a:lstStyle/>
+          <a:p>
+            <a:r>
+              <a:rPr lang="de-DE" dirty="0"/>
+              <a:t>Benötigte KPIs</a:t>
+            </a:r>
+          </a:p>
+        </p:txBody>
+      </p:sp>
+      <p:graphicFrame>
+        <p:nvGraphicFramePr>
+          <p:cNvPr id="9" name="Tabelle 9">
+            <a:extLst>
+              <a:ext uri="{FF2B5EF4-FFF2-40B4-BE49-F238E27FC236}">
+                <a16:creationId xmlns:a16="http://schemas.microsoft.com/office/drawing/2014/main" id="{66CD1557-6C0C-4629-B891-910C11B46237}"/>
+              </a:ext>
+            </a:extLst>
+          </p:cNvPr>
+          <p:cNvGraphicFramePr>
+            <a:graphicFrameLocks noGrp="1"/>
+          </p:cNvGraphicFramePr>
+          <p:nvPr>
+            <p:ph sz="half" idx="1"/>
+            <p:extLst>
+              <p:ext uri="{D42A27DB-BD31-4B8C-83A1-F6EECF244321}">
+                <p14:modId xmlns:p14="http://schemas.microsoft.com/office/powerpoint/2010/main" val="1456088240"/>
+              </p:ext>
+            </p:extLst>
+          </p:nvPr>
+        </p:nvGraphicFramePr>
+        <p:xfrm>
+          <a:off x="1066800" y="2103438"/>
+          <a:ext cx="4664073" cy="3650865"/>
+        </p:xfrm>
+        <a:graphic>
+          <a:graphicData uri="http://schemas.openxmlformats.org/drawingml/2006/table">
+            <a:tbl>
+              <a:tblPr firstRow="1" bandRow="1">
+                <a:tableStyleId>{5C22544A-7EE6-4342-B048-85BDC9FD1C3A}</a:tableStyleId>
+              </a:tblPr>
+              <a:tblGrid>
+                <a:gridCol w="1554691">
+                  <a:extLst>
+                    <a:ext uri="{9D8B030D-6E8A-4147-A177-3AD203B41FA5}">
+                      <a16:colId xmlns:a16="http://schemas.microsoft.com/office/drawing/2014/main" val="3952612340"/>
+                    </a:ext>
+                  </a:extLst>
+                </a:gridCol>
+                <a:gridCol w="1554691">
+                  <a:extLst>
+                    <a:ext uri="{9D8B030D-6E8A-4147-A177-3AD203B41FA5}">
+                      <a16:colId xmlns:a16="http://schemas.microsoft.com/office/drawing/2014/main" val="3364651312"/>
+                    </a:ext>
+                  </a:extLst>
+                </a:gridCol>
+                <a:gridCol w="1554691">
+                  <a:extLst>
+                    <a:ext uri="{9D8B030D-6E8A-4147-A177-3AD203B41FA5}">
+                      <a16:colId xmlns:a16="http://schemas.microsoft.com/office/drawing/2014/main" val="1133834179"/>
+                    </a:ext>
+                  </a:extLst>
+                </a:gridCol>
+              </a:tblGrid>
+              <a:tr h="370840">
+                <a:tc>
+                  <a:txBody>
+                    <a:bodyPr/>
+                    <a:lstStyle/>
+                    <a:p>
+                      <a:r>
+                        <a:rPr lang="de-DE" dirty="0"/>
+                        <a:t>Tripdaten</a:t>
+                      </a:r>
+                    </a:p>
+                  </a:txBody>
+                  <a:tcPr/>
+                </a:tc>
+                <a:tc>
+                  <a:txBody>
+                    <a:bodyPr/>
+                    <a:lstStyle/>
+                    <a:p>
+                      <a:r>
+                        <a:rPr lang="de-DE" dirty="0"/>
+                        <a:t>Stationsdaten</a:t>
+                      </a:r>
+                    </a:p>
+                  </a:txBody>
+                  <a:tcPr/>
+                </a:tc>
+                <a:tc>
+                  <a:txBody>
+                    <a:bodyPr/>
+                    <a:lstStyle/>
+                    <a:p>
+                      <a:r>
+                        <a:rPr lang="de-DE" dirty="0"/>
+                        <a:t>Userdaten</a:t>
+                      </a:r>
+                    </a:p>
+                  </a:txBody>
+                  <a:tcPr/>
+                </a:tc>
+                <a:extLst>
+                  <a:ext uri="{0D108BD9-81ED-4DB2-BD59-A6C34878D82A}">
+                    <a16:rowId xmlns:a16="http://schemas.microsoft.com/office/drawing/2014/main" val="3255181740"/>
+                  </a:ext>
+                </a:extLst>
+              </a:tr>
+              <a:tr h="370840">
+                <a:tc>
+                  <a:txBody>
+                    <a:bodyPr/>
+                    <a:lstStyle/>
+                    <a:p>
+                      <a:r>
+                        <a:rPr lang="de-DE" dirty="0" err="1">
+                          <a:solidFill>
+                            <a:schemeClr val="tx1"/>
+                          </a:solidFill>
+                        </a:rPr>
+                        <a:t>tripduration</a:t>
+                      </a:r>
+                      <a:endParaRPr lang="de-DE" dirty="0">
+                        <a:solidFill>
+                          <a:schemeClr val="tx1"/>
+                        </a:solidFill>
+                      </a:endParaRPr>
+                    </a:p>
+                  </a:txBody>
+                  <a:tcPr/>
+                </a:tc>
+                <a:tc>
+                  <a:txBody>
+                    <a:bodyPr/>
+                    <a:lstStyle/>
+                    <a:p>
+                      <a:r>
+                        <a:rPr lang="de-DE" dirty="0" err="1"/>
+                        <a:t>ss</a:t>
+                      </a:r>
+                      <a:r>
+                        <a:rPr lang="de-DE" dirty="0"/>
+                        <a:t> </a:t>
+                      </a:r>
+                      <a:r>
+                        <a:rPr lang="de-DE" dirty="0" err="1"/>
+                        <a:t>id</a:t>
+                      </a:r>
+                      <a:endParaRPr lang="de-DE" dirty="0"/>
+                    </a:p>
+                  </a:txBody>
+                  <a:tcPr/>
+                </a:tc>
+                <a:tc>
+                  <a:txBody>
+                    <a:bodyPr/>
+                    <a:lstStyle/>
+                    <a:p>
+                      <a:r>
+                        <a:rPr lang="de-DE" dirty="0" err="1">
+                          <a:solidFill>
+                            <a:schemeClr val="tx1"/>
+                          </a:solidFill>
+                        </a:rPr>
+                        <a:t>birth</a:t>
+                      </a:r>
+                      <a:r>
+                        <a:rPr lang="de-DE" dirty="0">
+                          <a:solidFill>
+                            <a:schemeClr val="tx1"/>
+                          </a:solidFill>
+                        </a:rPr>
+                        <a:t> </a:t>
+                      </a:r>
+                      <a:r>
+                        <a:rPr lang="de-DE" dirty="0" err="1">
+                          <a:solidFill>
+                            <a:schemeClr val="tx1"/>
+                          </a:solidFill>
+                        </a:rPr>
+                        <a:t>year</a:t>
+                      </a:r>
+                      <a:endParaRPr lang="de-DE" dirty="0">
+                        <a:solidFill>
+                          <a:schemeClr val="tx1"/>
+                        </a:solidFill>
+                      </a:endParaRPr>
+                    </a:p>
+                  </a:txBody>
+                  <a:tcPr/>
+                </a:tc>
+                <a:extLst>
+                  <a:ext uri="{0D108BD9-81ED-4DB2-BD59-A6C34878D82A}">
+                    <a16:rowId xmlns:a16="http://schemas.microsoft.com/office/drawing/2014/main" val="198174280"/>
+                  </a:ext>
+                </a:extLst>
+              </a:tr>
+              <a:tr h="414905">
+                <a:tc>
+                  <a:txBody>
+                    <a:bodyPr/>
+                    <a:lstStyle/>
+                    <a:p>
+                      <a:r>
+                        <a:rPr lang="de-DE" dirty="0" err="1">
+                          <a:solidFill>
+                            <a:schemeClr val="tx1"/>
+                          </a:solidFill>
+                        </a:rPr>
+                        <a:t>timeslot</a:t>
+                      </a:r>
+                      <a:endParaRPr lang="de-DE" dirty="0">
+                        <a:solidFill>
+                          <a:schemeClr val="tx1"/>
+                        </a:solidFill>
+                      </a:endParaRPr>
+                    </a:p>
+                  </a:txBody>
+                  <a:tcPr/>
+                </a:tc>
+                <a:tc>
+                  <a:txBody>
+                    <a:bodyPr/>
+                    <a:lstStyle/>
+                    <a:p>
+                      <a:r>
+                        <a:rPr lang="de-DE" dirty="0" err="1"/>
+                        <a:t>ss</a:t>
+                      </a:r>
+                      <a:r>
+                        <a:rPr lang="de-DE" dirty="0"/>
+                        <a:t> </a:t>
+                      </a:r>
+                      <a:r>
+                        <a:rPr lang="de-DE" dirty="0" err="1"/>
+                        <a:t>name</a:t>
+                      </a:r>
+                      <a:endParaRPr lang="de-DE" dirty="0"/>
+                    </a:p>
+                  </a:txBody>
+                  <a:tcPr/>
+                </a:tc>
+                <a:tc>
+                  <a:txBody>
+                    <a:bodyPr/>
+                    <a:lstStyle/>
+                    <a:p>
+                      <a:r>
+                        <a:rPr lang="de-DE" dirty="0" err="1">
+                          <a:solidFill>
+                            <a:schemeClr val="tx1"/>
+                          </a:solidFill>
+                        </a:rPr>
+                        <a:t>gender</a:t>
+                      </a:r>
+                      <a:endParaRPr lang="de-DE" dirty="0">
+                        <a:solidFill>
+                          <a:schemeClr val="tx1"/>
+                        </a:solidFill>
+                      </a:endParaRPr>
+                    </a:p>
+                  </a:txBody>
+                  <a:tcPr/>
+                </a:tc>
+                <a:extLst>
+                  <a:ext uri="{0D108BD9-81ED-4DB2-BD59-A6C34878D82A}">
+                    <a16:rowId xmlns:a16="http://schemas.microsoft.com/office/drawing/2014/main" val="1089450365"/>
+                  </a:ext>
+                </a:extLst>
+              </a:tr>
+              <a:tr h="370840">
+                <a:tc>
+                  <a:txBody>
+                    <a:bodyPr/>
+                    <a:lstStyle/>
+                    <a:p>
+                      <a:r>
+                        <a:rPr lang="de-DE" dirty="0" err="1">
+                          <a:solidFill>
+                            <a:schemeClr val="tx1"/>
+                          </a:solidFill>
+                        </a:rPr>
+                        <a:t>bikeid</a:t>
+                      </a:r>
+                      <a:endParaRPr lang="de-DE" dirty="0">
+                        <a:solidFill>
+                          <a:schemeClr val="tx1"/>
+                        </a:solidFill>
+                      </a:endParaRPr>
+                    </a:p>
+                  </a:txBody>
+                  <a:tcPr/>
+                </a:tc>
+                <a:tc>
+                  <a:txBody>
+                    <a:bodyPr/>
+                    <a:lstStyle/>
+                    <a:p>
+                      <a:r>
+                        <a:rPr lang="de-DE" dirty="0">
+                          <a:solidFill>
+                            <a:schemeClr val="tx1"/>
+                          </a:solidFill>
+                        </a:rPr>
+                        <a:t>es </a:t>
+                      </a:r>
+                      <a:r>
+                        <a:rPr lang="de-DE" dirty="0" err="1">
+                          <a:solidFill>
+                            <a:schemeClr val="tx1"/>
+                          </a:solidFill>
+                        </a:rPr>
+                        <a:t>id</a:t>
+                      </a:r>
+                      <a:endParaRPr lang="de-DE" dirty="0">
+                        <a:solidFill>
+                          <a:schemeClr val="tx1"/>
+                        </a:solidFill>
+                      </a:endParaRPr>
+                    </a:p>
+                  </a:txBody>
+                  <a:tcPr/>
+                </a:tc>
+                <a:tc>
+                  <a:txBody>
+                    <a:bodyPr/>
+                    <a:lstStyle/>
+                    <a:p>
+                      <a:endParaRPr lang="de-DE" dirty="0">
+                        <a:solidFill>
+                          <a:schemeClr val="tx1"/>
+                        </a:solidFill>
+                      </a:endParaRPr>
+                    </a:p>
+                  </a:txBody>
+                  <a:tcPr/>
+                </a:tc>
+                <a:extLst>
+                  <a:ext uri="{0D108BD9-81ED-4DB2-BD59-A6C34878D82A}">
+                    <a16:rowId xmlns:a16="http://schemas.microsoft.com/office/drawing/2014/main" val="927326823"/>
+                  </a:ext>
+                </a:extLst>
+              </a:tr>
+              <a:tr h="370840">
+                <a:tc>
+                  <a:txBody>
+                    <a:bodyPr/>
+                    <a:lstStyle/>
+                    <a:p>
+                      <a:r>
+                        <a:rPr lang="de-DE" dirty="0" err="1">
+                          <a:solidFill>
+                            <a:schemeClr val="tx1"/>
+                          </a:solidFill>
+                        </a:rPr>
+                        <a:t>tripdistance</a:t>
+                      </a:r>
+                      <a:endParaRPr lang="de-DE" dirty="0">
+                        <a:solidFill>
+                          <a:schemeClr val="tx1"/>
+                        </a:solidFill>
+                      </a:endParaRPr>
+                    </a:p>
+                  </a:txBody>
+                  <a:tcPr/>
+                </a:tc>
+                <a:tc>
+                  <a:txBody>
+                    <a:bodyPr/>
+                    <a:lstStyle/>
+                    <a:p>
+                      <a:r>
+                        <a:rPr lang="de-DE" dirty="0">
+                          <a:solidFill>
+                            <a:schemeClr val="tx1"/>
+                          </a:solidFill>
+                        </a:rPr>
+                        <a:t>es </a:t>
+                      </a:r>
+                      <a:r>
+                        <a:rPr lang="de-DE" dirty="0" err="1">
+                          <a:solidFill>
+                            <a:schemeClr val="tx1"/>
+                          </a:solidFill>
+                        </a:rPr>
+                        <a:t>name</a:t>
+                      </a:r>
+                      <a:endParaRPr lang="de-DE" dirty="0">
+                        <a:solidFill>
+                          <a:schemeClr val="tx1"/>
+                        </a:solidFill>
+                      </a:endParaRPr>
+                    </a:p>
+                  </a:txBody>
+                  <a:tcPr/>
+                </a:tc>
+                <a:tc>
+                  <a:txBody>
+                    <a:bodyPr/>
+                    <a:lstStyle/>
+                    <a:p>
+                      <a:endParaRPr lang="de-DE" dirty="0"/>
+                    </a:p>
+                  </a:txBody>
+                  <a:tcPr/>
+                </a:tc>
+                <a:extLst>
+                  <a:ext uri="{0D108BD9-81ED-4DB2-BD59-A6C34878D82A}">
+                    <a16:rowId xmlns:a16="http://schemas.microsoft.com/office/drawing/2014/main" val="3846195835"/>
+                  </a:ext>
+                </a:extLst>
+              </a:tr>
+              <a:tr h="370840">
+                <a:tc>
+                  <a:txBody>
+                    <a:bodyPr/>
+                    <a:lstStyle/>
+                    <a:p>
+                      <a:endParaRPr lang="de-DE" dirty="0">
+                        <a:solidFill>
+                          <a:schemeClr val="tx1"/>
+                        </a:solidFill>
+                      </a:endParaRPr>
+                    </a:p>
+                  </a:txBody>
+                  <a:tcPr/>
+                </a:tc>
+                <a:tc>
+                  <a:txBody>
+                    <a:bodyPr/>
+                    <a:lstStyle/>
+                    <a:p>
+                      <a:endParaRPr lang="de-DE" dirty="0"/>
+                    </a:p>
+                  </a:txBody>
+                  <a:tcPr/>
+                </a:tc>
+                <a:tc>
+                  <a:txBody>
+                    <a:bodyPr/>
+                    <a:lstStyle/>
+                    <a:p>
+                      <a:endParaRPr lang="de-DE" dirty="0"/>
+                    </a:p>
+                  </a:txBody>
+                  <a:tcPr/>
+                </a:tc>
+                <a:extLst>
+                  <a:ext uri="{0D108BD9-81ED-4DB2-BD59-A6C34878D82A}">
+                    <a16:rowId xmlns:a16="http://schemas.microsoft.com/office/drawing/2014/main" val="3831709357"/>
+                  </a:ext>
+                </a:extLst>
+              </a:tr>
+              <a:tr h="370840">
+                <a:tc>
+                  <a:txBody>
+                    <a:bodyPr/>
+                    <a:lstStyle/>
+                    <a:p>
+                      <a:endParaRPr lang="de-DE" dirty="0"/>
+                    </a:p>
+                  </a:txBody>
+                  <a:tcPr/>
+                </a:tc>
+                <a:tc>
+                  <a:txBody>
+                    <a:bodyPr/>
+                    <a:lstStyle/>
+                    <a:p>
+                      <a:endParaRPr lang="de-DE" dirty="0"/>
+                    </a:p>
+                  </a:txBody>
+                  <a:tcPr/>
+                </a:tc>
+                <a:tc>
+                  <a:txBody>
+                    <a:bodyPr/>
+                    <a:lstStyle/>
+                    <a:p>
+                      <a:endParaRPr lang="de-DE"/>
+                    </a:p>
+                  </a:txBody>
+                  <a:tcPr/>
+                </a:tc>
+                <a:extLst>
+                  <a:ext uri="{0D108BD9-81ED-4DB2-BD59-A6C34878D82A}">
+                    <a16:rowId xmlns:a16="http://schemas.microsoft.com/office/drawing/2014/main" val="4149089050"/>
+                  </a:ext>
+                </a:extLst>
+              </a:tr>
+              <a:tr h="370840">
+                <a:tc>
+                  <a:txBody>
+                    <a:bodyPr/>
+                    <a:lstStyle/>
+                    <a:p>
+                      <a:endParaRPr lang="de-DE"/>
+                    </a:p>
+                  </a:txBody>
+                  <a:tcPr/>
+                </a:tc>
+                <a:tc>
+                  <a:txBody>
+                    <a:bodyPr/>
+                    <a:lstStyle/>
+                    <a:p>
+                      <a:endParaRPr lang="de-DE" dirty="0"/>
+                    </a:p>
+                  </a:txBody>
+                  <a:tcPr/>
+                </a:tc>
+                <a:tc>
+                  <a:txBody>
+                    <a:bodyPr/>
+                    <a:lstStyle/>
+                    <a:p>
+                      <a:endParaRPr lang="de-DE" dirty="0"/>
+                    </a:p>
+                  </a:txBody>
+                  <a:tcPr/>
+                </a:tc>
+                <a:extLst>
+                  <a:ext uri="{0D108BD9-81ED-4DB2-BD59-A6C34878D82A}">
+                    <a16:rowId xmlns:a16="http://schemas.microsoft.com/office/drawing/2014/main" val="4016626904"/>
+                  </a:ext>
+                </a:extLst>
+              </a:tr>
+              <a:tr h="370840">
+                <a:tc>
+                  <a:txBody>
+                    <a:bodyPr/>
+                    <a:lstStyle/>
+                    <a:p>
+                      <a:endParaRPr lang="de-DE"/>
+                    </a:p>
+                  </a:txBody>
+                  <a:tcPr/>
+                </a:tc>
+                <a:tc>
+                  <a:txBody>
+                    <a:bodyPr/>
+                    <a:lstStyle/>
+                    <a:p>
+                      <a:endParaRPr lang="de-DE" dirty="0"/>
+                    </a:p>
+                  </a:txBody>
+                  <a:tcPr/>
+                </a:tc>
+                <a:tc>
+                  <a:txBody>
+                    <a:bodyPr/>
+                    <a:lstStyle/>
+                    <a:p>
+                      <a:endParaRPr lang="de-DE" dirty="0"/>
+                    </a:p>
+                  </a:txBody>
+                  <a:tcPr/>
+                </a:tc>
+                <a:extLst>
+                  <a:ext uri="{0D108BD9-81ED-4DB2-BD59-A6C34878D82A}">
+                    <a16:rowId xmlns:a16="http://schemas.microsoft.com/office/drawing/2014/main" val="900928343"/>
+                  </a:ext>
+                </a:extLst>
+              </a:tr>
+            </a:tbl>
+          </a:graphicData>
+        </a:graphic>
+      </p:graphicFrame>
+      <p:sp>
+        <p:nvSpPr>
+          <p:cNvPr id="3" name="Inhaltsplatzhalter 2">
+            <a:extLst>
+              <a:ext uri="{FF2B5EF4-FFF2-40B4-BE49-F238E27FC236}">
+                <a16:creationId xmlns:a16="http://schemas.microsoft.com/office/drawing/2014/main" id="{52BD2D4C-CF68-4625-A45A-0F234D4F1EEF}"/>
+              </a:ext>
+            </a:extLst>
+          </p:cNvPr>
+          <p:cNvSpPr>
+            <a:spLocks noGrp="1"/>
+          </p:cNvSpPr>
+          <p:nvPr>
+            <p:ph sz="half" idx="2"/>
+          </p:nvPr>
+        </p:nvSpPr>
+        <p:spPr/>
+        <p:txBody>
+          <a:bodyPr/>
+          <a:lstStyle/>
+          <a:p>
+            <a:r>
+              <a:rPr lang="de-DE" dirty="0" err="1"/>
+              <a:t>Usage</a:t>
+            </a:r>
+            <a:r>
+              <a:rPr lang="de-DE" dirty="0"/>
+              <a:t> </a:t>
+            </a:r>
+            <a:r>
+              <a:rPr lang="de-DE" dirty="0" err="1"/>
+              <a:t>share</a:t>
+            </a:r>
+            <a:r>
+              <a:rPr lang="de-DE" dirty="0"/>
+              <a:t> </a:t>
+            </a:r>
+            <a:r>
+              <a:rPr lang="de-DE" dirty="0" err="1"/>
+              <a:t>by</a:t>
+            </a:r>
+            <a:r>
+              <a:rPr lang="de-DE" dirty="0"/>
+              <a:t> </a:t>
+            </a:r>
+            <a:r>
+              <a:rPr lang="de-DE" dirty="0" err="1"/>
+              <a:t>timeslot</a:t>
+            </a:r>
+            <a:endParaRPr lang="de-DE" dirty="0"/>
+          </a:p>
+        </p:txBody>
+      </p:sp>
+      <p:sp>
+        <p:nvSpPr>
+          <p:cNvPr id="4" name="Datumsplatzhalter 3">
+            <a:extLst>
+              <a:ext uri="{FF2B5EF4-FFF2-40B4-BE49-F238E27FC236}">
+                <a16:creationId xmlns:a16="http://schemas.microsoft.com/office/drawing/2014/main" id="{43945677-3631-481A-882E-76077C52A6F9}"/>
+              </a:ext>
+            </a:extLst>
+          </p:cNvPr>
+          <p:cNvSpPr>
+            <a:spLocks noGrp="1"/>
+          </p:cNvSpPr>
+          <p:nvPr>
+            <p:ph type="dt" sz="half" idx="10"/>
+          </p:nvPr>
+        </p:nvSpPr>
+        <p:spPr/>
+        <p:txBody>
+          <a:bodyPr/>
+          <a:lstStyle/>
+          <a:p>
+            <a:pPr rtl="0"/>
+            <a:fld id="{FB7C0C16-5521-4517-AFDE-676F786A1296}" type="datetime1">
+              <a:rPr lang="de-DE" smtClean="0"/>
+              <a:t>29.11.2021</a:t>
+            </a:fld>
+            <a:endParaRPr lang="en-US"/>
+          </a:p>
+        </p:txBody>
+      </p:sp>
+    </p:spTree>
+    <p:extLst>
+      <p:ext uri="{BB962C8B-B14F-4D97-AF65-F5344CB8AC3E}">
+        <p14:creationId xmlns:p14="http://schemas.microsoft.com/office/powerpoint/2010/main" val="1521402259"/>
+      </p:ext>
+    </p:extLst>
+  </p:cSld>
+  <p:clrMapOvr>
+    <a:masterClrMapping/>
+  </p:clrMapOvr>
+</p:sld>
+</file>
+
+<file path=ppt/slides/slide16.xml><?xml version="1.0" encoding="utf-8"?>
+<p:sld xmlns:a="http://schemas.openxmlformats.org/drawingml/2006/main" xmlns:r="http://schemas.openxmlformats.org/officeDocument/2006/relationships" xmlns:p="http://schemas.openxmlformats.org/presentationml/2006/main">
+  <p:cSld>
+    <p:spTree>
+      <p:nvGrpSpPr>
+        <p:cNvPr id="1" name=""/>
+        <p:cNvGrpSpPr/>
+        <p:nvPr/>
+      </p:nvGrpSpPr>
+      <p:grpSpPr>
+        <a:xfrm>
+          <a:off x="0" y="0"/>
+          <a:ext cx="0" cy="0"/>
+          <a:chOff x="0" y="0"/>
+          <a:chExt cx="0" cy="0"/>
+        </a:xfrm>
+      </p:grpSpPr>
+      <p:sp>
+        <p:nvSpPr>
+          <p:cNvPr id="2" name="Titel 1">
+            <a:extLst>
+              <a:ext uri="{FF2B5EF4-FFF2-40B4-BE49-F238E27FC236}">
+                <a16:creationId xmlns:a16="http://schemas.microsoft.com/office/drawing/2014/main" id="{4A59D3DA-4E0D-4BB2-A416-A32AA9015BA5}"/>
+              </a:ext>
+            </a:extLst>
+          </p:cNvPr>
+          <p:cNvSpPr>
+            <a:spLocks noGrp="1"/>
+          </p:cNvSpPr>
+          <p:nvPr>
+            <p:ph type="title"/>
+          </p:nvPr>
+        </p:nvSpPr>
+        <p:spPr/>
+        <p:txBody>
+          <a:bodyPr/>
+          <a:lstStyle/>
+          <a:p>
+            <a:endParaRPr lang="de-DE" dirty="0"/>
+          </a:p>
+        </p:txBody>
+      </p:sp>
+      <p:sp>
+        <p:nvSpPr>
+          <p:cNvPr id="3" name="Inhaltsplatzhalter 2">
+            <a:extLst>
+              <a:ext uri="{FF2B5EF4-FFF2-40B4-BE49-F238E27FC236}">
+                <a16:creationId xmlns:a16="http://schemas.microsoft.com/office/drawing/2014/main" id="{B9C85E47-B7F2-4342-90AE-00A70A45F81A}"/>
+              </a:ext>
+            </a:extLst>
+          </p:cNvPr>
+          <p:cNvSpPr>
+            <a:spLocks noGrp="1"/>
+          </p:cNvSpPr>
+          <p:nvPr>
+            <p:ph sz="half" idx="1"/>
+          </p:nvPr>
+        </p:nvSpPr>
+        <p:spPr/>
+        <p:txBody>
+          <a:bodyPr/>
+          <a:lstStyle/>
+          <a:p>
+            <a:endParaRPr lang="de-DE"/>
+          </a:p>
+        </p:txBody>
+      </p:sp>
+      <p:sp>
+        <p:nvSpPr>
+          <p:cNvPr id="4" name="Inhaltsplatzhalter 3">
+            <a:extLst>
+              <a:ext uri="{FF2B5EF4-FFF2-40B4-BE49-F238E27FC236}">
+                <a16:creationId xmlns:a16="http://schemas.microsoft.com/office/drawing/2014/main" id="{196F37EB-277D-4365-9762-902659AE79CE}"/>
+              </a:ext>
+            </a:extLst>
+          </p:cNvPr>
+          <p:cNvSpPr>
+            <a:spLocks noGrp="1"/>
+          </p:cNvSpPr>
+          <p:nvPr>
+            <p:ph sz="half" idx="2"/>
+          </p:nvPr>
+        </p:nvSpPr>
+        <p:spPr/>
+        <p:txBody>
+          <a:bodyPr/>
+          <a:lstStyle/>
+          <a:p>
+            <a:endParaRPr lang="de-DE"/>
+          </a:p>
+        </p:txBody>
+      </p:sp>
+      <p:sp>
+        <p:nvSpPr>
+          <p:cNvPr id="5" name="Datumsplatzhalter 4">
+            <a:extLst>
+              <a:ext uri="{FF2B5EF4-FFF2-40B4-BE49-F238E27FC236}">
+                <a16:creationId xmlns:a16="http://schemas.microsoft.com/office/drawing/2014/main" id="{44F53F11-4325-4D3D-AED3-F7E0C4055C19}"/>
+              </a:ext>
+            </a:extLst>
+          </p:cNvPr>
+          <p:cNvSpPr>
+            <a:spLocks noGrp="1"/>
+          </p:cNvSpPr>
+          <p:nvPr>
+            <p:ph type="dt" sz="half" idx="10"/>
+          </p:nvPr>
+        </p:nvSpPr>
+        <p:spPr/>
+        <p:txBody>
+          <a:bodyPr/>
+          <a:lstStyle/>
+          <a:p>
+            <a:pPr rtl="0"/>
+            <a:fld id="{3749D4E4-B5C3-4E44-B86B-E426DECF8177}" type="datetime1">
+              <a:rPr lang="de-DE" smtClean="0"/>
+              <a:t>29.11.2021</a:t>
+            </a:fld>
+            <a:endParaRPr lang="en-US"/>
+          </a:p>
+        </p:txBody>
+      </p:sp>
+    </p:spTree>
+    <p:extLst>
+      <p:ext uri="{BB962C8B-B14F-4D97-AF65-F5344CB8AC3E}">
+        <p14:creationId xmlns:p14="http://schemas.microsoft.com/office/powerpoint/2010/main" val="1037517988"/>
+      </p:ext>
+    </p:extLst>
+  </p:cSld>
+  <p:clrMapOvr>
+    <a:masterClrMapping/>
+  </p:clrMapOvr>
+</p:sld>
+</file>
+
 <file path=ppt/slides/slide2.xml><?xml version="1.0" encoding="utf-8"?>
 <p:sld xmlns:a="http://schemas.openxmlformats.org/drawingml/2006/main" xmlns:r="http://schemas.openxmlformats.org/officeDocument/2006/relationships" xmlns:p="http://schemas.openxmlformats.org/presentationml/2006/main">
   <p:cSld>
@@ -5246,6 +9564,65 @@
           <a:bodyPr/>
           <a:lstStyle/>
           <a:p>
+            <a:r>
+              <a:rPr lang="de-DE" dirty="0">
+                <a:hlinkClick r:id="rId2"/>
+              </a:rPr>
+              <a:t>https://www.kaggle.com/acmeyer/hubway-data</a:t>
+            </a:r>
+            <a:endParaRPr lang="de-DE" dirty="0"/>
+          </a:p>
+          <a:p>
+            <a:endParaRPr lang="de-DE" dirty="0"/>
+          </a:p>
+          <a:p>
+            <a:r>
+              <a:rPr lang="de-DE" dirty="0"/>
+              <a:t>Herunterladen der Dateien über Python-Bibliothek von </a:t>
+            </a:r>
+            <a:r>
+              <a:rPr lang="de-DE" dirty="0" err="1"/>
+              <a:t>Kaggle</a:t>
+            </a:r>
+            <a:r>
+              <a:rPr lang="de-DE" dirty="0"/>
+              <a:t> (</a:t>
+            </a:r>
+            <a:r>
+              <a:rPr lang="de-DE" dirty="0" err="1"/>
+              <a:t>pip</a:t>
+            </a:r>
+            <a:r>
+              <a:rPr lang="de-DE" dirty="0"/>
+              <a:t> </a:t>
+            </a:r>
+            <a:r>
+              <a:rPr lang="de-DE" dirty="0" err="1"/>
+              <a:t>install</a:t>
+            </a:r>
+            <a:r>
+              <a:rPr lang="de-DE" dirty="0"/>
+              <a:t> </a:t>
+            </a:r>
+            <a:r>
+              <a:rPr lang="de-DE" dirty="0" err="1"/>
+              <a:t>kaggle</a:t>
+            </a:r>
+            <a:r>
+              <a:rPr lang="de-DE" dirty="0"/>
+              <a:t>)</a:t>
+            </a:r>
+          </a:p>
+          <a:p>
+            <a:endParaRPr lang="de-DE" dirty="0"/>
+          </a:p>
+          <a:p>
+            <a:r>
+              <a:rPr lang="de-DE" dirty="0"/>
+              <a:t>Konfigurationsdatei: {"username":„ABC","key":„123"}</a:t>
+            </a:r>
+          </a:p>
+          <a:p>
             <a:endParaRPr lang="de-DE" dirty="0"/>
           </a:p>
         </p:txBody>
@@ -5274,7 +9651,7 @@
             <a:pPr rtl="0"/>
             <a:fld id="{FB7C0C16-5521-4517-AFDE-676F786A1296}" type="datetime1">
               <a:rPr lang="de-DE" smtClean="0"/>
-              <a:t>26.11.2021</a:t>
+              <a:t>29.11.2021</a:t>
             </a:fld>
             <a:endParaRPr lang="en-US"/>
           </a:p>
@@ -5315,6 +9692,673 @@
           <p:cNvPr id="2" name="Titel 1">
             <a:extLst>
               <a:ext uri="{FF2B5EF4-FFF2-40B4-BE49-F238E27FC236}">
+                <a16:creationId xmlns:a16="http://schemas.microsoft.com/office/drawing/2014/main" id="{FD174655-ECDD-40AE-B5DE-FFEEC823E37C}"/>
+              </a:ext>
+            </a:extLst>
+          </p:cNvPr>
+          <p:cNvSpPr>
+            <a:spLocks noGrp="1"/>
+          </p:cNvSpPr>
+          <p:nvPr>
+            <p:ph type="title"/>
+          </p:nvPr>
+        </p:nvSpPr>
+        <p:spPr/>
+        <p:txBody>
+          <a:bodyPr/>
+          <a:lstStyle/>
+          <a:p>
+            <a:r>
+              <a:rPr lang="de-DE" dirty="0"/>
+              <a:t>Data Source</a:t>
+            </a:r>
+          </a:p>
+        </p:txBody>
+      </p:sp>
+      <p:sp>
+        <p:nvSpPr>
+          <p:cNvPr id="4" name="Datumsplatzhalter 3">
+            <a:extLst>
+              <a:ext uri="{FF2B5EF4-FFF2-40B4-BE49-F238E27FC236}">
+                <a16:creationId xmlns:a16="http://schemas.microsoft.com/office/drawing/2014/main" id="{43945677-3631-481A-882E-76077C52A6F9}"/>
+              </a:ext>
+            </a:extLst>
+          </p:cNvPr>
+          <p:cNvSpPr>
+            <a:spLocks noGrp="1"/>
+          </p:cNvSpPr>
+          <p:nvPr>
+            <p:ph type="dt" sz="half" idx="10"/>
+          </p:nvPr>
+        </p:nvSpPr>
+        <p:spPr/>
+        <p:txBody>
+          <a:bodyPr/>
+          <a:lstStyle/>
+          <a:p>
+            <a:pPr rtl="0"/>
+            <a:fld id="{FB7C0C16-5521-4517-AFDE-676F786A1296}" type="datetime1">
+              <a:rPr lang="de-DE" smtClean="0"/>
+              <a:t>29.11.2021</a:t>
+            </a:fld>
+            <a:endParaRPr lang="en-US"/>
+          </a:p>
+        </p:txBody>
+      </p:sp>
+      <p:graphicFrame>
+        <p:nvGraphicFramePr>
+          <p:cNvPr id="9" name="Tabelle 9">
+            <a:extLst>
+              <a:ext uri="{FF2B5EF4-FFF2-40B4-BE49-F238E27FC236}">
+                <a16:creationId xmlns:a16="http://schemas.microsoft.com/office/drawing/2014/main" id="{66CD1557-6C0C-4629-B891-910C11B46237}"/>
+              </a:ext>
+            </a:extLst>
+          </p:cNvPr>
+          <p:cNvGraphicFramePr>
+            <a:graphicFrameLocks noGrp="1"/>
+          </p:cNvGraphicFramePr>
+          <p:nvPr>
+            <p:ph idx="1"/>
+            <p:extLst>
+              <p:ext uri="{D42A27DB-BD31-4B8C-83A1-F6EECF244321}">
+                <p14:modId xmlns:p14="http://schemas.microsoft.com/office/powerpoint/2010/main" val="3687877559"/>
+              </p:ext>
+            </p:extLst>
+          </p:nvPr>
+        </p:nvGraphicFramePr>
+        <p:xfrm>
+          <a:off x="1066800" y="2103438"/>
+          <a:ext cx="10058397" cy="3337560"/>
+        </p:xfrm>
+        <a:graphic>
+          <a:graphicData uri="http://schemas.openxmlformats.org/drawingml/2006/table">
+            <a:tbl>
+              <a:tblPr firstRow="1" bandRow="1">
+                <a:tableStyleId>{5C22544A-7EE6-4342-B048-85BDC9FD1C3A}</a:tableStyleId>
+              </a:tblPr>
+              <a:tblGrid>
+                <a:gridCol w="3352799">
+                  <a:extLst>
+                    <a:ext uri="{9D8B030D-6E8A-4147-A177-3AD203B41FA5}">
+                      <a16:colId xmlns:a16="http://schemas.microsoft.com/office/drawing/2014/main" val="3952612340"/>
+                    </a:ext>
+                  </a:extLst>
+                </a:gridCol>
+                <a:gridCol w="3352799">
+                  <a:extLst>
+                    <a:ext uri="{9D8B030D-6E8A-4147-A177-3AD203B41FA5}">
+                      <a16:colId xmlns:a16="http://schemas.microsoft.com/office/drawing/2014/main" val="3364651312"/>
+                    </a:ext>
+                  </a:extLst>
+                </a:gridCol>
+                <a:gridCol w="3352799">
+                  <a:extLst>
+                    <a:ext uri="{9D8B030D-6E8A-4147-A177-3AD203B41FA5}">
+                      <a16:colId xmlns:a16="http://schemas.microsoft.com/office/drawing/2014/main" val="1133834179"/>
+                    </a:ext>
+                  </a:extLst>
+                </a:gridCol>
+              </a:tblGrid>
+              <a:tr h="370840">
+                <a:tc>
+                  <a:txBody>
+                    <a:bodyPr/>
+                    <a:lstStyle/>
+                    <a:p>
+                      <a:r>
+                        <a:rPr lang="de-DE" dirty="0"/>
+                        <a:t>Tripdaten</a:t>
+                      </a:r>
+                    </a:p>
+                  </a:txBody>
+                  <a:tcPr/>
+                </a:tc>
+                <a:tc>
+                  <a:txBody>
+                    <a:bodyPr/>
+                    <a:lstStyle/>
+                    <a:p>
+                      <a:r>
+                        <a:rPr lang="de-DE" dirty="0"/>
+                        <a:t>Stationsdaten</a:t>
+                      </a:r>
+                    </a:p>
+                  </a:txBody>
+                  <a:tcPr/>
+                </a:tc>
+                <a:tc>
+                  <a:txBody>
+                    <a:bodyPr/>
+                    <a:lstStyle/>
+                    <a:p>
+                      <a:r>
+                        <a:rPr lang="de-DE" dirty="0"/>
+                        <a:t>Userdaten</a:t>
+                      </a:r>
+                    </a:p>
+                  </a:txBody>
+                  <a:tcPr/>
+                </a:tc>
+                <a:extLst>
+                  <a:ext uri="{0D108BD9-81ED-4DB2-BD59-A6C34878D82A}">
+                    <a16:rowId xmlns:a16="http://schemas.microsoft.com/office/drawing/2014/main" val="3255181740"/>
+                  </a:ext>
+                </a:extLst>
+              </a:tr>
+              <a:tr h="370840">
+                <a:tc>
+                  <a:txBody>
+                    <a:bodyPr/>
+                    <a:lstStyle/>
+                    <a:p>
+                      <a:r>
+                        <a:rPr lang="de-DE" dirty="0" err="1"/>
+                        <a:t>tripduration</a:t>
+                      </a:r>
+                      <a:endParaRPr lang="de-DE" dirty="0"/>
+                    </a:p>
+                  </a:txBody>
+                  <a:tcPr/>
+                </a:tc>
+                <a:tc>
+                  <a:txBody>
+                    <a:bodyPr/>
+                    <a:lstStyle/>
+                    <a:p>
+                      <a:r>
+                        <a:rPr lang="de-DE" dirty="0" err="1"/>
+                        <a:t>start</a:t>
+                      </a:r>
+                      <a:r>
+                        <a:rPr lang="de-DE" dirty="0"/>
+                        <a:t> </a:t>
+                      </a:r>
+                      <a:r>
+                        <a:rPr lang="de-DE" dirty="0" err="1"/>
+                        <a:t>station</a:t>
+                      </a:r>
+                      <a:r>
+                        <a:rPr lang="de-DE" dirty="0"/>
+                        <a:t> </a:t>
+                      </a:r>
+                      <a:r>
+                        <a:rPr lang="de-DE" dirty="0" err="1"/>
+                        <a:t>id</a:t>
+                      </a:r>
+                      <a:endParaRPr lang="de-DE" dirty="0"/>
+                    </a:p>
+                  </a:txBody>
+                  <a:tcPr/>
+                </a:tc>
+                <a:tc>
+                  <a:txBody>
+                    <a:bodyPr/>
+                    <a:lstStyle/>
+                    <a:p>
+                      <a:r>
+                        <a:rPr lang="de-DE" dirty="0" err="1"/>
+                        <a:t>usertype</a:t>
+                      </a:r>
+                      <a:endParaRPr lang="de-DE" dirty="0"/>
+                    </a:p>
+                  </a:txBody>
+                  <a:tcPr/>
+                </a:tc>
+                <a:extLst>
+                  <a:ext uri="{0D108BD9-81ED-4DB2-BD59-A6C34878D82A}">
+                    <a16:rowId xmlns:a16="http://schemas.microsoft.com/office/drawing/2014/main" val="198174280"/>
+                  </a:ext>
+                </a:extLst>
+              </a:tr>
+              <a:tr h="370840">
+                <a:tc>
+                  <a:txBody>
+                    <a:bodyPr/>
+                    <a:lstStyle/>
+                    <a:p>
+                      <a:r>
+                        <a:rPr lang="de-DE" dirty="0"/>
+                        <a:t>starttime</a:t>
+                      </a:r>
+                    </a:p>
+                  </a:txBody>
+                  <a:tcPr/>
+                </a:tc>
+                <a:tc>
+                  <a:txBody>
+                    <a:bodyPr/>
+                    <a:lstStyle/>
+                    <a:p>
+                      <a:r>
+                        <a:rPr lang="de-DE" dirty="0" err="1"/>
+                        <a:t>start</a:t>
+                      </a:r>
+                      <a:r>
+                        <a:rPr lang="de-DE" dirty="0"/>
+                        <a:t> </a:t>
+                      </a:r>
+                      <a:r>
+                        <a:rPr lang="de-DE" dirty="0" err="1"/>
+                        <a:t>station</a:t>
+                      </a:r>
+                      <a:r>
+                        <a:rPr lang="de-DE" dirty="0"/>
+                        <a:t> </a:t>
+                      </a:r>
+                      <a:r>
+                        <a:rPr lang="de-DE" dirty="0" err="1"/>
+                        <a:t>name</a:t>
+                      </a:r>
+                      <a:endParaRPr lang="de-DE" dirty="0"/>
+                    </a:p>
+                  </a:txBody>
+                  <a:tcPr/>
+                </a:tc>
+                <a:tc>
+                  <a:txBody>
+                    <a:bodyPr/>
+                    <a:lstStyle/>
+                    <a:p>
+                      <a:r>
+                        <a:rPr lang="de-DE" dirty="0" err="1"/>
+                        <a:t>birth</a:t>
+                      </a:r>
+                      <a:r>
+                        <a:rPr lang="de-DE" dirty="0"/>
+                        <a:t> </a:t>
+                      </a:r>
+                      <a:r>
+                        <a:rPr lang="de-DE" dirty="0" err="1"/>
+                        <a:t>year</a:t>
+                      </a:r>
+                      <a:endParaRPr lang="de-DE" dirty="0"/>
+                    </a:p>
+                  </a:txBody>
+                  <a:tcPr/>
+                </a:tc>
+                <a:extLst>
+                  <a:ext uri="{0D108BD9-81ED-4DB2-BD59-A6C34878D82A}">
+                    <a16:rowId xmlns:a16="http://schemas.microsoft.com/office/drawing/2014/main" val="1089450365"/>
+                  </a:ext>
+                </a:extLst>
+              </a:tr>
+              <a:tr h="370840">
+                <a:tc>
+                  <a:txBody>
+                    <a:bodyPr/>
+                    <a:lstStyle/>
+                    <a:p>
+                      <a:r>
+                        <a:rPr lang="de-DE" dirty="0" err="1"/>
+                        <a:t>stoptime</a:t>
+                      </a:r>
+                      <a:endParaRPr lang="de-DE" dirty="0"/>
+                    </a:p>
+                  </a:txBody>
+                  <a:tcPr/>
+                </a:tc>
+                <a:tc>
+                  <a:txBody>
+                    <a:bodyPr/>
+                    <a:lstStyle/>
+                    <a:p>
+                      <a:r>
+                        <a:rPr lang="de-DE" dirty="0" err="1"/>
+                        <a:t>start</a:t>
+                      </a:r>
+                      <a:r>
+                        <a:rPr lang="de-DE" dirty="0"/>
+                        <a:t> </a:t>
+                      </a:r>
+                      <a:r>
+                        <a:rPr lang="de-DE" dirty="0" err="1"/>
+                        <a:t>station</a:t>
+                      </a:r>
+                      <a:r>
+                        <a:rPr lang="de-DE" dirty="0"/>
+                        <a:t> </a:t>
+                      </a:r>
+                      <a:r>
+                        <a:rPr lang="de-DE" dirty="0" err="1"/>
+                        <a:t>latitude</a:t>
+                      </a:r>
+                      <a:endParaRPr lang="de-DE" dirty="0"/>
+                    </a:p>
+                  </a:txBody>
+                  <a:tcPr/>
+                </a:tc>
+                <a:tc>
+                  <a:txBody>
+                    <a:bodyPr/>
+                    <a:lstStyle/>
+                    <a:p>
+                      <a:r>
+                        <a:rPr lang="de-DE" dirty="0" err="1"/>
+                        <a:t>gender</a:t>
+                      </a:r>
+                      <a:endParaRPr lang="de-DE" dirty="0"/>
+                    </a:p>
+                  </a:txBody>
+                  <a:tcPr/>
+                </a:tc>
+                <a:extLst>
+                  <a:ext uri="{0D108BD9-81ED-4DB2-BD59-A6C34878D82A}">
+                    <a16:rowId xmlns:a16="http://schemas.microsoft.com/office/drawing/2014/main" val="927326823"/>
+                  </a:ext>
+                </a:extLst>
+              </a:tr>
+              <a:tr h="370840">
+                <a:tc>
+                  <a:txBody>
+                    <a:bodyPr/>
+                    <a:lstStyle/>
+                    <a:p>
+                      <a:r>
+                        <a:rPr lang="de-DE" dirty="0" err="1"/>
+                        <a:t>bikeid</a:t>
+                      </a:r>
+                      <a:endParaRPr lang="de-DE" dirty="0"/>
+                    </a:p>
+                  </a:txBody>
+                  <a:tcPr/>
+                </a:tc>
+                <a:tc>
+                  <a:txBody>
+                    <a:bodyPr/>
+                    <a:lstStyle/>
+                    <a:p>
+                      <a:r>
+                        <a:rPr lang="de-DE" dirty="0" err="1"/>
+                        <a:t>start</a:t>
+                      </a:r>
+                      <a:r>
+                        <a:rPr lang="de-DE" dirty="0"/>
+                        <a:t> </a:t>
+                      </a:r>
+                      <a:r>
+                        <a:rPr lang="de-DE" dirty="0" err="1"/>
+                        <a:t>station</a:t>
+                      </a:r>
+                      <a:r>
+                        <a:rPr lang="de-DE" dirty="0"/>
+                        <a:t> </a:t>
+                      </a:r>
+                      <a:r>
+                        <a:rPr lang="de-DE" dirty="0" err="1"/>
+                        <a:t>longitude</a:t>
+                      </a:r>
+                      <a:endParaRPr lang="de-DE" dirty="0"/>
+                    </a:p>
+                  </a:txBody>
+                  <a:tcPr/>
+                </a:tc>
+                <a:tc>
+                  <a:txBody>
+                    <a:bodyPr/>
+                    <a:lstStyle/>
+                    <a:p>
+                      <a:endParaRPr lang="de-DE" dirty="0"/>
+                    </a:p>
+                  </a:txBody>
+                  <a:tcPr/>
+                </a:tc>
+                <a:extLst>
+                  <a:ext uri="{0D108BD9-81ED-4DB2-BD59-A6C34878D82A}">
+                    <a16:rowId xmlns:a16="http://schemas.microsoft.com/office/drawing/2014/main" val="3846195835"/>
+                  </a:ext>
+                </a:extLst>
+              </a:tr>
+              <a:tr h="370840">
+                <a:tc>
+                  <a:txBody>
+                    <a:bodyPr/>
+                    <a:lstStyle/>
+                    <a:p>
+                      <a:endParaRPr lang="de-DE"/>
+                    </a:p>
+                  </a:txBody>
+                  <a:tcPr/>
+                </a:tc>
+                <a:tc>
+                  <a:txBody>
+                    <a:bodyPr/>
+                    <a:lstStyle/>
+                    <a:p>
+                      <a:r>
+                        <a:rPr lang="de-DE" dirty="0"/>
+                        <a:t>end </a:t>
+                      </a:r>
+                      <a:r>
+                        <a:rPr lang="de-DE" dirty="0" err="1"/>
+                        <a:t>station</a:t>
+                      </a:r>
+                      <a:r>
+                        <a:rPr lang="de-DE" dirty="0"/>
+                        <a:t> </a:t>
+                      </a:r>
+                      <a:r>
+                        <a:rPr lang="de-DE" dirty="0" err="1"/>
+                        <a:t>id</a:t>
+                      </a:r>
+                      <a:endParaRPr lang="de-DE" dirty="0"/>
+                    </a:p>
+                  </a:txBody>
+                  <a:tcPr/>
+                </a:tc>
+                <a:tc>
+                  <a:txBody>
+                    <a:bodyPr/>
+                    <a:lstStyle/>
+                    <a:p>
+                      <a:endParaRPr lang="de-DE"/>
+                    </a:p>
+                  </a:txBody>
+                  <a:tcPr/>
+                </a:tc>
+                <a:extLst>
+                  <a:ext uri="{0D108BD9-81ED-4DB2-BD59-A6C34878D82A}">
+                    <a16:rowId xmlns:a16="http://schemas.microsoft.com/office/drawing/2014/main" val="3831709357"/>
+                  </a:ext>
+                </a:extLst>
+              </a:tr>
+              <a:tr h="370840">
+                <a:tc>
+                  <a:txBody>
+                    <a:bodyPr/>
+                    <a:lstStyle/>
+                    <a:p>
+                      <a:endParaRPr lang="de-DE"/>
+                    </a:p>
+                  </a:txBody>
+                  <a:tcPr/>
+                </a:tc>
+                <a:tc>
+                  <a:txBody>
+                    <a:bodyPr/>
+                    <a:lstStyle/>
+                    <a:p>
+                      <a:r>
+                        <a:rPr lang="de-DE" dirty="0"/>
+                        <a:t>end </a:t>
+                      </a:r>
+                      <a:r>
+                        <a:rPr lang="de-DE" dirty="0" err="1"/>
+                        <a:t>station</a:t>
+                      </a:r>
+                      <a:r>
+                        <a:rPr lang="de-DE" dirty="0"/>
+                        <a:t> </a:t>
+                      </a:r>
+                      <a:r>
+                        <a:rPr lang="de-DE" dirty="0" err="1"/>
+                        <a:t>name</a:t>
+                      </a:r>
+                      <a:endParaRPr lang="de-DE" dirty="0"/>
+                    </a:p>
+                  </a:txBody>
+                  <a:tcPr/>
+                </a:tc>
+                <a:tc>
+                  <a:txBody>
+                    <a:bodyPr/>
+                    <a:lstStyle/>
+                    <a:p>
+                      <a:endParaRPr lang="de-DE"/>
+                    </a:p>
+                  </a:txBody>
+                  <a:tcPr/>
+                </a:tc>
+                <a:extLst>
+                  <a:ext uri="{0D108BD9-81ED-4DB2-BD59-A6C34878D82A}">
+                    <a16:rowId xmlns:a16="http://schemas.microsoft.com/office/drawing/2014/main" val="4149089050"/>
+                  </a:ext>
+                </a:extLst>
+              </a:tr>
+              <a:tr h="370840">
+                <a:tc>
+                  <a:txBody>
+                    <a:bodyPr/>
+                    <a:lstStyle/>
+                    <a:p>
+                      <a:endParaRPr lang="de-DE"/>
+                    </a:p>
+                  </a:txBody>
+                  <a:tcPr/>
+                </a:tc>
+                <a:tc>
+                  <a:txBody>
+                    <a:bodyPr/>
+                    <a:lstStyle/>
+                    <a:p>
+                      <a:r>
+                        <a:rPr lang="de-DE" dirty="0"/>
+                        <a:t>end </a:t>
+                      </a:r>
+                      <a:r>
+                        <a:rPr lang="de-DE" dirty="0" err="1"/>
+                        <a:t>station</a:t>
+                      </a:r>
+                      <a:r>
+                        <a:rPr lang="de-DE" dirty="0"/>
+                        <a:t> </a:t>
+                      </a:r>
+                      <a:r>
+                        <a:rPr lang="de-DE" dirty="0" err="1"/>
+                        <a:t>latitude</a:t>
+                      </a:r>
+                      <a:endParaRPr lang="de-DE" dirty="0"/>
+                    </a:p>
+                  </a:txBody>
+                  <a:tcPr/>
+                </a:tc>
+                <a:tc>
+                  <a:txBody>
+                    <a:bodyPr/>
+                    <a:lstStyle/>
+                    <a:p>
+                      <a:endParaRPr lang="de-DE"/>
+                    </a:p>
+                  </a:txBody>
+                  <a:tcPr/>
+                </a:tc>
+                <a:extLst>
+                  <a:ext uri="{0D108BD9-81ED-4DB2-BD59-A6C34878D82A}">
+                    <a16:rowId xmlns:a16="http://schemas.microsoft.com/office/drawing/2014/main" val="4016626904"/>
+                  </a:ext>
+                </a:extLst>
+              </a:tr>
+              <a:tr h="370840">
+                <a:tc>
+                  <a:txBody>
+                    <a:bodyPr/>
+                    <a:lstStyle/>
+                    <a:p>
+                      <a:endParaRPr lang="de-DE"/>
+                    </a:p>
+                  </a:txBody>
+                  <a:tcPr/>
+                </a:tc>
+                <a:tc>
+                  <a:txBody>
+                    <a:bodyPr/>
+                    <a:lstStyle/>
+                    <a:p>
+                      <a:r>
+                        <a:rPr lang="de-DE" dirty="0"/>
+                        <a:t>end </a:t>
+                      </a:r>
+                      <a:r>
+                        <a:rPr lang="de-DE" dirty="0" err="1"/>
+                        <a:t>station</a:t>
+                      </a:r>
+                      <a:r>
+                        <a:rPr lang="de-DE" dirty="0"/>
+                        <a:t> </a:t>
+                      </a:r>
+                      <a:r>
+                        <a:rPr lang="de-DE" dirty="0" err="1"/>
+                        <a:t>longitude</a:t>
+                      </a:r>
+                      <a:endParaRPr lang="de-DE" dirty="0"/>
+                    </a:p>
+                  </a:txBody>
+                  <a:tcPr/>
+                </a:tc>
+                <a:tc>
+                  <a:txBody>
+                    <a:bodyPr/>
+                    <a:lstStyle/>
+                    <a:p>
+                      <a:endParaRPr lang="de-DE" dirty="0"/>
+                    </a:p>
+                  </a:txBody>
+                  <a:tcPr/>
+                </a:tc>
+                <a:extLst>
+                  <a:ext uri="{0D108BD9-81ED-4DB2-BD59-A6C34878D82A}">
+                    <a16:rowId xmlns:a16="http://schemas.microsoft.com/office/drawing/2014/main" val="900928343"/>
+                  </a:ext>
+                </a:extLst>
+              </a:tr>
+            </a:tbl>
+          </a:graphicData>
+        </a:graphic>
+      </p:graphicFrame>
+    </p:spTree>
+    <p:extLst>
+      <p:ext uri="{BB962C8B-B14F-4D97-AF65-F5344CB8AC3E}">
+        <p14:creationId xmlns:p14="http://schemas.microsoft.com/office/powerpoint/2010/main" val="4213145366"/>
+      </p:ext>
+    </p:extLst>
+  </p:cSld>
+  <p:clrMapOvr>
+    <a:masterClrMapping/>
+  </p:clrMapOvr>
+</p:sld>
+</file>
+
+<file path=ppt/slides/slide4.xml><?xml version="1.0" encoding="utf-8"?>
+<p:sld xmlns:a="http://schemas.openxmlformats.org/drawingml/2006/main" xmlns:r="http://schemas.openxmlformats.org/officeDocument/2006/relationships" xmlns:p="http://schemas.openxmlformats.org/presentationml/2006/main">
+  <p:cSld>
+    <p:spTree>
+      <p:nvGrpSpPr>
+        <p:cNvPr id="1" name=""/>
+        <p:cNvGrpSpPr/>
+        <p:nvPr/>
+      </p:nvGrpSpPr>
+      <p:grpSpPr>
+        <a:xfrm>
+          <a:off x="0" y="0"/>
+          <a:ext cx="0" cy="0"/>
+          <a:chOff x="0" y="0"/>
+          <a:chExt cx="0" cy="0"/>
+        </a:xfrm>
+      </p:grpSpPr>
+      <p:sp>
+        <p:nvSpPr>
+          <p:cNvPr id="2" name="Titel 1">
+            <a:extLst>
+              <a:ext uri="{FF2B5EF4-FFF2-40B4-BE49-F238E27FC236}">
                 <a16:creationId xmlns:a16="http://schemas.microsoft.com/office/drawing/2014/main" id="{36172B90-8FB3-4C39-97FD-BBD59C577E42}"/>
               </a:ext>
             </a:extLst>
@@ -5333,7 +10377,7 @@
           <a:p>
             <a:r>
               <a:rPr lang="de-DE" dirty="0"/>
-              <a:t>Workflow Step 1</a:t>
+              <a:t>Workflow</a:t>
             </a:r>
           </a:p>
         </p:txBody>
@@ -5361,8 +10405,59 @@
           <a:p>
             <a:r>
               <a:rPr lang="de-DE" dirty="0"/>
-              <a:t>Herunterladen der Daten</a:t>
-            </a:r>
+              <a:t>Erstellen der benötigten Verzeichnisse und Löschen von Alt-Dateien in diesen Verzeichnissen</a:t>
+            </a:r>
+          </a:p>
+          <a:p>
+            <a:endParaRPr lang="de-DE" dirty="0"/>
+          </a:p>
+          <a:p>
+            <a:r>
+              <a:rPr lang="de-DE" dirty="0"/>
+              <a:t>Herunterladen der Rohdateien</a:t>
+            </a:r>
+          </a:p>
+          <a:p>
+            <a:endParaRPr lang="de-DE" dirty="0"/>
+          </a:p>
+          <a:p>
+            <a:r>
+              <a:rPr lang="de-DE" dirty="0"/>
+              <a:t>Kopieren der Rohdateien in das HDFS</a:t>
+            </a:r>
+          </a:p>
+          <a:p>
+            <a:endParaRPr lang="de-DE" dirty="0"/>
+          </a:p>
+          <a:p>
+            <a:r>
+              <a:rPr lang="de-DE" dirty="0">
+                <a:effectLst/>
+                <a:ea typeface="Calibri" panose="020F0502020204030204" pitchFamily="34" charset="0"/>
+                <a:cs typeface="Times New Roman" panose="02020603050405020304" pitchFamily="18" charset="0"/>
+              </a:rPr>
+              <a:t>Konvertieren der Rohdateien in das benötigte Format </a:t>
+            </a:r>
+          </a:p>
+          <a:p>
+            <a:endParaRPr lang="de-DE" dirty="0">
+              <a:effectLst/>
+              <a:ea typeface="Calibri" panose="020F0502020204030204" pitchFamily="34" charset="0"/>
+              <a:cs typeface="Times New Roman" panose="02020603050405020304" pitchFamily="18" charset="0"/>
+            </a:endParaRPr>
+          </a:p>
+          <a:p>
+            <a:r>
+              <a:rPr lang="de-DE" dirty="0">
+                <a:effectLst/>
+                <a:ea typeface="Calibri" panose="020F0502020204030204" pitchFamily="34" charset="0"/>
+                <a:cs typeface="Times New Roman" panose="02020603050405020304" pitchFamily="18" charset="0"/>
+              </a:rPr>
+              <a:t>Erstellen der Excel-Datei</a:t>
+            </a:r>
+          </a:p>
+          <a:p>
+            <a:endParaRPr lang="de-DE" dirty="0"/>
           </a:p>
         </p:txBody>
       </p:sp>
@@ -5390,9 +10485,9 @@
             <a:pPr rtl="0"/>
             <a:fld id="{FB7C0C16-5521-4517-AFDE-676F786A1296}" type="datetime1">
               <a:rPr lang="de-DE" smtClean="0"/>
-              <a:t>26.11.2021</a:t>
+              <a:t>29.11.2021</a:t>
             </a:fld>
-            <a:endParaRPr lang="en-US"/>
+            <a:endParaRPr lang="en-US" dirty="0"/>
           </a:p>
         </p:txBody>
       </p:sp>
@@ -5400,6 +10495,3249 @@
     <p:extLst>
       <p:ext uri="{BB962C8B-B14F-4D97-AF65-F5344CB8AC3E}">
         <p14:creationId xmlns:p14="http://schemas.microsoft.com/office/powerpoint/2010/main" val="1266334345"/>
+      </p:ext>
+    </p:extLst>
+  </p:cSld>
+  <p:clrMapOvr>
+    <a:masterClrMapping/>
+  </p:clrMapOvr>
+</p:sld>
+</file>
+
+<file path=ppt/slides/slide5.xml><?xml version="1.0" encoding="utf-8"?>
+<p:sld xmlns:a="http://schemas.openxmlformats.org/drawingml/2006/main" xmlns:r="http://schemas.openxmlformats.org/officeDocument/2006/relationships" xmlns:p="http://schemas.openxmlformats.org/presentationml/2006/main">
+  <p:cSld>
+    <p:spTree>
+      <p:nvGrpSpPr>
+        <p:cNvPr id="1" name=""/>
+        <p:cNvGrpSpPr/>
+        <p:nvPr/>
+      </p:nvGrpSpPr>
+      <p:grpSpPr>
+        <a:xfrm>
+          <a:off x="0" y="0"/>
+          <a:ext cx="0" cy="0"/>
+          <a:chOff x="0" y="0"/>
+          <a:chExt cx="0" cy="0"/>
+        </a:xfrm>
+      </p:grpSpPr>
+      <p:sp>
+        <p:nvSpPr>
+          <p:cNvPr id="2" name="Titel 1">
+            <a:extLst>
+              <a:ext uri="{FF2B5EF4-FFF2-40B4-BE49-F238E27FC236}">
+                <a16:creationId xmlns:a16="http://schemas.microsoft.com/office/drawing/2014/main" id="{FD174655-ECDD-40AE-B5DE-FFEEC823E37C}"/>
+              </a:ext>
+            </a:extLst>
+          </p:cNvPr>
+          <p:cNvSpPr>
+            <a:spLocks noGrp="1"/>
+          </p:cNvSpPr>
+          <p:nvPr>
+            <p:ph type="title"/>
+          </p:nvPr>
+        </p:nvSpPr>
+        <p:spPr/>
+        <p:txBody>
+          <a:bodyPr/>
+          <a:lstStyle/>
+          <a:p>
+            <a:r>
+              <a:rPr lang="de-DE" dirty="0"/>
+              <a:t>Benötigte KPIs</a:t>
+            </a:r>
+          </a:p>
+        </p:txBody>
+      </p:sp>
+      <p:graphicFrame>
+        <p:nvGraphicFramePr>
+          <p:cNvPr id="9" name="Tabelle 9">
+            <a:extLst>
+              <a:ext uri="{FF2B5EF4-FFF2-40B4-BE49-F238E27FC236}">
+                <a16:creationId xmlns:a16="http://schemas.microsoft.com/office/drawing/2014/main" id="{66CD1557-6C0C-4629-B891-910C11B46237}"/>
+              </a:ext>
+            </a:extLst>
+          </p:cNvPr>
+          <p:cNvGraphicFramePr>
+            <a:graphicFrameLocks noGrp="1"/>
+          </p:cNvGraphicFramePr>
+          <p:nvPr>
+            <p:ph sz="half" idx="1"/>
+            <p:extLst>
+              <p:ext uri="{D42A27DB-BD31-4B8C-83A1-F6EECF244321}">
+                <p14:modId xmlns:p14="http://schemas.microsoft.com/office/powerpoint/2010/main" val="1215207653"/>
+              </p:ext>
+            </p:extLst>
+          </p:nvPr>
+        </p:nvGraphicFramePr>
+        <p:xfrm>
+          <a:off x="1066800" y="2103438"/>
+          <a:ext cx="4664073" cy="3606800"/>
+        </p:xfrm>
+        <a:graphic>
+          <a:graphicData uri="http://schemas.openxmlformats.org/drawingml/2006/table">
+            <a:tbl>
+              <a:tblPr firstRow="1" bandRow="1">
+                <a:tableStyleId>{5C22544A-7EE6-4342-B048-85BDC9FD1C3A}</a:tableStyleId>
+              </a:tblPr>
+              <a:tblGrid>
+                <a:gridCol w="1554691">
+                  <a:extLst>
+                    <a:ext uri="{9D8B030D-6E8A-4147-A177-3AD203B41FA5}">
+                      <a16:colId xmlns:a16="http://schemas.microsoft.com/office/drawing/2014/main" val="3952612340"/>
+                    </a:ext>
+                  </a:extLst>
+                </a:gridCol>
+                <a:gridCol w="1554691">
+                  <a:extLst>
+                    <a:ext uri="{9D8B030D-6E8A-4147-A177-3AD203B41FA5}">
+                      <a16:colId xmlns:a16="http://schemas.microsoft.com/office/drawing/2014/main" val="3364651312"/>
+                    </a:ext>
+                  </a:extLst>
+                </a:gridCol>
+                <a:gridCol w="1554691">
+                  <a:extLst>
+                    <a:ext uri="{9D8B030D-6E8A-4147-A177-3AD203B41FA5}">
+                      <a16:colId xmlns:a16="http://schemas.microsoft.com/office/drawing/2014/main" val="1133834179"/>
+                    </a:ext>
+                  </a:extLst>
+                </a:gridCol>
+              </a:tblGrid>
+              <a:tr h="370840">
+                <a:tc>
+                  <a:txBody>
+                    <a:bodyPr/>
+                    <a:lstStyle/>
+                    <a:p>
+                      <a:r>
+                        <a:rPr lang="de-DE" dirty="0"/>
+                        <a:t>Tripdaten</a:t>
+                      </a:r>
+                    </a:p>
+                  </a:txBody>
+                  <a:tcPr/>
+                </a:tc>
+                <a:tc>
+                  <a:txBody>
+                    <a:bodyPr/>
+                    <a:lstStyle/>
+                    <a:p>
+                      <a:r>
+                        <a:rPr lang="de-DE" dirty="0"/>
+                        <a:t>Stationsdaten</a:t>
+                      </a:r>
+                    </a:p>
+                  </a:txBody>
+                  <a:tcPr/>
+                </a:tc>
+                <a:tc>
+                  <a:txBody>
+                    <a:bodyPr/>
+                    <a:lstStyle/>
+                    <a:p>
+                      <a:r>
+                        <a:rPr lang="de-DE" dirty="0"/>
+                        <a:t>Userdaten</a:t>
+                      </a:r>
+                    </a:p>
+                  </a:txBody>
+                  <a:tcPr/>
+                </a:tc>
+                <a:extLst>
+                  <a:ext uri="{0D108BD9-81ED-4DB2-BD59-A6C34878D82A}">
+                    <a16:rowId xmlns:a16="http://schemas.microsoft.com/office/drawing/2014/main" val="3255181740"/>
+                  </a:ext>
+                </a:extLst>
+              </a:tr>
+              <a:tr h="370840">
+                <a:tc>
+                  <a:txBody>
+                    <a:bodyPr/>
+                    <a:lstStyle/>
+                    <a:p>
+                      <a:r>
+                        <a:rPr lang="de-DE" dirty="0" err="1">
+                          <a:solidFill>
+                            <a:srgbClr val="C00000"/>
+                          </a:solidFill>
+                        </a:rPr>
+                        <a:t>tripduration</a:t>
+                      </a:r>
+                      <a:endParaRPr lang="de-DE" dirty="0">
+                        <a:solidFill>
+                          <a:srgbClr val="C00000"/>
+                        </a:solidFill>
+                      </a:endParaRPr>
+                    </a:p>
+                  </a:txBody>
+                  <a:tcPr/>
+                </a:tc>
+                <a:tc>
+                  <a:txBody>
+                    <a:bodyPr/>
+                    <a:lstStyle/>
+                    <a:p>
+                      <a:r>
+                        <a:rPr lang="de-DE" dirty="0" err="1"/>
+                        <a:t>ss</a:t>
+                      </a:r>
+                      <a:r>
+                        <a:rPr lang="de-DE" dirty="0"/>
+                        <a:t> </a:t>
+                      </a:r>
+                      <a:r>
+                        <a:rPr lang="de-DE" dirty="0" err="1"/>
+                        <a:t>id</a:t>
+                      </a:r>
+                      <a:endParaRPr lang="de-DE" dirty="0"/>
+                    </a:p>
+                  </a:txBody>
+                  <a:tcPr/>
+                </a:tc>
+                <a:tc>
+                  <a:txBody>
+                    <a:bodyPr/>
+                    <a:lstStyle/>
+                    <a:p>
+                      <a:r>
+                        <a:rPr lang="de-DE" dirty="0" err="1"/>
+                        <a:t>usertype</a:t>
+                      </a:r>
+                      <a:endParaRPr lang="de-DE" dirty="0"/>
+                    </a:p>
+                  </a:txBody>
+                  <a:tcPr/>
+                </a:tc>
+                <a:extLst>
+                  <a:ext uri="{0D108BD9-81ED-4DB2-BD59-A6C34878D82A}">
+                    <a16:rowId xmlns:a16="http://schemas.microsoft.com/office/drawing/2014/main" val="198174280"/>
+                  </a:ext>
+                </a:extLst>
+              </a:tr>
+              <a:tr h="370840">
+                <a:tc>
+                  <a:txBody>
+                    <a:bodyPr/>
+                    <a:lstStyle/>
+                    <a:p>
+                      <a:r>
+                        <a:rPr lang="de-DE" dirty="0"/>
+                        <a:t>starttime</a:t>
+                      </a:r>
+                    </a:p>
+                  </a:txBody>
+                  <a:tcPr/>
+                </a:tc>
+                <a:tc>
+                  <a:txBody>
+                    <a:bodyPr/>
+                    <a:lstStyle/>
+                    <a:p>
+                      <a:r>
+                        <a:rPr lang="de-DE" dirty="0" err="1"/>
+                        <a:t>ss</a:t>
+                      </a:r>
+                      <a:r>
+                        <a:rPr lang="de-DE" dirty="0"/>
+                        <a:t> </a:t>
+                      </a:r>
+                      <a:r>
+                        <a:rPr lang="de-DE" dirty="0" err="1"/>
+                        <a:t>name</a:t>
+                      </a:r>
+                      <a:endParaRPr lang="de-DE" dirty="0"/>
+                    </a:p>
+                  </a:txBody>
+                  <a:tcPr/>
+                </a:tc>
+                <a:tc>
+                  <a:txBody>
+                    <a:bodyPr/>
+                    <a:lstStyle/>
+                    <a:p>
+                      <a:r>
+                        <a:rPr lang="de-DE" dirty="0" err="1"/>
+                        <a:t>birth</a:t>
+                      </a:r>
+                      <a:r>
+                        <a:rPr lang="de-DE" dirty="0"/>
+                        <a:t> </a:t>
+                      </a:r>
+                      <a:r>
+                        <a:rPr lang="de-DE" dirty="0" err="1"/>
+                        <a:t>year</a:t>
+                      </a:r>
+                      <a:endParaRPr lang="de-DE" dirty="0"/>
+                    </a:p>
+                  </a:txBody>
+                  <a:tcPr/>
+                </a:tc>
+                <a:extLst>
+                  <a:ext uri="{0D108BD9-81ED-4DB2-BD59-A6C34878D82A}">
+                    <a16:rowId xmlns:a16="http://schemas.microsoft.com/office/drawing/2014/main" val="1089450365"/>
+                  </a:ext>
+                </a:extLst>
+              </a:tr>
+              <a:tr h="370840">
+                <a:tc>
+                  <a:txBody>
+                    <a:bodyPr/>
+                    <a:lstStyle/>
+                    <a:p>
+                      <a:r>
+                        <a:rPr lang="de-DE" dirty="0" err="1"/>
+                        <a:t>stoptime</a:t>
+                      </a:r>
+                      <a:endParaRPr lang="de-DE" dirty="0"/>
+                    </a:p>
+                  </a:txBody>
+                  <a:tcPr/>
+                </a:tc>
+                <a:tc>
+                  <a:txBody>
+                    <a:bodyPr/>
+                    <a:lstStyle/>
+                    <a:p>
+                      <a:r>
+                        <a:rPr lang="de-DE" dirty="0" err="1"/>
+                        <a:t>ss</a:t>
+                      </a:r>
+                      <a:r>
+                        <a:rPr lang="de-DE" dirty="0"/>
+                        <a:t> </a:t>
+                      </a:r>
+                      <a:r>
+                        <a:rPr lang="de-DE" dirty="0" err="1"/>
+                        <a:t>latitude</a:t>
+                      </a:r>
+                      <a:endParaRPr lang="de-DE" dirty="0"/>
+                    </a:p>
+                  </a:txBody>
+                  <a:tcPr/>
+                </a:tc>
+                <a:tc>
+                  <a:txBody>
+                    <a:bodyPr/>
+                    <a:lstStyle/>
+                    <a:p>
+                      <a:r>
+                        <a:rPr lang="de-DE" dirty="0" err="1"/>
+                        <a:t>gender</a:t>
+                      </a:r>
+                      <a:endParaRPr lang="de-DE" dirty="0"/>
+                    </a:p>
+                  </a:txBody>
+                  <a:tcPr/>
+                </a:tc>
+                <a:extLst>
+                  <a:ext uri="{0D108BD9-81ED-4DB2-BD59-A6C34878D82A}">
+                    <a16:rowId xmlns:a16="http://schemas.microsoft.com/office/drawing/2014/main" val="927326823"/>
+                  </a:ext>
+                </a:extLst>
+              </a:tr>
+              <a:tr h="370840">
+                <a:tc>
+                  <a:txBody>
+                    <a:bodyPr/>
+                    <a:lstStyle/>
+                    <a:p>
+                      <a:r>
+                        <a:rPr lang="de-DE" dirty="0" err="1"/>
+                        <a:t>bikeid</a:t>
+                      </a:r>
+                      <a:endParaRPr lang="de-DE" dirty="0"/>
+                    </a:p>
+                  </a:txBody>
+                  <a:tcPr/>
+                </a:tc>
+                <a:tc>
+                  <a:txBody>
+                    <a:bodyPr/>
+                    <a:lstStyle/>
+                    <a:p>
+                      <a:r>
+                        <a:rPr lang="de-DE" dirty="0" err="1"/>
+                        <a:t>ss</a:t>
+                      </a:r>
+                      <a:r>
+                        <a:rPr lang="de-DE" dirty="0"/>
+                        <a:t> </a:t>
+                      </a:r>
+                      <a:r>
+                        <a:rPr lang="de-DE" dirty="0" err="1"/>
+                        <a:t>longitude</a:t>
+                      </a:r>
+                      <a:endParaRPr lang="de-DE" dirty="0"/>
+                    </a:p>
+                  </a:txBody>
+                  <a:tcPr/>
+                </a:tc>
+                <a:tc>
+                  <a:txBody>
+                    <a:bodyPr/>
+                    <a:lstStyle/>
+                    <a:p>
+                      <a:endParaRPr lang="de-DE" dirty="0"/>
+                    </a:p>
+                  </a:txBody>
+                  <a:tcPr/>
+                </a:tc>
+                <a:extLst>
+                  <a:ext uri="{0D108BD9-81ED-4DB2-BD59-A6C34878D82A}">
+                    <a16:rowId xmlns:a16="http://schemas.microsoft.com/office/drawing/2014/main" val="3846195835"/>
+                  </a:ext>
+                </a:extLst>
+              </a:tr>
+              <a:tr h="370840">
+                <a:tc>
+                  <a:txBody>
+                    <a:bodyPr/>
+                    <a:lstStyle/>
+                    <a:p>
+                      <a:endParaRPr lang="de-DE"/>
+                    </a:p>
+                  </a:txBody>
+                  <a:tcPr/>
+                </a:tc>
+                <a:tc>
+                  <a:txBody>
+                    <a:bodyPr/>
+                    <a:lstStyle/>
+                    <a:p>
+                      <a:r>
+                        <a:rPr lang="de-DE" dirty="0"/>
+                        <a:t>es </a:t>
+                      </a:r>
+                      <a:r>
+                        <a:rPr lang="de-DE" dirty="0" err="1"/>
+                        <a:t>id</a:t>
+                      </a:r>
+                      <a:endParaRPr lang="de-DE" dirty="0"/>
+                    </a:p>
+                  </a:txBody>
+                  <a:tcPr/>
+                </a:tc>
+                <a:tc>
+                  <a:txBody>
+                    <a:bodyPr/>
+                    <a:lstStyle/>
+                    <a:p>
+                      <a:endParaRPr lang="de-DE" dirty="0"/>
+                    </a:p>
+                  </a:txBody>
+                  <a:tcPr/>
+                </a:tc>
+                <a:extLst>
+                  <a:ext uri="{0D108BD9-81ED-4DB2-BD59-A6C34878D82A}">
+                    <a16:rowId xmlns:a16="http://schemas.microsoft.com/office/drawing/2014/main" val="3831709357"/>
+                  </a:ext>
+                </a:extLst>
+              </a:tr>
+              <a:tr h="370840">
+                <a:tc>
+                  <a:txBody>
+                    <a:bodyPr/>
+                    <a:lstStyle/>
+                    <a:p>
+                      <a:endParaRPr lang="de-DE"/>
+                    </a:p>
+                  </a:txBody>
+                  <a:tcPr/>
+                </a:tc>
+                <a:tc>
+                  <a:txBody>
+                    <a:bodyPr/>
+                    <a:lstStyle/>
+                    <a:p>
+                      <a:r>
+                        <a:rPr lang="de-DE" dirty="0"/>
+                        <a:t>es </a:t>
+                      </a:r>
+                      <a:r>
+                        <a:rPr lang="de-DE" dirty="0" err="1"/>
+                        <a:t>name</a:t>
+                      </a:r>
+                      <a:endParaRPr lang="de-DE" dirty="0"/>
+                    </a:p>
+                  </a:txBody>
+                  <a:tcPr/>
+                </a:tc>
+                <a:tc>
+                  <a:txBody>
+                    <a:bodyPr/>
+                    <a:lstStyle/>
+                    <a:p>
+                      <a:endParaRPr lang="de-DE"/>
+                    </a:p>
+                  </a:txBody>
+                  <a:tcPr/>
+                </a:tc>
+                <a:extLst>
+                  <a:ext uri="{0D108BD9-81ED-4DB2-BD59-A6C34878D82A}">
+                    <a16:rowId xmlns:a16="http://schemas.microsoft.com/office/drawing/2014/main" val="4149089050"/>
+                  </a:ext>
+                </a:extLst>
+              </a:tr>
+              <a:tr h="370840">
+                <a:tc>
+                  <a:txBody>
+                    <a:bodyPr/>
+                    <a:lstStyle/>
+                    <a:p>
+                      <a:endParaRPr lang="de-DE"/>
+                    </a:p>
+                  </a:txBody>
+                  <a:tcPr/>
+                </a:tc>
+                <a:tc>
+                  <a:txBody>
+                    <a:bodyPr/>
+                    <a:lstStyle/>
+                    <a:p>
+                      <a:r>
+                        <a:rPr lang="de-DE" dirty="0"/>
+                        <a:t>es </a:t>
+                      </a:r>
+                      <a:r>
+                        <a:rPr lang="de-DE" dirty="0" err="1"/>
+                        <a:t>latitude</a:t>
+                      </a:r>
+                      <a:endParaRPr lang="de-DE" dirty="0"/>
+                    </a:p>
+                  </a:txBody>
+                  <a:tcPr/>
+                </a:tc>
+                <a:tc>
+                  <a:txBody>
+                    <a:bodyPr/>
+                    <a:lstStyle/>
+                    <a:p>
+                      <a:endParaRPr lang="de-DE"/>
+                    </a:p>
+                  </a:txBody>
+                  <a:tcPr/>
+                </a:tc>
+                <a:extLst>
+                  <a:ext uri="{0D108BD9-81ED-4DB2-BD59-A6C34878D82A}">
+                    <a16:rowId xmlns:a16="http://schemas.microsoft.com/office/drawing/2014/main" val="4016626904"/>
+                  </a:ext>
+                </a:extLst>
+              </a:tr>
+              <a:tr h="370840">
+                <a:tc>
+                  <a:txBody>
+                    <a:bodyPr/>
+                    <a:lstStyle/>
+                    <a:p>
+                      <a:endParaRPr lang="de-DE"/>
+                    </a:p>
+                  </a:txBody>
+                  <a:tcPr/>
+                </a:tc>
+                <a:tc>
+                  <a:txBody>
+                    <a:bodyPr/>
+                    <a:lstStyle/>
+                    <a:p>
+                      <a:r>
+                        <a:rPr lang="de-DE" dirty="0"/>
+                        <a:t>es </a:t>
+                      </a:r>
+                      <a:r>
+                        <a:rPr lang="de-DE" dirty="0" err="1"/>
+                        <a:t>longitude</a:t>
+                      </a:r>
+                      <a:endParaRPr lang="de-DE" dirty="0"/>
+                    </a:p>
+                  </a:txBody>
+                  <a:tcPr/>
+                </a:tc>
+                <a:tc>
+                  <a:txBody>
+                    <a:bodyPr/>
+                    <a:lstStyle/>
+                    <a:p>
+                      <a:endParaRPr lang="de-DE" dirty="0"/>
+                    </a:p>
+                  </a:txBody>
+                  <a:tcPr/>
+                </a:tc>
+                <a:extLst>
+                  <a:ext uri="{0D108BD9-81ED-4DB2-BD59-A6C34878D82A}">
+                    <a16:rowId xmlns:a16="http://schemas.microsoft.com/office/drawing/2014/main" val="900928343"/>
+                  </a:ext>
+                </a:extLst>
+              </a:tr>
+            </a:tbl>
+          </a:graphicData>
+        </a:graphic>
+      </p:graphicFrame>
+      <p:sp>
+        <p:nvSpPr>
+          <p:cNvPr id="3" name="Inhaltsplatzhalter 2">
+            <a:extLst>
+              <a:ext uri="{FF2B5EF4-FFF2-40B4-BE49-F238E27FC236}">
+                <a16:creationId xmlns:a16="http://schemas.microsoft.com/office/drawing/2014/main" id="{52BD2D4C-CF68-4625-A45A-0F234D4F1EEF}"/>
+              </a:ext>
+            </a:extLst>
+          </p:cNvPr>
+          <p:cNvSpPr>
+            <a:spLocks noGrp="1"/>
+          </p:cNvSpPr>
+          <p:nvPr>
+            <p:ph sz="half" idx="2"/>
+          </p:nvPr>
+        </p:nvSpPr>
+        <p:spPr/>
+        <p:txBody>
+          <a:bodyPr/>
+          <a:lstStyle/>
+          <a:p>
+            <a:r>
+              <a:rPr lang="de-DE" dirty="0"/>
+              <a:t>Average Trip Duration</a:t>
+            </a:r>
+          </a:p>
+        </p:txBody>
+      </p:sp>
+      <p:sp>
+        <p:nvSpPr>
+          <p:cNvPr id="4" name="Datumsplatzhalter 3">
+            <a:extLst>
+              <a:ext uri="{FF2B5EF4-FFF2-40B4-BE49-F238E27FC236}">
+                <a16:creationId xmlns:a16="http://schemas.microsoft.com/office/drawing/2014/main" id="{43945677-3631-481A-882E-76077C52A6F9}"/>
+              </a:ext>
+            </a:extLst>
+          </p:cNvPr>
+          <p:cNvSpPr>
+            <a:spLocks noGrp="1"/>
+          </p:cNvSpPr>
+          <p:nvPr>
+            <p:ph type="dt" sz="half" idx="10"/>
+          </p:nvPr>
+        </p:nvSpPr>
+        <p:spPr/>
+        <p:txBody>
+          <a:bodyPr/>
+          <a:lstStyle/>
+          <a:p>
+            <a:pPr rtl="0"/>
+            <a:fld id="{FB7C0C16-5521-4517-AFDE-676F786A1296}" type="datetime1">
+              <a:rPr lang="de-DE" smtClean="0"/>
+              <a:t>29.11.2021</a:t>
+            </a:fld>
+            <a:endParaRPr lang="en-US"/>
+          </a:p>
+        </p:txBody>
+      </p:sp>
+    </p:spTree>
+    <p:extLst>
+      <p:ext uri="{BB962C8B-B14F-4D97-AF65-F5344CB8AC3E}">
+        <p14:creationId xmlns:p14="http://schemas.microsoft.com/office/powerpoint/2010/main" val="152879030"/>
+      </p:ext>
+    </p:extLst>
+  </p:cSld>
+  <p:clrMapOvr>
+    <a:masterClrMapping/>
+  </p:clrMapOvr>
+</p:sld>
+</file>
+
+<file path=ppt/slides/slide6.xml><?xml version="1.0" encoding="utf-8"?>
+<p:sld xmlns:a="http://schemas.openxmlformats.org/drawingml/2006/main" xmlns:r="http://schemas.openxmlformats.org/officeDocument/2006/relationships" xmlns:p="http://schemas.openxmlformats.org/presentationml/2006/main">
+  <p:cSld>
+    <p:spTree>
+      <p:nvGrpSpPr>
+        <p:cNvPr id="1" name=""/>
+        <p:cNvGrpSpPr/>
+        <p:nvPr/>
+      </p:nvGrpSpPr>
+      <p:grpSpPr>
+        <a:xfrm>
+          <a:off x="0" y="0"/>
+          <a:ext cx="0" cy="0"/>
+          <a:chOff x="0" y="0"/>
+          <a:chExt cx="0" cy="0"/>
+        </a:xfrm>
+      </p:grpSpPr>
+      <p:sp>
+        <p:nvSpPr>
+          <p:cNvPr id="2" name="Titel 1">
+            <a:extLst>
+              <a:ext uri="{FF2B5EF4-FFF2-40B4-BE49-F238E27FC236}">
+                <a16:creationId xmlns:a16="http://schemas.microsoft.com/office/drawing/2014/main" id="{FD174655-ECDD-40AE-B5DE-FFEEC823E37C}"/>
+              </a:ext>
+            </a:extLst>
+          </p:cNvPr>
+          <p:cNvSpPr>
+            <a:spLocks noGrp="1"/>
+          </p:cNvSpPr>
+          <p:nvPr>
+            <p:ph type="title"/>
+          </p:nvPr>
+        </p:nvSpPr>
+        <p:spPr/>
+        <p:txBody>
+          <a:bodyPr/>
+          <a:lstStyle/>
+          <a:p>
+            <a:r>
+              <a:rPr lang="de-DE" dirty="0"/>
+              <a:t>Benötigte KPIs</a:t>
+            </a:r>
+          </a:p>
+        </p:txBody>
+      </p:sp>
+      <p:graphicFrame>
+        <p:nvGraphicFramePr>
+          <p:cNvPr id="9" name="Tabelle 9">
+            <a:extLst>
+              <a:ext uri="{FF2B5EF4-FFF2-40B4-BE49-F238E27FC236}">
+                <a16:creationId xmlns:a16="http://schemas.microsoft.com/office/drawing/2014/main" id="{66CD1557-6C0C-4629-B891-910C11B46237}"/>
+              </a:ext>
+            </a:extLst>
+          </p:cNvPr>
+          <p:cNvGraphicFramePr>
+            <a:graphicFrameLocks noGrp="1"/>
+          </p:cNvGraphicFramePr>
+          <p:nvPr>
+            <p:ph sz="half" idx="1"/>
+            <p:extLst>
+              <p:ext uri="{D42A27DB-BD31-4B8C-83A1-F6EECF244321}">
+                <p14:modId xmlns:p14="http://schemas.microsoft.com/office/powerpoint/2010/main" val="997972678"/>
+              </p:ext>
+            </p:extLst>
+          </p:nvPr>
+        </p:nvGraphicFramePr>
+        <p:xfrm>
+          <a:off x="1066800" y="2103438"/>
+          <a:ext cx="4664073" cy="3606800"/>
+        </p:xfrm>
+        <a:graphic>
+          <a:graphicData uri="http://schemas.openxmlformats.org/drawingml/2006/table">
+            <a:tbl>
+              <a:tblPr firstRow="1" bandRow="1">
+                <a:tableStyleId>{5C22544A-7EE6-4342-B048-85BDC9FD1C3A}</a:tableStyleId>
+              </a:tblPr>
+              <a:tblGrid>
+                <a:gridCol w="1554691">
+                  <a:extLst>
+                    <a:ext uri="{9D8B030D-6E8A-4147-A177-3AD203B41FA5}">
+                      <a16:colId xmlns:a16="http://schemas.microsoft.com/office/drawing/2014/main" val="3952612340"/>
+                    </a:ext>
+                  </a:extLst>
+                </a:gridCol>
+                <a:gridCol w="1554691">
+                  <a:extLst>
+                    <a:ext uri="{9D8B030D-6E8A-4147-A177-3AD203B41FA5}">
+                      <a16:colId xmlns:a16="http://schemas.microsoft.com/office/drawing/2014/main" val="3364651312"/>
+                    </a:ext>
+                  </a:extLst>
+                </a:gridCol>
+                <a:gridCol w="1554691">
+                  <a:extLst>
+                    <a:ext uri="{9D8B030D-6E8A-4147-A177-3AD203B41FA5}">
+                      <a16:colId xmlns:a16="http://schemas.microsoft.com/office/drawing/2014/main" val="1133834179"/>
+                    </a:ext>
+                  </a:extLst>
+                </a:gridCol>
+              </a:tblGrid>
+              <a:tr h="370840">
+                <a:tc>
+                  <a:txBody>
+                    <a:bodyPr/>
+                    <a:lstStyle/>
+                    <a:p>
+                      <a:r>
+                        <a:rPr lang="de-DE" dirty="0"/>
+                        <a:t>Tripdaten</a:t>
+                      </a:r>
+                    </a:p>
+                  </a:txBody>
+                  <a:tcPr/>
+                </a:tc>
+                <a:tc>
+                  <a:txBody>
+                    <a:bodyPr/>
+                    <a:lstStyle/>
+                    <a:p>
+                      <a:r>
+                        <a:rPr lang="de-DE" dirty="0"/>
+                        <a:t>Stationsdaten</a:t>
+                      </a:r>
+                    </a:p>
+                  </a:txBody>
+                  <a:tcPr/>
+                </a:tc>
+                <a:tc>
+                  <a:txBody>
+                    <a:bodyPr/>
+                    <a:lstStyle/>
+                    <a:p>
+                      <a:r>
+                        <a:rPr lang="de-DE" dirty="0"/>
+                        <a:t>Userdaten</a:t>
+                      </a:r>
+                    </a:p>
+                  </a:txBody>
+                  <a:tcPr/>
+                </a:tc>
+                <a:extLst>
+                  <a:ext uri="{0D108BD9-81ED-4DB2-BD59-A6C34878D82A}">
+                    <a16:rowId xmlns:a16="http://schemas.microsoft.com/office/drawing/2014/main" val="3255181740"/>
+                  </a:ext>
+                </a:extLst>
+              </a:tr>
+              <a:tr h="370840">
+                <a:tc>
+                  <a:txBody>
+                    <a:bodyPr/>
+                    <a:lstStyle/>
+                    <a:p>
+                      <a:r>
+                        <a:rPr lang="de-DE" dirty="0" err="1">
+                          <a:solidFill>
+                            <a:schemeClr val="tx1"/>
+                          </a:solidFill>
+                        </a:rPr>
+                        <a:t>tripduration</a:t>
+                      </a:r>
+                      <a:endParaRPr lang="de-DE" dirty="0">
+                        <a:solidFill>
+                          <a:schemeClr val="tx1"/>
+                        </a:solidFill>
+                      </a:endParaRPr>
+                    </a:p>
+                  </a:txBody>
+                  <a:tcPr/>
+                </a:tc>
+                <a:tc>
+                  <a:txBody>
+                    <a:bodyPr/>
+                    <a:lstStyle/>
+                    <a:p>
+                      <a:r>
+                        <a:rPr lang="de-DE" dirty="0" err="1"/>
+                        <a:t>ss</a:t>
+                      </a:r>
+                      <a:r>
+                        <a:rPr lang="de-DE" dirty="0"/>
+                        <a:t> </a:t>
+                      </a:r>
+                      <a:r>
+                        <a:rPr lang="de-DE" dirty="0" err="1"/>
+                        <a:t>id</a:t>
+                      </a:r>
+                      <a:endParaRPr lang="de-DE" dirty="0"/>
+                    </a:p>
+                  </a:txBody>
+                  <a:tcPr/>
+                </a:tc>
+                <a:tc>
+                  <a:txBody>
+                    <a:bodyPr/>
+                    <a:lstStyle/>
+                    <a:p>
+                      <a:r>
+                        <a:rPr lang="de-DE" dirty="0" err="1"/>
+                        <a:t>usertype</a:t>
+                      </a:r>
+                      <a:endParaRPr lang="de-DE" dirty="0"/>
+                    </a:p>
+                  </a:txBody>
+                  <a:tcPr/>
+                </a:tc>
+                <a:extLst>
+                  <a:ext uri="{0D108BD9-81ED-4DB2-BD59-A6C34878D82A}">
+                    <a16:rowId xmlns:a16="http://schemas.microsoft.com/office/drawing/2014/main" val="198174280"/>
+                  </a:ext>
+                </a:extLst>
+              </a:tr>
+              <a:tr h="370840">
+                <a:tc>
+                  <a:txBody>
+                    <a:bodyPr/>
+                    <a:lstStyle/>
+                    <a:p>
+                      <a:r>
+                        <a:rPr lang="de-DE" dirty="0"/>
+                        <a:t>starttime</a:t>
+                      </a:r>
+                    </a:p>
+                  </a:txBody>
+                  <a:tcPr/>
+                </a:tc>
+                <a:tc>
+                  <a:txBody>
+                    <a:bodyPr/>
+                    <a:lstStyle/>
+                    <a:p>
+                      <a:r>
+                        <a:rPr lang="de-DE" dirty="0" err="1"/>
+                        <a:t>ss</a:t>
+                      </a:r>
+                      <a:r>
+                        <a:rPr lang="de-DE" dirty="0"/>
+                        <a:t> </a:t>
+                      </a:r>
+                      <a:r>
+                        <a:rPr lang="de-DE" dirty="0" err="1"/>
+                        <a:t>name</a:t>
+                      </a:r>
+                      <a:endParaRPr lang="de-DE" dirty="0"/>
+                    </a:p>
+                  </a:txBody>
+                  <a:tcPr/>
+                </a:tc>
+                <a:tc>
+                  <a:txBody>
+                    <a:bodyPr/>
+                    <a:lstStyle/>
+                    <a:p>
+                      <a:r>
+                        <a:rPr lang="de-DE" dirty="0" err="1"/>
+                        <a:t>birth</a:t>
+                      </a:r>
+                      <a:r>
+                        <a:rPr lang="de-DE" dirty="0"/>
+                        <a:t> </a:t>
+                      </a:r>
+                      <a:r>
+                        <a:rPr lang="de-DE" dirty="0" err="1"/>
+                        <a:t>year</a:t>
+                      </a:r>
+                      <a:endParaRPr lang="de-DE" dirty="0"/>
+                    </a:p>
+                  </a:txBody>
+                  <a:tcPr/>
+                </a:tc>
+                <a:extLst>
+                  <a:ext uri="{0D108BD9-81ED-4DB2-BD59-A6C34878D82A}">
+                    <a16:rowId xmlns:a16="http://schemas.microsoft.com/office/drawing/2014/main" val="1089450365"/>
+                  </a:ext>
+                </a:extLst>
+              </a:tr>
+              <a:tr h="370840">
+                <a:tc>
+                  <a:txBody>
+                    <a:bodyPr/>
+                    <a:lstStyle/>
+                    <a:p>
+                      <a:r>
+                        <a:rPr lang="de-DE" dirty="0" err="1"/>
+                        <a:t>stoptime</a:t>
+                      </a:r>
+                      <a:endParaRPr lang="de-DE" dirty="0"/>
+                    </a:p>
+                  </a:txBody>
+                  <a:tcPr/>
+                </a:tc>
+                <a:tc>
+                  <a:txBody>
+                    <a:bodyPr/>
+                    <a:lstStyle/>
+                    <a:p>
+                      <a:r>
+                        <a:rPr lang="de-DE" dirty="0" err="1">
+                          <a:solidFill>
+                            <a:srgbClr val="C00000"/>
+                          </a:solidFill>
+                        </a:rPr>
+                        <a:t>ss</a:t>
+                      </a:r>
+                      <a:r>
+                        <a:rPr lang="de-DE" dirty="0">
+                          <a:solidFill>
+                            <a:srgbClr val="C00000"/>
+                          </a:solidFill>
+                        </a:rPr>
+                        <a:t> </a:t>
+                      </a:r>
+                      <a:r>
+                        <a:rPr lang="de-DE" dirty="0" err="1">
+                          <a:solidFill>
+                            <a:srgbClr val="C00000"/>
+                          </a:solidFill>
+                        </a:rPr>
+                        <a:t>latitude</a:t>
+                      </a:r>
+                      <a:endParaRPr lang="de-DE" dirty="0">
+                        <a:solidFill>
+                          <a:srgbClr val="C00000"/>
+                        </a:solidFill>
+                      </a:endParaRPr>
+                    </a:p>
+                  </a:txBody>
+                  <a:tcPr/>
+                </a:tc>
+                <a:tc>
+                  <a:txBody>
+                    <a:bodyPr/>
+                    <a:lstStyle/>
+                    <a:p>
+                      <a:r>
+                        <a:rPr lang="de-DE" dirty="0" err="1"/>
+                        <a:t>gender</a:t>
+                      </a:r>
+                      <a:endParaRPr lang="de-DE" dirty="0"/>
+                    </a:p>
+                  </a:txBody>
+                  <a:tcPr/>
+                </a:tc>
+                <a:extLst>
+                  <a:ext uri="{0D108BD9-81ED-4DB2-BD59-A6C34878D82A}">
+                    <a16:rowId xmlns:a16="http://schemas.microsoft.com/office/drawing/2014/main" val="927326823"/>
+                  </a:ext>
+                </a:extLst>
+              </a:tr>
+              <a:tr h="370840">
+                <a:tc>
+                  <a:txBody>
+                    <a:bodyPr/>
+                    <a:lstStyle/>
+                    <a:p>
+                      <a:r>
+                        <a:rPr lang="de-DE" dirty="0" err="1"/>
+                        <a:t>bikeid</a:t>
+                      </a:r>
+                      <a:endParaRPr lang="de-DE" dirty="0"/>
+                    </a:p>
+                  </a:txBody>
+                  <a:tcPr/>
+                </a:tc>
+                <a:tc>
+                  <a:txBody>
+                    <a:bodyPr/>
+                    <a:lstStyle/>
+                    <a:p>
+                      <a:r>
+                        <a:rPr lang="de-DE" dirty="0" err="1">
+                          <a:solidFill>
+                            <a:srgbClr val="C00000"/>
+                          </a:solidFill>
+                        </a:rPr>
+                        <a:t>ss</a:t>
+                      </a:r>
+                      <a:r>
+                        <a:rPr lang="de-DE" dirty="0">
+                          <a:solidFill>
+                            <a:srgbClr val="C00000"/>
+                          </a:solidFill>
+                        </a:rPr>
+                        <a:t> </a:t>
+                      </a:r>
+                      <a:r>
+                        <a:rPr lang="de-DE" dirty="0" err="1">
+                          <a:solidFill>
+                            <a:srgbClr val="C00000"/>
+                          </a:solidFill>
+                        </a:rPr>
+                        <a:t>longitude</a:t>
+                      </a:r>
+                      <a:endParaRPr lang="de-DE" dirty="0">
+                        <a:solidFill>
+                          <a:srgbClr val="C00000"/>
+                        </a:solidFill>
+                      </a:endParaRPr>
+                    </a:p>
+                  </a:txBody>
+                  <a:tcPr/>
+                </a:tc>
+                <a:tc>
+                  <a:txBody>
+                    <a:bodyPr/>
+                    <a:lstStyle/>
+                    <a:p>
+                      <a:endParaRPr lang="de-DE" dirty="0"/>
+                    </a:p>
+                  </a:txBody>
+                  <a:tcPr/>
+                </a:tc>
+                <a:extLst>
+                  <a:ext uri="{0D108BD9-81ED-4DB2-BD59-A6C34878D82A}">
+                    <a16:rowId xmlns:a16="http://schemas.microsoft.com/office/drawing/2014/main" val="3846195835"/>
+                  </a:ext>
+                </a:extLst>
+              </a:tr>
+              <a:tr h="370840">
+                <a:tc>
+                  <a:txBody>
+                    <a:bodyPr/>
+                    <a:lstStyle/>
+                    <a:p>
+                      <a:endParaRPr lang="de-DE"/>
+                    </a:p>
+                  </a:txBody>
+                  <a:tcPr/>
+                </a:tc>
+                <a:tc>
+                  <a:txBody>
+                    <a:bodyPr/>
+                    <a:lstStyle/>
+                    <a:p>
+                      <a:r>
+                        <a:rPr lang="de-DE" dirty="0"/>
+                        <a:t>es </a:t>
+                      </a:r>
+                      <a:r>
+                        <a:rPr lang="de-DE" dirty="0" err="1"/>
+                        <a:t>id</a:t>
+                      </a:r>
+                      <a:endParaRPr lang="de-DE" dirty="0"/>
+                    </a:p>
+                  </a:txBody>
+                  <a:tcPr/>
+                </a:tc>
+                <a:tc>
+                  <a:txBody>
+                    <a:bodyPr/>
+                    <a:lstStyle/>
+                    <a:p>
+                      <a:endParaRPr lang="de-DE" dirty="0"/>
+                    </a:p>
+                  </a:txBody>
+                  <a:tcPr/>
+                </a:tc>
+                <a:extLst>
+                  <a:ext uri="{0D108BD9-81ED-4DB2-BD59-A6C34878D82A}">
+                    <a16:rowId xmlns:a16="http://schemas.microsoft.com/office/drawing/2014/main" val="3831709357"/>
+                  </a:ext>
+                </a:extLst>
+              </a:tr>
+              <a:tr h="370840">
+                <a:tc>
+                  <a:txBody>
+                    <a:bodyPr/>
+                    <a:lstStyle/>
+                    <a:p>
+                      <a:endParaRPr lang="de-DE"/>
+                    </a:p>
+                  </a:txBody>
+                  <a:tcPr/>
+                </a:tc>
+                <a:tc>
+                  <a:txBody>
+                    <a:bodyPr/>
+                    <a:lstStyle/>
+                    <a:p>
+                      <a:r>
+                        <a:rPr lang="de-DE" dirty="0"/>
+                        <a:t>es </a:t>
+                      </a:r>
+                      <a:r>
+                        <a:rPr lang="de-DE" dirty="0" err="1"/>
+                        <a:t>name</a:t>
+                      </a:r>
+                      <a:endParaRPr lang="de-DE" dirty="0"/>
+                    </a:p>
+                  </a:txBody>
+                  <a:tcPr/>
+                </a:tc>
+                <a:tc>
+                  <a:txBody>
+                    <a:bodyPr/>
+                    <a:lstStyle/>
+                    <a:p>
+                      <a:endParaRPr lang="de-DE"/>
+                    </a:p>
+                  </a:txBody>
+                  <a:tcPr/>
+                </a:tc>
+                <a:extLst>
+                  <a:ext uri="{0D108BD9-81ED-4DB2-BD59-A6C34878D82A}">
+                    <a16:rowId xmlns:a16="http://schemas.microsoft.com/office/drawing/2014/main" val="4149089050"/>
+                  </a:ext>
+                </a:extLst>
+              </a:tr>
+              <a:tr h="370840">
+                <a:tc>
+                  <a:txBody>
+                    <a:bodyPr/>
+                    <a:lstStyle/>
+                    <a:p>
+                      <a:endParaRPr lang="de-DE"/>
+                    </a:p>
+                  </a:txBody>
+                  <a:tcPr/>
+                </a:tc>
+                <a:tc>
+                  <a:txBody>
+                    <a:bodyPr/>
+                    <a:lstStyle/>
+                    <a:p>
+                      <a:r>
+                        <a:rPr lang="de-DE" dirty="0">
+                          <a:solidFill>
+                            <a:srgbClr val="C00000"/>
+                          </a:solidFill>
+                        </a:rPr>
+                        <a:t>es </a:t>
+                      </a:r>
+                      <a:r>
+                        <a:rPr lang="de-DE" dirty="0" err="1">
+                          <a:solidFill>
+                            <a:srgbClr val="C00000"/>
+                          </a:solidFill>
+                        </a:rPr>
+                        <a:t>latitude</a:t>
+                      </a:r>
+                      <a:endParaRPr lang="de-DE" dirty="0">
+                        <a:solidFill>
+                          <a:srgbClr val="C00000"/>
+                        </a:solidFill>
+                      </a:endParaRPr>
+                    </a:p>
+                  </a:txBody>
+                  <a:tcPr/>
+                </a:tc>
+                <a:tc>
+                  <a:txBody>
+                    <a:bodyPr/>
+                    <a:lstStyle/>
+                    <a:p>
+                      <a:endParaRPr lang="de-DE"/>
+                    </a:p>
+                  </a:txBody>
+                  <a:tcPr/>
+                </a:tc>
+                <a:extLst>
+                  <a:ext uri="{0D108BD9-81ED-4DB2-BD59-A6C34878D82A}">
+                    <a16:rowId xmlns:a16="http://schemas.microsoft.com/office/drawing/2014/main" val="4016626904"/>
+                  </a:ext>
+                </a:extLst>
+              </a:tr>
+              <a:tr h="370840">
+                <a:tc>
+                  <a:txBody>
+                    <a:bodyPr/>
+                    <a:lstStyle/>
+                    <a:p>
+                      <a:endParaRPr lang="de-DE"/>
+                    </a:p>
+                  </a:txBody>
+                  <a:tcPr/>
+                </a:tc>
+                <a:tc>
+                  <a:txBody>
+                    <a:bodyPr/>
+                    <a:lstStyle/>
+                    <a:p>
+                      <a:r>
+                        <a:rPr lang="de-DE" dirty="0">
+                          <a:solidFill>
+                            <a:srgbClr val="C00000"/>
+                          </a:solidFill>
+                        </a:rPr>
+                        <a:t>es </a:t>
+                      </a:r>
+                      <a:r>
+                        <a:rPr lang="de-DE" dirty="0" err="1">
+                          <a:solidFill>
+                            <a:srgbClr val="C00000"/>
+                          </a:solidFill>
+                        </a:rPr>
+                        <a:t>longitude</a:t>
+                      </a:r>
+                      <a:endParaRPr lang="de-DE" dirty="0">
+                        <a:solidFill>
+                          <a:srgbClr val="C00000"/>
+                        </a:solidFill>
+                      </a:endParaRPr>
+                    </a:p>
+                  </a:txBody>
+                  <a:tcPr/>
+                </a:tc>
+                <a:tc>
+                  <a:txBody>
+                    <a:bodyPr/>
+                    <a:lstStyle/>
+                    <a:p>
+                      <a:endParaRPr lang="de-DE" dirty="0"/>
+                    </a:p>
+                  </a:txBody>
+                  <a:tcPr/>
+                </a:tc>
+                <a:extLst>
+                  <a:ext uri="{0D108BD9-81ED-4DB2-BD59-A6C34878D82A}">
+                    <a16:rowId xmlns:a16="http://schemas.microsoft.com/office/drawing/2014/main" val="900928343"/>
+                  </a:ext>
+                </a:extLst>
+              </a:tr>
+            </a:tbl>
+          </a:graphicData>
+        </a:graphic>
+      </p:graphicFrame>
+      <p:sp>
+        <p:nvSpPr>
+          <p:cNvPr id="3" name="Inhaltsplatzhalter 2">
+            <a:extLst>
+              <a:ext uri="{FF2B5EF4-FFF2-40B4-BE49-F238E27FC236}">
+                <a16:creationId xmlns:a16="http://schemas.microsoft.com/office/drawing/2014/main" id="{52BD2D4C-CF68-4625-A45A-0F234D4F1EEF}"/>
+              </a:ext>
+            </a:extLst>
+          </p:cNvPr>
+          <p:cNvSpPr>
+            <a:spLocks noGrp="1"/>
+          </p:cNvSpPr>
+          <p:nvPr>
+            <p:ph sz="half" idx="2"/>
+          </p:nvPr>
+        </p:nvSpPr>
+        <p:spPr/>
+        <p:txBody>
+          <a:bodyPr/>
+          <a:lstStyle/>
+          <a:p>
+            <a:r>
+              <a:rPr lang="de-DE" dirty="0"/>
+              <a:t>Average Trip </a:t>
+            </a:r>
+            <a:r>
+              <a:rPr lang="de-DE" dirty="0" err="1"/>
+              <a:t>Distance</a:t>
+            </a:r>
+            <a:endParaRPr lang="de-DE" dirty="0"/>
+          </a:p>
+        </p:txBody>
+      </p:sp>
+      <p:sp>
+        <p:nvSpPr>
+          <p:cNvPr id="4" name="Datumsplatzhalter 3">
+            <a:extLst>
+              <a:ext uri="{FF2B5EF4-FFF2-40B4-BE49-F238E27FC236}">
+                <a16:creationId xmlns:a16="http://schemas.microsoft.com/office/drawing/2014/main" id="{43945677-3631-481A-882E-76077C52A6F9}"/>
+              </a:ext>
+            </a:extLst>
+          </p:cNvPr>
+          <p:cNvSpPr>
+            <a:spLocks noGrp="1"/>
+          </p:cNvSpPr>
+          <p:nvPr>
+            <p:ph type="dt" sz="half" idx="10"/>
+          </p:nvPr>
+        </p:nvSpPr>
+        <p:spPr/>
+        <p:txBody>
+          <a:bodyPr/>
+          <a:lstStyle/>
+          <a:p>
+            <a:pPr rtl="0"/>
+            <a:fld id="{FB7C0C16-5521-4517-AFDE-676F786A1296}" type="datetime1">
+              <a:rPr lang="de-DE" smtClean="0"/>
+              <a:t>29.11.2021</a:t>
+            </a:fld>
+            <a:endParaRPr lang="en-US"/>
+          </a:p>
+        </p:txBody>
+      </p:sp>
+    </p:spTree>
+    <p:extLst>
+      <p:ext uri="{BB962C8B-B14F-4D97-AF65-F5344CB8AC3E}">
+        <p14:creationId xmlns:p14="http://schemas.microsoft.com/office/powerpoint/2010/main" val="4024729444"/>
+      </p:ext>
+    </p:extLst>
+  </p:cSld>
+  <p:clrMapOvr>
+    <a:masterClrMapping/>
+  </p:clrMapOvr>
+</p:sld>
+</file>
+
+<file path=ppt/slides/slide7.xml><?xml version="1.0" encoding="utf-8"?>
+<p:sld xmlns:a="http://schemas.openxmlformats.org/drawingml/2006/main" xmlns:r="http://schemas.openxmlformats.org/officeDocument/2006/relationships" xmlns:p="http://schemas.openxmlformats.org/presentationml/2006/main">
+  <p:cSld>
+    <p:spTree>
+      <p:nvGrpSpPr>
+        <p:cNvPr id="1" name=""/>
+        <p:cNvGrpSpPr/>
+        <p:nvPr/>
+      </p:nvGrpSpPr>
+      <p:grpSpPr>
+        <a:xfrm>
+          <a:off x="0" y="0"/>
+          <a:ext cx="0" cy="0"/>
+          <a:chOff x="0" y="0"/>
+          <a:chExt cx="0" cy="0"/>
+        </a:xfrm>
+      </p:grpSpPr>
+      <p:sp>
+        <p:nvSpPr>
+          <p:cNvPr id="2" name="Titel 1">
+            <a:extLst>
+              <a:ext uri="{FF2B5EF4-FFF2-40B4-BE49-F238E27FC236}">
+                <a16:creationId xmlns:a16="http://schemas.microsoft.com/office/drawing/2014/main" id="{FD174655-ECDD-40AE-B5DE-FFEEC823E37C}"/>
+              </a:ext>
+            </a:extLst>
+          </p:cNvPr>
+          <p:cNvSpPr>
+            <a:spLocks noGrp="1"/>
+          </p:cNvSpPr>
+          <p:nvPr>
+            <p:ph type="title"/>
+          </p:nvPr>
+        </p:nvSpPr>
+        <p:spPr/>
+        <p:txBody>
+          <a:bodyPr/>
+          <a:lstStyle/>
+          <a:p>
+            <a:r>
+              <a:rPr lang="de-DE" dirty="0"/>
+              <a:t>Benötigte KPIs</a:t>
+            </a:r>
+          </a:p>
+        </p:txBody>
+      </p:sp>
+      <p:graphicFrame>
+        <p:nvGraphicFramePr>
+          <p:cNvPr id="9" name="Tabelle 9">
+            <a:extLst>
+              <a:ext uri="{FF2B5EF4-FFF2-40B4-BE49-F238E27FC236}">
+                <a16:creationId xmlns:a16="http://schemas.microsoft.com/office/drawing/2014/main" id="{66CD1557-6C0C-4629-B891-910C11B46237}"/>
+              </a:ext>
+            </a:extLst>
+          </p:cNvPr>
+          <p:cNvGraphicFramePr>
+            <a:graphicFrameLocks noGrp="1"/>
+          </p:cNvGraphicFramePr>
+          <p:nvPr>
+            <p:ph sz="half" idx="1"/>
+            <p:extLst>
+              <p:ext uri="{D42A27DB-BD31-4B8C-83A1-F6EECF244321}">
+                <p14:modId xmlns:p14="http://schemas.microsoft.com/office/powerpoint/2010/main" val="1872019397"/>
+              </p:ext>
+            </p:extLst>
+          </p:nvPr>
+        </p:nvGraphicFramePr>
+        <p:xfrm>
+          <a:off x="1066800" y="2103438"/>
+          <a:ext cx="4664073" cy="3606800"/>
+        </p:xfrm>
+        <a:graphic>
+          <a:graphicData uri="http://schemas.openxmlformats.org/drawingml/2006/table">
+            <a:tbl>
+              <a:tblPr firstRow="1" bandRow="1">
+                <a:tableStyleId>{5C22544A-7EE6-4342-B048-85BDC9FD1C3A}</a:tableStyleId>
+              </a:tblPr>
+              <a:tblGrid>
+                <a:gridCol w="1554691">
+                  <a:extLst>
+                    <a:ext uri="{9D8B030D-6E8A-4147-A177-3AD203B41FA5}">
+                      <a16:colId xmlns:a16="http://schemas.microsoft.com/office/drawing/2014/main" val="3952612340"/>
+                    </a:ext>
+                  </a:extLst>
+                </a:gridCol>
+                <a:gridCol w="1554691">
+                  <a:extLst>
+                    <a:ext uri="{9D8B030D-6E8A-4147-A177-3AD203B41FA5}">
+                      <a16:colId xmlns:a16="http://schemas.microsoft.com/office/drawing/2014/main" val="3364651312"/>
+                    </a:ext>
+                  </a:extLst>
+                </a:gridCol>
+                <a:gridCol w="1554691">
+                  <a:extLst>
+                    <a:ext uri="{9D8B030D-6E8A-4147-A177-3AD203B41FA5}">
+                      <a16:colId xmlns:a16="http://schemas.microsoft.com/office/drawing/2014/main" val="1133834179"/>
+                    </a:ext>
+                  </a:extLst>
+                </a:gridCol>
+              </a:tblGrid>
+              <a:tr h="370840">
+                <a:tc>
+                  <a:txBody>
+                    <a:bodyPr/>
+                    <a:lstStyle/>
+                    <a:p>
+                      <a:r>
+                        <a:rPr lang="de-DE" dirty="0"/>
+                        <a:t>Tripdaten</a:t>
+                      </a:r>
+                    </a:p>
+                  </a:txBody>
+                  <a:tcPr/>
+                </a:tc>
+                <a:tc>
+                  <a:txBody>
+                    <a:bodyPr/>
+                    <a:lstStyle/>
+                    <a:p>
+                      <a:r>
+                        <a:rPr lang="de-DE" dirty="0"/>
+                        <a:t>Stationsdaten</a:t>
+                      </a:r>
+                    </a:p>
+                  </a:txBody>
+                  <a:tcPr/>
+                </a:tc>
+                <a:tc>
+                  <a:txBody>
+                    <a:bodyPr/>
+                    <a:lstStyle/>
+                    <a:p>
+                      <a:r>
+                        <a:rPr lang="de-DE" dirty="0"/>
+                        <a:t>Userdaten</a:t>
+                      </a:r>
+                    </a:p>
+                  </a:txBody>
+                  <a:tcPr/>
+                </a:tc>
+                <a:extLst>
+                  <a:ext uri="{0D108BD9-81ED-4DB2-BD59-A6C34878D82A}">
+                    <a16:rowId xmlns:a16="http://schemas.microsoft.com/office/drawing/2014/main" val="3255181740"/>
+                  </a:ext>
+                </a:extLst>
+              </a:tr>
+              <a:tr h="370840">
+                <a:tc>
+                  <a:txBody>
+                    <a:bodyPr/>
+                    <a:lstStyle/>
+                    <a:p>
+                      <a:r>
+                        <a:rPr lang="de-DE" dirty="0" err="1">
+                          <a:solidFill>
+                            <a:schemeClr val="tx1"/>
+                          </a:solidFill>
+                        </a:rPr>
+                        <a:t>tripduration</a:t>
+                      </a:r>
+                      <a:endParaRPr lang="de-DE" dirty="0">
+                        <a:solidFill>
+                          <a:schemeClr val="tx1"/>
+                        </a:solidFill>
+                      </a:endParaRPr>
+                    </a:p>
+                  </a:txBody>
+                  <a:tcPr/>
+                </a:tc>
+                <a:tc>
+                  <a:txBody>
+                    <a:bodyPr/>
+                    <a:lstStyle/>
+                    <a:p>
+                      <a:r>
+                        <a:rPr lang="de-DE" dirty="0" err="1"/>
+                        <a:t>ss</a:t>
+                      </a:r>
+                      <a:r>
+                        <a:rPr lang="de-DE" dirty="0"/>
+                        <a:t> </a:t>
+                      </a:r>
+                      <a:r>
+                        <a:rPr lang="de-DE" dirty="0" err="1"/>
+                        <a:t>id</a:t>
+                      </a:r>
+                      <a:endParaRPr lang="de-DE" dirty="0"/>
+                    </a:p>
+                  </a:txBody>
+                  <a:tcPr/>
+                </a:tc>
+                <a:tc>
+                  <a:txBody>
+                    <a:bodyPr/>
+                    <a:lstStyle/>
+                    <a:p>
+                      <a:r>
+                        <a:rPr lang="de-DE" dirty="0" err="1"/>
+                        <a:t>usertype</a:t>
+                      </a:r>
+                      <a:endParaRPr lang="de-DE" dirty="0"/>
+                    </a:p>
+                  </a:txBody>
+                  <a:tcPr/>
+                </a:tc>
+                <a:extLst>
+                  <a:ext uri="{0D108BD9-81ED-4DB2-BD59-A6C34878D82A}">
+                    <a16:rowId xmlns:a16="http://schemas.microsoft.com/office/drawing/2014/main" val="198174280"/>
+                  </a:ext>
+                </a:extLst>
+              </a:tr>
+              <a:tr h="370840">
+                <a:tc>
+                  <a:txBody>
+                    <a:bodyPr/>
+                    <a:lstStyle/>
+                    <a:p>
+                      <a:r>
+                        <a:rPr lang="de-DE" dirty="0"/>
+                        <a:t>starttime</a:t>
+                      </a:r>
+                    </a:p>
+                  </a:txBody>
+                  <a:tcPr/>
+                </a:tc>
+                <a:tc>
+                  <a:txBody>
+                    <a:bodyPr/>
+                    <a:lstStyle/>
+                    <a:p>
+                      <a:r>
+                        <a:rPr lang="de-DE" dirty="0" err="1"/>
+                        <a:t>ss</a:t>
+                      </a:r>
+                      <a:r>
+                        <a:rPr lang="de-DE" dirty="0"/>
+                        <a:t> </a:t>
+                      </a:r>
+                      <a:r>
+                        <a:rPr lang="de-DE" dirty="0" err="1"/>
+                        <a:t>name</a:t>
+                      </a:r>
+                      <a:endParaRPr lang="de-DE" dirty="0"/>
+                    </a:p>
+                  </a:txBody>
+                  <a:tcPr/>
+                </a:tc>
+                <a:tc>
+                  <a:txBody>
+                    <a:bodyPr/>
+                    <a:lstStyle/>
+                    <a:p>
+                      <a:r>
+                        <a:rPr lang="de-DE" dirty="0" err="1"/>
+                        <a:t>birth</a:t>
+                      </a:r>
+                      <a:r>
+                        <a:rPr lang="de-DE" dirty="0"/>
+                        <a:t> </a:t>
+                      </a:r>
+                      <a:r>
+                        <a:rPr lang="de-DE" dirty="0" err="1"/>
+                        <a:t>year</a:t>
+                      </a:r>
+                      <a:endParaRPr lang="de-DE" dirty="0"/>
+                    </a:p>
+                  </a:txBody>
+                  <a:tcPr/>
+                </a:tc>
+                <a:extLst>
+                  <a:ext uri="{0D108BD9-81ED-4DB2-BD59-A6C34878D82A}">
+                    <a16:rowId xmlns:a16="http://schemas.microsoft.com/office/drawing/2014/main" val="1089450365"/>
+                  </a:ext>
+                </a:extLst>
+              </a:tr>
+              <a:tr h="370840">
+                <a:tc>
+                  <a:txBody>
+                    <a:bodyPr/>
+                    <a:lstStyle/>
+                    <a:p>
+                      <a:r>
+                        <a:rPr lang="de-DE" dirty="0" err="1"/>
+                        <a:t>stoptime</a:t>
+                      </a:r>
+                      <a:endParaRPr lang="de-DE" dirty="0"/>
+                    </a:p>
+                  </a:txBody>
+                  <a:tcPr/>
+                </a:tc>
+                <a:tc>
+                  <a:txBody>
+                    <a:bodyPr/>
+                    <a:lstStyle/>
+                    <a:p>
+                      <a:r>
+                        <a:rPr lang="de-DE" dirty="0"/>
+                        <a:t>es </a:t>
+                      </a:r>
+                      <a:r>
+                        <a:rPr lang="de-DE" dirty="0" err="1"/>
+                        <a:t>id</a:t>
+                      </a:r>
+                      <a:endParaRPr lang="de-DE" dirty="0"/>
+                    </a:p>
+                  </a:txBody>
+                  <a:tcPr/>
+                </a:tc>
+                <a:tc>
+                  <a:txBody>
+                    <a:bodyPr/>
+                    <a:lstStyle/>
+                    <a:p>
+                      <a:r>
+                        <a:rPr lang="de-DE" dirty="0" err="1"/>
+                        <a:t>gender</a:t>
+                      </a:r>
+                      <a:endParaRPr lang="de-DE" dirty="0"/>
+                    </a:p>
+                  </a:txBody>
+                  <a:tcPr/>
+                </a:tc>
+                <a:extLst>
+                  <a:ext uri="{0D108BD9-81ED-4DB2-BD59-A6C34878D82A}">
+                    <a16:rowId xmlns:a16="http://schemas.microsoft.com/office/drawing/2014/main" val="927326823"/>
+                  </a:ext>
+                </a:extLst>
+              </a:tr>
+              <a:tr h="370840">
+                <a:tc>
+                  <a:txBody>
+                    <a:bodyPr/>
+                    <a:lstStyle/>
+                    <a:p>
+                      <a:r>
+                        <a:rPr lang="de-DE" dirty="0" err="1"/>
+                        <a:t>bikeid</a:t>
+                      </a:r>
+                      <a:endParaRPr lang="de-DE" dirty="0"/>
+                    </a:p>
+                  </a:txBody>
+                  <a:tcPr/>
+                </a:tc>
+                <a:tc>
+                  <a:txBody>
+                    <a:bodyPr/>
+                    <a:lstStyle/>
+                    <a:p>
+                      <a:r>
+                        <a:rPr lang="de-DE" dirty="0"/>
+                        <a:t>es </a:t>
+                      </a:r>
+                      <a:r>
+                        <a:rPr lang="de-DE" dirty="0" err="1"/>
+                        <a:t>name</a:t>
+                      </a:r>
+                      <a:endParaRPr lang="de-DE" dirty="0"/>
+                    </a:p>
+                  </a:txBody>
+                  <a:tcPr/>
+                </a:tc>
+                <a:tc>
+                  <a:txBody>
+                    <a:bodyPr/>
+                    <a:lstStyle/>
+                    <a:p>
+                      <a:endParaRPr lang="de-DE" dirty="0"/>
+                    </a:p>
+                  </a:txBody>
+                  <a:tcPr/>
+                </a:tc>
+                <a:extLst>
+                  <a:ext uri="{0D108BD9-81ED-4DB2-BD59-A6C34878D82A}">
+                    <a16:rowId xmlns:a16="http://schemas.microsoft.com/office/drawing/2014/main" val="3846195835"/>
+                  </a:ext>
+                </a:extLst>
+              </a:tr>
+              <a:tr h="370840">
+                <a:tc>
+                  <a:txBody>
+                    <a:bodyPr/>
+                    <a:lstStyle/>
+                    <a:p>
+                      <a:r>
+                        <a:rPr lang="de-DE" dirty="0" err="1">
+                          <a:solidFill>
+                            <a:srgbClr val="C00000"/>
+                          </a:solidFill>
+                        </a:rPr>
+                        <a:t>tripdistance</a:t>
+                      </a:r>
+                      <a:endParaRPr lang="de-DE" dirty="0">
+                        <a:solidFill>
+                          <a:srgbClr val="C00000"/>
+                        </a:solidFill>
+                      </a:endParaRPr>
+                    </a:p>
+                  </a:txBody>
+                  <a:tcPr/>
+                </a:tc>
+                <a:tc>
+                  <a:txBody>
+                    <a:bodyPr/>
+                    <a:lstStyle/>
+                    <a:p>
+                      <a:endParaRPr lang="de-DE" dirty="0"/>
+                    </a:p>
+                  </a:txBody>
+                  <a:tcPr/>
+                </a:tc>
+                <a:tc>
+                  <a:txBody>
+                    <a:bodyPr/>
+                    <a:lstStyle/>
+                    <a:p>
+                      <a:endParaRPr lang="de-DE" dirty="0"/>
+                    </a:p>
+                  </a:txBody>
+                  <a:tcPr/>
+                </a:tc>
+                <a:extLst>
+                  <a:ext uri="{0D108BD9-81ED-4DB2-BD59-A6C34878D82A}">
+                    <a16:rowId xmlns:a16="http://schemas.microsoft.com/office/drawing/2014/main" val="3831709357"/>
+                  </a:ext>
+                </a:extLst>
+              </a:tr>
+              <a:tr h="370840">
+                <a:tc>
+                  <a:txBody>
+                    <a:bodyPr/>
+                    <a:lstStyle/>
+                    <a:p>
+                      <a:endParaRPr lang="de-DE" dirty="0"/>
+                    </a:p>
+                  </a:txBody>
+                  <a:tcPr/>
+                </a:tc>
+                <a:tc>
+                  <a:txBody>
+                    <a:bodyPr/>
+                    <a:lstStyle/>
+                    <a:p>
+                      <a:endParaRPr lang="de-DE" dirty="0"/>
+                    </a:p>
+                  </a:txBody>
+                  <a:tcPr/>
+                </a:tc>
+                <a:tc>
+                  <a:txBody>
+                    <a:bodyPr/>
+                    <a:lstStyle/>
+                    <a:p>
+                      <a:endParaRPr lang="de-DE"/>
+                    </a:p>
+                  </a:txBody>
+                  <a:tcPr/>
+                </a:tc>
+                <a:extLst>
+                  <a:ext uri="{0D108BD9-81ED-4DB2-BD59-A6C34878D82A}">
+                    <a16:rowId xmlns:a16="http://schemas.microsoft.com/office/drawing/2014/main" val="4149089050"/>
+                  </a:ext>
+                </a:extLst>
+              </a:tr>
+              <a:tr h="370840">
+                <a:tc>
+                  <a:txBody>
+                    <a:bodyPr/>
+                    <a:lstStyle/>
+                    <a:p>
+                      <a:endParaRPr lang="de-DE"/>
+                    </a:p>
+                  </a:txBody>
+                  <a:tcPr/>
+                </a:tc>
+                <a:tc>
+                  <a:txBody>
+                    <a:bodyPr/>
+                    <a:lstStyle/>
+                    <a:p>
+                      <a:endParaRPr lang="de-DE" dirty="0"/>
+                    </a:p>
+                  </a:txBody>
+                  <a:tcPr/>
+                </a:tc>
+                <a:tc>
+                  <a:txBody>
+                    <a:bodyPr/>
+                    <a:lstStyle/>
+                    <a:p>
+                      <a:endParaRPr lang="de-DE" dirty="0"/>
+                    </a:p>
+                  </a:txBody>
+                  <a:tcPr/>
+                </a:tc>
+                <a:extLst>
+                  <a:ext uri="{0D108BD9-81ED-4DB2-BD59-A6C34878D82A}">
+                    <a16:rowId xmlns:a16="http://schemas.microsoft.com/office/drawing/2014/main" val="4016626904"/>
+                  </a:ext>
+                </a:extLst>
+              </a:tr>
+              <a:tr h="370840">
+                <a:tc>
+                  <a:txBody>
+                    <a:bodyPr/>
+                    <a:lstStyle/>
+                    <a:p>
+                      <a:endParaRPr lang="de-DE"/>
+                    </a:p>
+                  </a:txBody>
+                  <a:tcPr/>
+                </a:tc>
+                <a:tc>
+                  <a:txBody>
+                    <a:bodyPr/>
+                    <a:lstStyle/>
+                    <a:p>
+                      <a:endParaRPr lang="de-DE" dirty="0"/>
+                    </a:p>
+                  </a:txBody>
+                  <a:tcPr/>
+                </a:tc>
+                <a:tc>
+                  <a:txBody>
+                    <a:bodyPr/>
+                    <a:lstStyle/>
+                    <a:p>
+                      <a:endParaRPr lang="de-DE" dirty="0"/>
+                    </a:p>
+                  </a:txBody>
+                  <a:tcPr/>
+                </a:tc>
+                <a:extLst>
+                  <a:ext uri="{0D108BD9-81ED-4DB2-BD59-A6C34878D82A}">
+                    <a16:rowId xmlns:a16="http://schemas.microsoft.com/office/drawing/2014/main" val="900928343"/>
+                  </a:ext>
+                </a:extLst>
+              </a:tr>
+            </a:tbl>
+          </a:graphicData>
+        </a:graphic>
+      </p:graphicFrame>
+      <p:sp>
+        <p:nvSpPr>
+          <p:cNvPr id="3" name="Inhaltsplatzhalter 2">
+            <a:extLst>
+              <a:ext uri="{FF2B5EF4-FFF2-40B4-BE49-F238E27FC236}">
+                <a16:creationId xmlns:a16="http://schemas.microsoft.com/office/drawing/2014/main" id="{52BD2D4C-CF68-4625-A45A-0F234D4F1EEF}"/>
+              </a:ext>
+            </a:extLst>
+          </p:cNvPr>
+          <p:cNvSpPr>
+            <a:spLocks noGrp="1"/>
+          </p:cNvSpPr>
+          <p:nvPr>
+            <p:ph sz="half" idx="2"/>
+          </p:nvPr>
+        </p:nvSpPr>
+        <p:spPr/>
+        <p:txBody>
+          <a:bodyPr/>
+          <a:lstStyle/>
+          <a:p>
+            <a:r>
+              <a:rPr lang="de-DE" dirty="0"/>
+              <a:t>Average Trip </a:t>
+            </a:r>
+            <a:r>
+              <a:rPr lang="de-DE" dirty="0" err="1"/>
+              <a:t>Distance</a:t>
+            </a:r>
+            <a:endParaRPr lang="de-DE" dirty="0"/>
+          </a:p>
+        </p:txBody>
+      </p:sp>
+      <p:sp>
+        <p:nvSpPr>
+          <p:cNvPr id="4" name="Datumsplatzhalter 3">
+            <a:extLst>
+              <a:ext uri="{FF2B5EF4-FFF2-40B4-BE49-F238E27FC236}">
+                <a16:creationId xmlns:a16="http://schemas.microsoft.com/office/drawing/2014/main" id="{43945677-3631-481A-882E-76077C52A6F9}"/>
+              </a:ext>
+            </a:extLst>
+          </p:cNvPr>
+          <p:cNvSpPr>
+            <a:spLocks noGrp="1"/>
+          </p:cNvSpPr>
+          <p:nvPr>
+            <p:ph type="dt" sz="half" idx="10"/>
+          </p:nvPr>
+        </p:nvSpPr>
+        <p:spPr/>
+        <p:txBody>
+          <a:bodyPr/>
+          <a:lstStyle/>
+          <a:p>
+            <a:pPr rtl="0"/>
+            <a:fld id="{FB7C0C16-5521-4517-AFDE-676F786A1296}" type="datetime1">
+              <a:rPr lang="de-DE" smtClean="0"/>
+              <a:t>29.11.2021</a:t>
+            </a:fld>
+            <a:endParaRPr lang="en-US"/>
+          </a:p>
+        </p:txBody>
+      </p:sp>
+    </p:spTree>
+    <p:extLst>
+      <p:ext uri="{BB962C8B-B14F-4D97-AF65-F5344CB8AC3E}">
+        <p14:creationId xmlns:p14="http://schemas.microsoft.com/office/powerpoint/2010/main" val="2815726597"/>
+      </p:ext>
+    </p:extLst>
+  </p:cSld>
+  <p:clrMapOvr>
+    <a:masterClrMapping/>
+  </p:clrMapOvr>
+</p:sld>
+</file>
+
+<file path=ppt/slides/slide8.xml><?xml version="1.0" encoding="utf-8"?>
+<p:sld xmlns:a="http://schemas.openxmlformats.org/drawingml/2006/main" xmlns:r="http://schemas.openxmlformats.org/officeDocument/2006/relationships" xmlns:p="http://schemas.openxmlformats.org/presentationml/2006/main">
+  <p:cSld>
+    <p:spTree>
+      <p:nvGrpSpPr>
+        <p:cNvPr id="1" name=""/>
+        <p:cNvGrpSpPr/>
+        <p:nvPr/>
+      </p:nvGrpSpPr>
+      <p:grpSpPr>
+        <a:xfrm>
+          <a:off x="0" y="0"/>
+          <a:ext cx="0" cy="0"/>
+          <a:chOff x="0" y="0"/>
+          <a:chExt cx="0" cy="0"/>
+        </a:xfrm>
+      </p:grpSpPr>
+      <p:sp>
+        <p:nvSpPr>
+          <p:cNvPr id="2" name="Titel 1">
+            <a:extLst>
+              <a:ext uri="{FF2B5EF4-FFF2-40B4-BE49-F238E27FC236}">
+                <a16:creationId xmlns:a16="http://schemas.microsoft.com/office/drawing/2014/main" id="{FD174655-ECDD-40AE-B5DE-FFEEC823E37C}"/>
+              </a:ext>
+            </a:extLst>
+          </p:cNvPr>
+          <p:cNvSpPr>
+            <a:spLocks noGrp="1"/>
+          </p:cNvSpPr>
+          <p:nvPr>
+            <p:ph type="title"/>
+          </p:nvPr>
+        </p:nvSpPr>
+        <p:spPr/>
+        <p:txBody>
+          <a:bodyPr/>
+          <a:lstStyle/>
+          <a:p>
+            <a:r>
+              <a:rPr lang="de-DE" dirty="0"/>
+              <a:t>Benötigte KPIs</a:t>
+            </a:r>
+          </a:p>
+        </p:txBody>
+      </p:sp>
+      <p:graphicFrame>
+        <p:nvGraphicFramePr>
+          <p:cNvPr id="9" name="Tabelle 9">
+            <a:extLst>
+              <a:ext uri="{FF2B5EF4-FFF2-40B4-BE49-F238E27FC236}">
+                <a16:creationId xmlns:a16="http://schemas.microsoft.com/office/drawing/2014/main" id="{66CD1557-6C0C-4629-B891-910C11B46237}"/>
+              </a:ext>
+            </a:extLst>
+          </p:cNvPr>
+          <p:cNvGraphicFramePr>
+            <a:graphicFrameLocks noGrp="1"/>
+          </p:cNvGraphicFramePr>
+          <p:nvPr>
+            <p:ph sz="half" idx="1"/>
+            <p:extLst>
+              <p:ext uri="{D42A27DB-BD31-4B8C-83A1-F6EECF244321}">
+                <p14:modId xmlns:p14="http://schemas.microsoft.com/office/powerpoint/2010/main" val="2569836519"/>
+              </p:ext>
+            </p:extLst>
+          </p:nvPr>
+        </p:nvGraphicFramePr>
+        <p:xfrm>
+          <a:off x="1066800" y="2103438"/>
+          <a:ext cx="4664073" cy="3606800"/>
+        </p:xfrm>
+        <a:graphic>
+          <a:graphicData uri="http://schemas.openxmlformats.org/drawingml/2006/table">
+            <a:tbl>
+              <a:tblPr firstRow="1" bandRow="1">
+                <a:tableStyleId>{5C22544A-7EE6-4342-B048-85BDC9FD1C3A}</a:tableStyleId>
+              </a:tblPr>
+              <a:tblGrid>
+                <a:gridCol w="1554691">
+                  <a:extLst>
+                    <a:ext uri="{9D8B030D-6E8A-4147-A177-3AD203B41FA5}">
+                      <a16:colId xmlns:a16="http://schemas.microsoft.com/office/drawing/2014/main" val="3952612340"/>
+                    </a:ext>
+                  </a:extLst>
+                </a:gridCol>
+                <a:gridCol w="1554691">
+                  <a:extLst>
+                    <a:ext uri="{9D8B030D-6E8A-4147-A177-3AD203B41FA5}">
+                      <a16:colId xmlns:a16="http://schemas.microsoft.com/office/drawing/2014/main" val="3364651312"/>
+                    </a:ext>
+                  </a:extLst>
+                </a:gridCol>
+                <a:gridCol w="1554691">
+                  <a:extLst>
+                    <a:ext uri="{9D8B030D-6E8A-4147-A177-3AD203B41FA5}">
+                      <a16:colId xmlns:a16="http://schemas.microsoft.com/office/drawing/2014/main" val="1133834179"/>
+                    </a:ext>
+                  </a:extLst>
+                </a:gridCol>
+              </a:tblGrid>
+              <a:tr h="370840">
+                <a:tc>
+                  <a:txBody>
+                    <a:bodyPr/>
+                    <a:lstStyle/>
+                    <a:p>
+                      <a:r>
+                        <a:rPr lang="de-DE" dirty="0"/>
+                        <a:t>Tripdaten</a:t>
+                      </a:r>
+                    </a:p>
+                  </a:txBody>
+                  <a:tcPr/>
+                </a:tc>
+                <a:tc>
+                  <a:txBody>
+                    <a:bodyPr/>
+                    <a:lstStyle/>
+                    <a:p>
+                      <a:r>
+                        <a:rPr lang="de-DE" dirty="0"/>
+                        <a:t>Stationsdaten</a:t>
+                      </a:r>
+                    </a:p>
+                  </a:txBody>
+                  <a:tcPr/>
+                </a:tc>
+                <a:tc>
+                  <a:txBody>
+                    <a:bodyPr/>
+                    <a:lstStyle/>
+                    <a:p>
+                      <a:r>
+                        <a:rPr lang="de-DE" dirty="0"/>
+                        <a:t>Userdaten</a:t>
+                      </a:r>
+                    </a:p>
+                  </a:txBody>
+                  <a:tcPr/>
+                </a:tc>
+                <a:extLst>
+                  <a:ext uri="{0D108BD9-81ED-4DB2-BD59-A6C34878D82A}">
+                    <a16:rowId xmlns:a16="http://schemas.microsoft.com/office/drawing/2014/main" val="3255181740"/>
+                  </a:ext>
+                </a:extLst>
+              </a:tr>
+              <a:tr h="370840">
+                <a:tc>
+                  <a:txBody>
+                    <a:bodyPr/>
+                    <a:lstStyle/>
+                    <a:p>
+                      <a:r>
+                        <a:rPr lang="de-DE" dirty="0" err="1">
+                          <a:solidFill>
+                            <a:schemeClr val="tx1"/>
+                          </a:solidFill>
+                        </a:rPr>
+                        <a:t>tripduration</a:t>
+                      </a:r>
+                      <a:endParaRPr lang="de-DE" dirty="0">
+                        <a:solidFill>
+                          <a:schemeClr val="tx1"/>
+                        </a:solidFill>
+                      </a:endParaRPr>
+                    </a:p>
+                  </a:txBody>
+                  <a:tcPr/>
+                </a:tc>
+                <a:tc>
+                  <a:txBody>
+                    <a:bodyPr/>
+                    <a:lstStyle/>
+                    <a:p>
+                      <a:r>
+                        <a:rPr lang="de-DE" dirty="0" err="1"/>
+                        <a:t>ss</a:t>
+                      </a:r>
+                      <a:r>
+                        <a:rPr lang="de-DE" dirty="0"/>
+                        <a:t> </a:t>
+                      </a:r>
+                      <a:r>
+                        <a:rPr lang="de-DE" dirty="0" err="1"/>
+                        <a:t>id</a:t>
+                      </a:r>
+                      <a:endParaRPr lang="de-DE" dirty="0"/>
+                    </a:p>
+                  </a:txBody>
+                  <a:tcPr/>
+                </a:tc>
+                <a:tc>
+                  <a:txBody>
+                    <a:bodyPr/>
+                    <a:lstStyle/>
+                    <a:p>
+                      <a:r>
+                        <a:rPr lang="de-DE" dirty="0" err="1"/>
+                        <a:t>usertype</a:t>
+                      </a:r>
+                      <a:endParaRPr lang="de-DE" dirty="0"/>
+                    </a:p>
+                  </a:txBody>
+                  <a:tcPr/>
+                </a:tc>
+                <a:extLst>
+                  <a:ext uri="{0D108BD9-81ED-4DB2-BD59-A6C34878D82A}">
+                    <a16:rowId xmlns:a16="http://schemas.microsoft.com/office/drawing/2014/main" val="198174280"/>
+                  </a:ext>
+                </a:extLst>
+              </a:tr>
+              <a:tr h="370840">
+                <a:tc>
+                  <a:txBody>
+                    <a:bodyPr/>
+                    <a:lstStyle/>
+                    <a:p>
+                      <a:r>
+                        <a:rPr lang="de-DE" dirty="0"/>
+                        <a:t>starttime</a:t>
+                      </a:r>
+                    </a:p>
+                  </a:txBody>
+                  <a:tcPr/>
+                </a:tc>
+                <a:tc>
+                  <a:txBody>
+                    <a:bodyPr/>
+                    <a:lstStyle/>
+                    <a:p>
+                      <a:r>
+                        <a:rPr lang="de-DE" dirty="0" err="1"/>
+                        <a:t>ss</a:t>
+                      </a:r>
+                      <a:r>
+                        <a:rPr lang="de-DE" dirty="0"/>
+                        <a:t> </a:t>
+                      </a:r>
+                      <a:r>
+                        <a:rPr lang="de-DE" dirty="0" err="1"/>
+                        <a:t>name</a:t>
+                      </a:r>
+                      <a:endParaRPr lang="de-DE" dirty="0"/>
+                    </a:p>
+                  </a:txBody>
+                  <a:tcPr/>
+                </a:tc>
+                <a:tc>
+                  <a:txBody>
+                    <a:bodyPr/>
+                    <a:lstStyle/>
+                    <a:p>
+                      <a:r>
+                        <a:rPr lang="de-DE" dirty="0" err="1"/>
+                        <a:t>birth</a:t>
+                      </a:r>
+                      <a:r>
+                        <a:rPr lang="de-DE" dirty="0"/>
+                        <a:t> </a:t>
+                      </a:r>
+                      <a:r>
+                        <a:rPr lang="de-DE" dirty="0" err="1"/>
+                        <a:t>year</a:t>
+                      </a:r>
+                      <a:endParaRPr lang="de-DE" dirty="0"/>
+                    </a:p>
+                  </a:txBody>
+                  <a:tcPr/>
+                </a:tc>
+                <a:extLst>
+                  <a:ext uri="{0D108BD9-81ED-4DB2-BD59-A6C34878D82A}">
+                    <a16:rowId xmlns:a16="http://schemas.microsoft.com/office/drawing/2014/main" val="1089450365"/>
+                  </a:ext>
+                </a:extLst>
+              </a:tr>
+              <a:tr h="370840">
+                <a:tc>
+                  <a:txBody>
+                    <a:bodyPr/>
+                    <a:lstStyle/>
+                    <a:p>
+                      <a:r>
+                        <a:rPr lang="de-DE" dirty="0" err="1"/>
+                        <a:t>stoptime</a:t>
+                      </a:r>
+                      <a:endParaRPr lang="de-DE" dirty="0"/>
+                    </a:p>
+                  </a:txBody>
+                  <a:tcPr/>
+                </a:tc>
+                <a:tc>
+                  <a:txBody>
+                    <a:bodyPr/>
+                    <a:lstStyle/>
+                    <a:p>
+                      <a:r>
+                        <a:rPr lang="de-DE" dirty="0"/>
+                        <a:t>es </a:t>
+                      </a:r>
+                      <a:r>
+                        <a:rPr lang="de-DE" dirty="0" err="1"/>
+                        <a:t>id</a:t>
+                      </a:r>
+                      <a:endParaRPr lang="de-DE" dirty="0"/>
+                    </a:p>
+                  </a:txBody>
+                  <a:tcPr/>
+                </a:tc>
+                <a:tc>
+                  <a:txBody>
+                    <a:bodyPr/>
+                    <a:lstStyle/>
+                    <a:p>
+                      <a:r>
+                        <a:rPr lang="de-DE" dirty="0" err="1">
+                          <a:solidFill>
+                            <a:srgbClr val="C00000"/>
+                          </a:solidFill>
+                        </a:rPr>
+                        <a:t>gender</a:t>
+                      </a:r>
+                      <a:endParaRPr lang="de-DE" dirty="0">
+                        <a:solidFill>
+                          <a:srgbClr val="C00000"/>
+                        </a:solidFill>
+                      </a:endParaRPr>
+                    </a:p>
+                  </a:txBody>
+                  <a:tcPr/>
+                </a:tc>
+                <a:extLst>
+                  <a:ext uri="{0D108BD9-81ED-4DB2-BD59-A6C34878D82A}">
+                    <a16:rowId xmlns:a16="http://schemas.microsoft.com/office/drawing/2014/main" val="927326823"/>
+                  </a:ext>
+                </a:extLst>
+              </a:tr>
+              <a:tr h="370840">
+                <a:tc>
+                  <a:txBody>
+                    <a:bodyPr/>
+                    <a:lstStyle/>
+                    <a:p>
+                      <a:r>
+                        <a:rPr lang="de-DE" dirty="0" err="1"/>
+                        <a:t>bikeid</a:t>
+                      </a:r>
+                      <a:endParaRPr lang="de-DE" dirty="0"/>
+                    </a:p>
+                  </a:txBody>
+                  <a:tcPr/>
+                </a:tc>
+                <a:tc>
+                  <a:txBody>
+                    <a:bodyPr/>
+                    <a:lstStyle/>
+                    <a:p>
+                      <a:r>
+                        <a:rPr lang="de-DE" dirty="0"/>
+                        <a:t>es </a:t>
+                      </a:r>
+                      <a:r>
+                        <a:rPr lang="de-DE" dirty="0" err="1"/>
+                        <a:t>name</a:t>
+                      </a:r>
+                      <a:endParaRPr lang="de-DE" dirty="0"/>
+                    </a:p>
+                  </a:txBody>
+                  <a:tcPr/>
+                </a:tc>
+                <a:tc>
+                  <a:txBody>
+                    <a:bodyPr/>
+                    <a:lstStyle/>
+                    <a:p>
+                      <a:endParaRPr lang="de-DE" dirty="0"/>
+                    </a:p>
+                  </a:txBody>
+                  <a:tcPr/>
+                </a:tc>
+                <a:extLst>
+                  <a:ext uri="{0D108BD9-81ED-4DB2-BD59-A6C34878D82A}">
+                    <a16:rowId xmlns:a16="http://schemas.microsoft.com/office/drawing/2014/main" val="3846195835"/>
+                  </a:ext>
+                </a:extLst>
+              </a:tr>
+              <a:tr h="370840">
+                <a:tc>
+                  <a:txBody>
+                    <a:bodyPr/>
+                    <a:lstStyle/>
+                    <a:p>
+                      <a:r>
+                        <a:rPr lang="de-DE" dirty="0" err="1">
+                          <a:solidFill>
+                            <a:schemeClr val="tx1"/>
+                          </a:solidFill>
+                        </a:rPr>
+                        <a:t>tripdistance</a:t>
+                      </a:r>
+                      <a:endParaRPr lang="de-DE" dirty="0">
+                        <a:solidFill>
+                          <a:schemeClr val="tx1"/>
+                        </a:solidFill>
+                      </a:endParaRPr>
+                    </a:p>
+                  </a:txBody>
+                  <a:tcPr/>
+                </a:tc>
+                <a:tc>
+                  <a:txBody>
+                    <a:bodyPr/>
+                    <a:lstStyle/>
+                    <a:p>
+                      <a:endParaRPr lang="de-DE" dirty="0"/>
+                    </a:p>
+                  </a:txBody>
+                  <a:tcPr/>
+                </a:tc>
+                <a:tc>
+                  <a:txBody>
+                    <a:bodyPr/>
+                    <a:lstStyle/>
+                    <a:p>
+                      <a:endParaRPr lang="de-DE" dirty="0"/>
+                    </a:p>
+                  </a:txBody>
+                  <a:tcPr/>
+                </a:tc>
+                <a:extLst>
+                  <a:ext uri="{0D108BD9-81ED-4DB2-BD59-A6C34878D82A}">
+                    <a16:rowId xmlns:a16="http://schemas.microsoft.com/office/drawing/2014/main" val="3831709357"/>
+                  </a:ext>
+                </a:extLst>
+              </a:tr>
+              <a:tr h="370840">
+                <a:tc>
+                  <a:txBody>
+                    <a:bodyPr/>
+                    <a:lstStyle/>
+                    <a:p>
+                      <a:endParaRPr lang="de-DE" dirty="0"/>
+                    </a:p>
+                  </a:txBody>
+                  <a:tcPr/>
+                </a:tc>
+                <a:tc>
+                  <a:txBody>
+                    <a:bodyPr/>
+                    <a:lstStyle/>
+                    <a:p>
+                      <a:endParaRPr lang="de-DE" dirty="0"/>
+                    </a:p>
+                  </a:txBody>
+                  <a:tcPr/>
+                </a:tc>
+                <a:tc>
+                  <a:txBody>
+                    <a:bodyPr/>
+                    <a:lstStyle/>
+                    <a:p>
+                      <a:endParaRPr lang="de-DE"/>
+                    </a:p>
+                  </a:txBody>
+                  <a:tcPr/>
+                </a:tc>
+                <a:extLst>
+                  <a:ext uri="{0D108BD9-81ED-4DB2-BD59-A6C34878D82A}">
+                    <a16:rowId xmlns:a16="http://schemas.microsoft.com/office/drawing/2014/main" val="4149089050"/>
+                  </a:ext>
+                </a:extLst>
+              </a:tr>
+              <a:tr h="370840">
+                <a:tc>
+                  <a:txBody>
+                    <a:bodyPr/>
+                    <a:lstStyle/>
+                    <a:p>
+                      <a:endParaRPr lang="de-DE"/>
+                    </a:p>
+                  </a:txBody>
+                  <a:tcPr/>
+                </a:tc>
+                <a:tc>
+                  <a:txBody>
+                    <a:bodyPr/>
+                    <a:lstStyle/>
+                    <a:p>
+                      <a:endParaRPr lang="de-DE" dirty="0"/>
+                    </a:p>
+                  </a:txBody>
+                  <a:tcPr/>
+                </a:tc>
+                <a:tc>
+                  <a:txBody>
+                    <a:bodyPr/>
+                    <a:lstStyle/>
+                    <a:p>
+                      <a:endParaRPr lang="de-DE" dirty="0"/>
+                    </a:p>
+                  </a:txBody>
+                  <a:tcPr/>
+                </a:tc>
+                <a:extLst>
+                  <a:ext uri="{0D108BD9-81ED-4DB2-BD59-A6C34878D82A}">
+                    <a16:rowId xmlns:a16="http://schemas.microsoft.com/office/drawing/2014/main" val="4016626904"/>
+                  </a:ext>
+                </a:extLst>
+              </a:tr>
+              <a:tr h="370840">
+                <a:tc>
+                  <a:txBody>
+                    <a:bodyPr/>
+                    <a:lstStyle/>
+                    <a:p>
+                      <a:endParaRPr lang="de-DE"/>
+                    </a:p>
+                  </a:txBody>
+                  <a:tcPr/>
+                </a:tc>
+                <a:tc>
+                  <a:txBody>
+                    <a:bodyPr/>
+                    <a:lstStyle/>
+                    <a:p>
+                      <a:endParaRPr lang="de-DE" dirty="0"/>
+                    </a:p>
+                  </a:txBody>
+                  <a:tcPr/>
+                </a:tc>
+                <a:tc>
+                  <a:txBody>
+                    <a:bodyPr/>
+                    <a:lstStyle/>
+                    <a:p>
+                      <a:endParaRPr lang="de-DE" dirty="0"/>
+                    </a:p>
+                  </a:txBody>
+                  <a:tcPr/>
+                </a:tc>
+                <a:extLst>
+                  <a:ext uri="{0D108BD9-81ED-4DB2-BD59-A6C34878D82A}">
+                    <a16:rowId xmlns:a16="http://schemas.microsoft.com/office/drawing/2014/main" val="900928343"/>
+                  </a:ext>
+                </a:extLst>
+              </a:tr>
+            </a:tbl>
+          </a:graphicData>
+        </a:graphic>
+      </p:graphicFrame>
+      <p:sp>
+        <p:nvSpPr>
+          <p:cNvPr id="3" name="Inhaltsplatzhalter 2">
+            <a:extLst>
+              <a:ext uri="{FF2B5EF4-FFF2-40B4-BE49-F238E27FC236}">
+                <a16:creationId xmlns:a16="http://schemas.microsoft.com/office/drawing/2014/main" id="{52BD2D4C-CF68-4625-A45A-0F234D4F1EEF}"/>
+              </a:ext>
+            </a:extLst>
+          </p:cNvPr>
+          <p:cNvSpPr>
+            <a:spLocks noGrp="1"/>
+          </p:cNvSpPr>
+          <p:nvPr>
+            <p:ph sz="half" idx="2"/>
+          </p:nvPr>
+        </p:nvSpPr>
+        <p:spPr/>
+        <p:txBody>
+          <a:bodyPr/>
+          <a:lstStyle/>
+          <a:p>
+            <a:r>
+              <a:rPr lang="de-DE" dirty="0" err="1"/>
+              <a:t>Usage</a:t>
+            </a:r>
+            <a:r>
+              <a:rPr lang="de-DE" dirty="0"/>
+              <a:t> Share </a:t>
+            </a:r>
+            <a:r>
+              <a:rPr lang="de-DE" dirty="0" err="1"/>
+              <a:t>by</a:t>
+            </a:r>
+            <a:r>
+              <a:rPr lang="de-DE" dirty="0"/>
+              <a:t> </a:t>
+            </a:r>
+            <a:r>
+              <a:rPr lang="de-DE" dirty="0" err="1"/>
+              <a:t>gender</a:t>
+            </a:r>
+            <a:endParaRPr lang="de-DE" dirty="0"/>
+          </a:p>
+        </p:txBody>
+      </p:sp>
+      <p:sp>
+        <p:nvSpPr>
+          <p:cNvPr id="4" name="Datumsplatzhalter 3">
+            <a:extLst>
+              <a:ext uri="{FF2B5EF4-FFF2-40B4-BE49-F238E27FC236}">
+                <a16:creationId xmlns:a16="http://schemas.microsoft.com/office/drawing/2014/main" id="{43945677-3631-481A-882E-76077C52A6F9}"/>
+              </a:ext>
+            </a:extLst>
+          </p:cNvPr>
+          <p:cNvSpPr>
+            <a:spLocks noGrp="1"/>
+          </p:cNvSpPr>
+          <p:nvPr>
+            <p:ph type="dt" sz="half" idx="10"/>
+          </p:nvPr>
+        </p:nvSpPr>
+        <p:spPr/>
+        <p:txBody>
+          <a:bodyPr/>
+          <a:lstStyle/>
+          <a:p>
+            <a:pPr rtl="0"/>
+            <a:fld id="{FB7C0C16-5521-4517-AFDE-676F786A1296}" type="datetime1">
+              <a:rPr lang="de-DE" smtClean="0"/>
+              <a:t>29.11.2021</a:t>
+            </a:fld>
+            <a:endParaRPr lang="en-US"/>
+          </a:p>
+        </p:txBody>
+      </p:sp>
+    </p:spTree>
+    <p:extLst>
+      <p:ext uri="{BB962C8B-B14F-4D97-AF65-F5344CB8AC3E}">
+        <p14:creationId xmlns:p14="http://schemas.microsoft.com/office/powerpoint/2010/main" val="2424153333"/>
+      </p:ext>
+    </p:extLst>
+  </p:cSld>
+  <p:clrMapOvr>
+    <a:masterClrMapping/>
+  </p:clrMapOvr>
+</p:sld>
+</file>
+
+<file path=ppt/slides/slide9.xml><?xml version="1.0" encoding="utf-8"?>
+<p:sld xmlns:a="http://schemas.openxmlformats.org/drawingml/2006/main" xmlns:r="http://schemas.openxmlformats.org/officeDocument/2006/relationships" xmlns:p="http://schemas.openxmlformats.org/presentationml/2006/main">
+  <p:cSld>
+    <p:spTree>
+      <p:nvGrpSpPr>
+        <p:cNvPr id="1" name=""/>
+        <p:cNvGrpSpPr/>
+        <p:nvPr/>
+      </p:nvGrpSpPr>
+      <p:grpSpPr>
+        <a:xfrm>
+          <a:off x="0" y="0"/>
+          <a:ext cx="0" cy="0"/>
+          <a:chOff x="0" y="0"/>
+          <a:chExt cx="0" cy="0"/>
+        </a:xfrm>
+      </p:grpSpPr>
+      <p:sp>
+        <p:nvSpPr>
+          <p:cNvPr id="2" name="Titel 1">
+            <a:extLst>
+              <a:ext uri="{FF2B5EF4-FFF2-40B4-BE49-F238E27FC236}">
+                <a16:creationId xmlns:a16="http://schemas.microsoft.com/office/drawing/2014/main" id="{FD174655-ECDD-40AE-B5DE-FFEEC823E37C}"/>
+              </a:ext>
+            </a:extLst>
+          </p:cNvPr>
+          <p:cNvSpPr>
+            <a:spLocks noGrp="1"/>
+          </p:cNvSpPr>
+          <p:nvPr>
+            <p:ph type="title"/>
+          </p:nvPr>
+        </p:nvSpPr>
+        <p:spPr/>
+        <p:txBody>
+          <a:bodyPr/>
+          <a:lstStyle/>
+          <a:p>
+            <a:r>
+              <a:rPr lang="de-DE" dirty="0"/>
+              <a:t>Benötigte KPIs</a:t>
+            </a:r>
+          </a:p>
+        </p:txBody>
+      </p:sp>
+      <p:graphicFrame>
+        <p:nvGraphicFramePr>
+          <p:cNvPr id="9" name="Tabelle 9">
+            <a:extLst>
+              <a:ext uri="{FF2B5EF4-FFF2-40B4-BE49-F238E27FC236}">
+                <a16:creationId xmlns:a16="http://schemas.microsoft.com/office/drawing/2014/main" id="{66CD1557-6C0C-4629-B891-910C11B46237}"/>
+              </a:ext>
+            </a:extLst>
+          </p:cNvPr>
+          <p:cNvGraphicFramePr>
+            <a:graphicFrameLocks noGrp="1"/>
+          </p:cNvGraphicFramePr>
+          <p:nvPr>
+            <p:ph sz="half" idx="1"/>
+            <p:extLst>
+              <p:ext uri="{D42A27DB-BD31-4B8C-83A1-F6EECF244321}">
+                <p14:modId xmlns:p14="http://schemas.microsoft.com/office/powerpoint/2010/main" val="1877051319"/>
+              </p:ext>
+            </p:extLst>
+          </p:nvPr>
+        </p:nvGraphicFramePr>
+        <p:xfrm>
+          <a:off x="1066800" y="2103438"/>
+          <a:ext cx="4664073" cy="3606800"/>
+        </p:xfrm>
+        <a:graphic>
+          <a:graphicData uri="http://schemas.openxmlformats.org/drawingml/2006/table">
+            <a:tbl>
+              <a:tblPr firstRow="1" bandRow="1">
+                <a:tableStyleId>{5C22544A-7EE6-4342-B048-85BDC9FD1C3A}</a:tableStyleId>
+              </a:tblPr>
+              <a:tblGrid>
+                <a:gridCol w="1554691">
+                  <a:extLst>
+                    <a:ext uri="{9D8B030D-6E8A-4147-A177-3AD203B41FA5}">
+                      <a16:colId xmlns:a16="http://schemas.microsoft.com/office/drawing/2014/main" val="3952612340"/>
+                    </a:ext>
+                  </a:extLst>
+                </a:gridCol>
+                <a:gridCol w="1554691">
+                  <a:extLst>
+                    <a:ext uri="{9D8B030D-6E8A-4147-A177-3AD203B41FA5}">
+                      <a16:colId xmlns:a16="http://schemas.microsoft.com/office/drawing/2014/main" val="3364651312"/>
+                    </a:ext>
+                  </a:extLst>
+                </a:gridCol>
+                <a:gridCol w="1554691">
+                  <a:extLst>
+                    <a:ext uri="{9D8B030D-6E8A-4147-A177-3AD203B41FA5}">
+                      <a16:colId xmlns:a16="http://schemas.microsoft.com/office/drawing/2014/main" val="1133834179"/>
+                    </a:ext>
+                  </a:extLst>
+                </a:gridCol>
+              </a:tblGrid>
+              <a:tr h="370840">
+                <a:tc>
+                  <a:txBody>
+                    <a:bodyPr/>
+                    <a:lstStyle/>
+                    <a:p>
+                      <a:r>
+                        <a:rPr lang="de-DE" dirty="0"/>
+                        <a:t>Tripdaten</a:t>
+                      </a:r>
+                    </a:p>
+                  </a:txBody>
+                  <a:tcPr/>
+                </a:tc>
+                <a:tc>
+                  <a:txBody>
+                    <a:bodyPr/>
+                    <a:lstStyle/>
+                    <a:p>
+                      <a:r>
+                        <a:rPr lang="de-DE" dirty="0"/>
+                        <a:t>Stationsdaten</a:t>
+                      </a:r>
+                    </a:p>
+                  </a:txBody>
+                  <a:tcPr/>
+                </a:tc>
+                <a:tc>
+                  <a:txBody>
+                    <a:bodyPr/>
+                    <a:lstStyle/>
+                    <a:p>
+                      <a:r>
+                        <a:rPr lang="de-DE" dirty="0"/>
+                        <a:t>Userdaten</a:t>
+                      </a:r>
+                    </a:p>
+                  </a:txBody>
+                  <a:tcPr/>
+                </a:tc>
+                <a:extLst>
+                  <a:ext uri="{0D108BD9-81ED-4DB2-BD59-A6C34878D82A}">
+                    <a16:rowId xmlns:a16="http://schemas.microsoft.com/office/drawing/2014/main" val="3255181740"/>
+                  </a:ext>
+                </a:extLst>
+              </a:tr>
+              <a:tr h="370840">
+                <a:tc>
+                  <a:txBody>
+                    <a:bodyPr/>
+                    <a:lstStyle/>
+                    <a:p>
+                      <a:r>
+                        <a:rPr lang="de-DE" dirty="0" err="1">
+                          <a:solidFill>
+                            <a:schemeClr val="tx1"/>
+                          </a:solidFill>
+                        </a:rPr>
+                        <a:t>tripduration</a:t>
+                      </a:r>
+                      <a:endParaRPr lang="de-DE" dirty="0">
+                        <a:solidFill>
+                          <a:schemeClr val="tx1"/>
+                        </a:solidFill>
+                      </a:endParaRPr>
+                    </a:p>
+                  </a:txBody>
+                  <a:tcPr/>
+                </a:tc>
+                <a:tc>
+                  <a:txBody>
+                    <a:bodyPr/>
+                    <a:lstStyle/>
+                    <a:p>
+                      <a:r>
+                        <a:rPr lang="de-DE" dirty="0" err="1"/>
+                        <a:t>ss</a:t>
+                      </a:r>
+                      <a:r>
+                        <a:rPr lang="de-DE" dirty="0"/>
+                        <a:t> </a:t>
+                      </a:r>
+                      <a:r>
+                        <a:rPr lang="de-DE" dirty="0" err="1"/>
+                        <a:t>id</a:t>
+                      </a:r>
+                      <a:endParaRPr lang="de-DE" dirty="0"/>
+                    </a:p>
+                  </a:txBody>
+                  <a:tcPr/>
+                </a:tc>
+                <a:tc>
+                  <a:txBody>
+                    <a:bodyPr/>
+                    <a:lstStyle/>
+                    <a:p>
+                      <a:r>
+                        <a:rPr lang="de-DE" dirty="0" err="1"/>
+                        <a:t>usertype</a:t>
+                      </a:r>
+                      <a:endParaRPr lang="de-DE" dirty="0"/>
+                    </a:p>
+                  </a:txBody>
+                  <a:tcPr/>
+                </a:tc>
+                <a:extLst>
+                  <a:ext uri="{0D108BD9-81ED-4DB2-BD59-A6C34878D82A}">
+                    <a16:rowId xmlns:a16="http://schemas.microsoft.com/office/drawing/2014/main" val="198174280"/>
+                  </a:ext>
+                </a:extLst>
+              </a:tr>
+              <a:tr h="370840">
+                <a:tc>
+                  <a:txBody>
+                    <a:bodyPr/>
+                    <a:lstStyle/>
+                    <a:p>
+                      <a:r>
+                        <a:rPr lang="de-DE" dirty="0"/>
+                        <a:t>starttime</a:t>
+                      </a:r>
+                    </a:p>
+                  </a:txBody>
+                  <a:tcPr/>
+                </a:tc>
+                <a:tc>
+                  <a:txBody>
+                    <a:bodyPr/>
+                    <a:lstStyle/>
+                    <a:p>
+                      <a:r>
+                        <a:rPr lang="de-DE" dirty="0" err="1"/>
+                        <a:t>ss</a:t>
+                      </a:r>
+                      <a:r>
+                        <a:rPr lang="de-DE" dirty="0"/>
+                        <a:t> </a:t>
+                      </a:r>
+                      <a:r>
+                        <a:rPr lang="de-DE" dirty="0" err="1"/>
+                        <a:t>name</a:t>
+                      </a:r>
+                      <a:endParaRPr lang="de-DE" dirty="0"/>
+                    </a:p>
+                  </a:txBody>
+                  <a:tcPr/>
+                </a:tc>
+                <a:tc>
+                  <a:txBody>
+                    <a:bodyPr/>
+                    <a:lstStyle/>
+                    <a:p>
+                      <a:r>
+                        <a:rPr lang="de-DE" dirty="0" err="1">
+                          <a:solidFill>
+                            <a:srgbClr val="C00000"/>
+                          </a:solidFill>
+                        </a:rPr>
+                        <a:t>birth</a:t>
+                      </a:r>
+                      <a:r>
+                        <a:rPr lang="de-DE" dirty="0">
+                          <a:solidFill>
+                            <a:srgbClr val="C00000"/>
+                          </a:solidFill>
+                        </a:rPr>
+                        <a:t> </a:t>
+                      </a:r>
+                      <a:r>
+                        <a:rPr lang="de-DE" dirty="0" err="1">
+                          <a:solidFill>
+                            <a:srgbClr val="C00000"/>
+                          </a:solidFill>
+                        </a:rPr>
+                        <a:t>year</a:t>
+                      </a:r>
+                      <a:endParaRPr lang="de-DE" dirty="0">
+                        <a:solidFill>
+                          <a:srgbClr val="C00000"/>
+                        </a:solidFill>
+                      </a:endParaRPr>
+                    </a:p>
+                  </a:txBody>
+                  <a:tcPr/>
+                </a:tc>
+                <a:extLst>
+                  <a:ext uri="{0D108BD9-81ED-4DB2-BD59-A6C34878D82A}">
+                    <a16:rowId xmlns:a16="http://schemas.microsoft.com/office/drawing/2014/main" val="1089450365"/>
+                  </a:ext>
+                </a:extLst>
+              </a:tr>
+              <a:tr h="370840">
+                <a:tc>
+                  <a:txBody>
+                    <a:bodyPr/>
+                    <a:lstStyle/>
+                    <a:p>
+                      <a:r>
+                        <a:rPr lang="de-DE" dirty="0" err="1"/>
+                        <a:t>stoptime</a:t>
+                      </a:r>
+                      <a:endParaRPr lang="de-DE" dirty="0"/>
+                    </a:p>
+                  </a:txBody>
+                  <a:tcPr/>
+                </a:tc>
+                <a:tc>
+                  <a:txBody>
+                    <a:bodyPr/>
+                    <a:lstStyle/>
+                    <a:p>
+                      <a:r>
+                        <a:rPr lang="de-DE" dirty="0"/>
+                        <a:t>es </a:t>
+                      </a:r>
+                      <a:r>
+                        <a:rPr lang="de-DE" dirty="0" err="1"/>
+                        <a:t>id</a:t>
+                      </a:r>
+                      <a:endParaRPr lang="de-DE" dirty="0"/>
+                    </a:p>
+                  </a:txBody>
+                  <a:tcPr/>
+                </a:tc>
+                <a:tc>
+                  <a:txBody>
+                    <a:bodyPr/>
+                    <a:lstStyle/>
+                    <a:p>
+                      <a:r>
+                        <a:rPr lang="de-DE" dirty="0" err="1">
+                          <a:solidFill>
+                            <a:schemeClr val="tx1"/>
+                          </a:solidFill>
+                        </a:rPr>
+                        <a:t>gender</a:t>
+                      </a:r>
+                      <a:endParaRPr lang="de-DE" dirty="0">
+                        <a:solidFill>
+                          <a:schemeClr val="tx1"/>
+                        </a:solidFill>
+                      </a:endParaRPr>
+                    </a:p>
+                  </a:txBody>
+                  <a:tcPr/>
+                </a:tc>
+                <a:extLst>
+                  <a:ext uri="{0D108BD9-81ED-4DB2-BD59-A6C34878D82A}">
+                    <a16:rowId xmlns:a16="http://schemas.microsoft.com/office/drawing/2014/main" val="927326823"/>
+                  </a:ext>
+                </a:extLst>
+              </a:tr>
+              <a:tr h="370840">
+                <a:tc>
+                  <a:txBody>
+                    <a:bodyPr/>
+                    <a:lstStyle/>
+                    <a:p>
+                      <a:r>
+                        <a:rPr lang="de-DE" dirty="0" err="1"/>
+                        <a:t>bikeid</a:t>
+                      </a:r>
+                      <a:endParaRPr lang="de-DE" dirty="0"/>
+                    </a:p>
+                  </a:txBody>
+                  <a:tcPr/>
+                </a:tc>
+                <a:tc>
+                  <a:txBody>
+                    <a:bodyPr/>
+                    <a:lstStyle/>
+                    <a:p>
+                      <a:r>
+                        <a:rPr lang="de-DE" dirty="0"/>
+                        <a:t>es </a:t>
+                      </a:r>
+                      <a:r>
+                        <a:rPr lang="de-DE" dirty="0" err="1"/>
+                        <a:t>name</a:t>
+                      </a:r>
+                      <a:endParaRPr lang="de-DE" dirty="0"/>
+                    </a:p>
+                  </a:txBody>
+                  <a:tcPr/>
+                </a:tc>
+                <a:tc>
+                  <a:txBody>
+                    <a:bodyPr/>
+                    <a:lstStyle/>
+                    <a:p>
+                      <a:endParaRPr lang="de-DE" dirty="0"/>
+                    </a:p>
+                  </a:txBody>
+                  <a:tcPr/>
+                </a:tc>
+                <a:extLst>
+                  <a:ext uri="{0D108BD9-81ED-4DB2-BD59-A6C34878D82A}">
+                    <a16:rowId xmlns:a16="http://schemas.microsoft.com/office/drawing/2014/main" val="3846195835"/>
+                  </a:ext>
+                </a:extLst>
+              </a:tr>
+              <a:tr h="370840">
+                <a:tc>
+                  <a:txBody>
+                    <a:bodyPr/>
+                    <a:lstStyle/>
+                    <a:p>
+                      <a:r>
+                        <a:rPr lang="de-DE" dirty="0" err="1">
+                          <a:solidFill>
+                            <a:schemeClr val="tx1"/>
+                          </a:solidFill>
+                        </a:rPr>
+                        <a:t>tripdistance</a:t>
+                      </a:r>
+                      <a:endParaRPr lang="de-DE" dirty="0">
+                        <a:solidFill>
+                          <a:schemeClr val="tx1"/>
+                        </a:solidFill>
+                      </a:endParaRPr>
+                    </a:p>
+                  </a:txBody>
+                  <a:tcPr/>
+                </a:tc>
+                <a:tc>
+                  <a:txBody>
+                    <a:bodyPr/>
+                    <a:lstStyle/>
+                    <a:p>
+                      <a:endParaRPr lang="de-DE" dirty="0"/>
+                    </a:p>
+                  </a:txBody>
+                  <a:tcPr/>
+                </a:tc>
+                <a:tc>
+                  <a:txBody>
+                    <a:bodyPr/>
+                    <a:lstStyle/>
+                    <a:p>
+                      <a:endParaRPr lang="de-DE" dirty="0"/>
+                    </a:p>
+                  </a:txBody>
+                  <a:tcPr/>
+                </a:tc>
+                <a:extLst>
+                  <a:ext uri="{0D108BD9-81ED-4DB2-BD59-A6C34878D82A}">
+                    <a16:rowId xmlns:a16="http://schemas.microsoft.com/office/drawing/2014/main" val="3831709357"/>
+                  </a:ext>
+                </a:extLst>
+              </a:tr>
+              <a:tr h="370840">
+                <a:tc>
+                  <a:txBody>
+                    <a:bodyPr/>
+                    <a:lstStyle/>
+                    <a:p>
+                      <a:endParaRPr lang="de-DE" dirty="0"/>
+                    </a:p>
+                  </a:txBody>
+                  <a:tcPr/>
+                </a:tc>
+                <a:tc>
+                  <a:txBody>
+                    <a:bodyPr/>
+                    <a:lstStyle/>
+                    <a:p>
+                      <a:endParaRPr lang="de-DE" dirty="0"/>
+                    </a:p>
+                  </a:txBody>
+                  <a:tcPr/>
+                </a:tc>
+                <a:tc>
+                  <a:txBody>
+                    <a:bodyPr/>
+                    <a:lstStyle/>
+                    <a:p>
+                      <a:endParaRPr lang="de-DE"/>
+                    </a:p>
+                  </a:txBody>
+                  <a:tcPr/>
+                </a:tc>
+                <a:extLst>
+                  <a:ext uri="{0D108BD9-81ED-4DB2-BD59-A6C34878D82A}">
+                    <a16:rowId xmlns:a16="http://schemas.microsoft.com/office/drawing/2014/main" val="4149089050"/>
+                  </a:ext>
+                </a:extLst>
+              </a:tr>
+              <a:tr h="370840">
+                <a:tc>
+                  <a:txBody>
+                    <a:bodyPr/>
+                    <a:lstStyle/>
+                    <a:p>
+                      <a:endParaRPr lang="de-DE"/>
+                    </a:p>
+                  </a:txBody>
+                  <a:tcPr/>
+                </a:tc>
+                <a:tc>
+                  <a:txBody>
+                    <a:bodyPr/>
+                    <a:lstStyle/>
+                    <a:p>
+                      <a:endParaRPr lang="de-DE" dirty="0"/>
+                    </a:p>
+                  </a:txBody>
+                  <a:tcPr/>
+                </a:tc>
+                <a:tc>
+                  <a:txBody>
+                    <a:bodyPr/>
+                    <a:lstStyle/>
+                    <a:p>
+                      <a:endParaRPr lang="de-DE" dirty="0"/>
+                    </a:p>
+                  </a:txBody>
+                  <a:tcPr/>
+                </a:tc>
+                <a:extLst>
+                  <a:ext uri="{0D108BD9-81ED-4DB2-BD59-A6C34878D82A}">
+                    <a16:rowId xmlns:a16="http://schemas.microsoft.com/office/drawing/2014/main" val="4016626904"/>
+                  </a:ext>
+                </a:extLst>
+              </a:tr>
+              <a:tr h="370840">
+                <a:tc>
+                  <a:txBody>
+                    <a:bodyPr/>
+                    <a:lstStyle/>
+                    <a:p>
+                      <a:endParaRPr lang="de-DE"/>
+                    </a:p>
+                  </a:txBody>
+                  <a:tcPr/>
+                </a:tc>
+                <a:tc>
+                  <a:txBody>
+                    <a:bodyPr/>
+                    <a:lstStyle/>
+                    <a:p>
+                      <a:endParaRPr lang="de-DE" dirty="0"/>
+                    </a:p>
+                  </a:txBody>
+                  <a:tcPr/>
+                </a:tc>
+                <a:tc>
+                  <a:txBody>
+                    <a:bodyPr/>
+                    <a:lstStyle/>
+                    <a:p>
+                      <a:endParaRPr lang="de-DE" dirty="0"/>
+                    </a:p>
+                  </a:txBody>
+                  <a:tcPr/>
+                </a:tc>
+                <a:extLst>
+                  <a:ext uri="{0D108BD9-81ED-4DB2-BD59-A6C34878D82A}">
+                    <a16:rowId xmlns:a16="http://schemas.microsoft.com/office/drawing/2014/main" val="900928343"/>
+                  </a:ext>
+                </a:extLst>
+              </a:tr>
+            </a:tbl>
+          </a:graphicData>
+        </a:graphic>
+      </p:graphicFrame>
+      <p:sp>
+        <p:nvSpPr>
+          <p:cNvPr id="3" name="Inhaltsplatzhalter 2">
+            <a:extLst>
+              <a:ext uri="{FF2B5EF4-FFF2-40B4-BE49-F238E27FC236}">
+                <a16:creationId xmlns:a16="http://schemas.microsoft.com/office/drawing/2014/main" id="{52BD2D4C-CF68-4625-A45A-0F234D4F1EEF}"/>
+              </a:ext>
+            </a:extLst>
+          </p:cNvPr>
+          <p:cNvSpPr>
+            <a:spLocks noGrp="1"/>
+          </p:cNvSpPr>
+          <p:nvPr>
+            <p:ph sz="half" idx="2"/>
+          </p:nvPr>
+        </p:nvSpPr>
+        <p:spPr/>
+        <p:txBody>
+          <a:bodyPr/>
+          <a:lstStyle/>
+          <a:p>
+            <a:r>
+              <a:rPr lang="de-DE" dirty="0" err="1"/>
+              <a:t>Usage</a:t>
+            </a:r>
+            <a:r>
+              <a:rPr lang="de-DE" dirty="0"/>
+              <a:t> Share </a:t>
+            </a:r>
+            <a:r>
+              <a:rPr lang="de-DE" dirty="0" err="1"/>
+              <a:t>by</a:t>
+            </a:r>
+            <a:r>
+              <a:rPr lang="de-DE" dirty="0"/>
+              <a:t> </a:t>
+            </a:r>
+            <a:r>
+              <a:rPr lang="de-DE" dirty="0" err="1"/>
+              <a:t>age</a:t>
+            </a:r>
+            <a:endParaRPr lang="de-DE" dirty="0"/>
+          </a:p>
+        </p:txBody>
+      </p:sp>
+      <p:sp>
+        <p:nvSpPr>
+          <p:cNvPr id="4" name="Datumsplatzhalter 3">
+            <a:extLst>
+              <a:ext uri="{FF2B5EF4-FFF2-40B4-BE49-F238E27FC236}">
+                <a16:creationId xmlns:a16="http://schemas.microsoft.com/office/drawing/2014/main" id="{43945677-3631-481A-882E-76077C52A6F9}"/>
+              </a:ext>
+            </a:extLst>
+          </p:cNvPr>
+          <p:cNvSpPr>
+            <a:spLocks noGrp="1"/>
+          </p:cNvSpPr>
+          <p:nvPr>
+            <p:ph type="dt" sz="half" idx="10"/>
+          </p:nvPr>
+        </p:nvSpPr>
+        <p:spPr/>
+        <p:txBody>
+          <a:bodyPr/>
+          <a:lstStyle/>
+          <a:p>
+            <a:pPr rtl="0"/>
+            <a:fld id="{FB7C0C16-5521-4517-AFDE-676F786A1296}" type="datetime1">
+              <a:rPr lang="de-DE" smtClean="0"/>
+              <a:t>29.11.2021</a:t>
+            </a:fld>
+            <a:endParaRPr lang="en-US"/>
+          </a:p>
+        </p:txBody>
+      </p:sp>
+    </p:spTree>
+    <p:extLst>
+      <p:ext uri="{BB962C8B-B14F-4D97-AF65-F5344CB8AC3E}">
+        <p14:creationId xmlns:p14="http://schemas.microsoft.com/office/powerpoint/2010/main" val="1623015893"/>
       </p:ext>
     </p:extLst>
   </p:cSld>
